--- a/Equip_B/results/S4_Presentacion_Marketing.pptx
+++ b/Equip_B/results/S4_Presentacion_Marketing.pptx
@@ -5,10 +5,10 @@
     <p:sldMasterId id="2147483648" r:id="rId4"/>
   </p:sldMasterIdLst>
   <p:notesMasterIdLst>
-    <p:notesMasterId r:id="rId23"/>
+    <p:notesMasterId r:id="rId13"/>
   </p:notesMasterIdLst>
   <p:handoutMasterIdLst>
-    <p:handoutMasterId r:id="rId24"/>
+    <p:handoutMasterId r:id="rId14"/>
   </p:handoutMasterIdLst>
   <p:sldIdLst>
     <p:sldId id="324" r:id="rId5"/>
@@ -16,19 +16,9 @@
     <p:sldId id="256" r:id="rId7"/>
     <p:sldId id="371" r:id="rId8"/>
     <p:sldId id="372" r:id="rId9"/>
-    <p:sldId id="367" r:id="rId10"/>
-    <p:sldId id="368" r:id="rId11"/>
-    <p:sldId id="369" r:id="rId12"/>
-    <p:sldId id="361" r:id="rId13"/>
-    <p:sldId id="355" r:id="rId14"/>
-    <p:sldId id="357" r:id="rId15"/>
-    <p:sldId id="358" r:id="rId16"/>
-    <p:sldId id="354" r:id="rId17"/>
-    <p:sldId id="359" r:id="rId18"/>
-    <p:sldId id="363" r:id="rId19"/>
-    <p:sldId id="365" r:id="rId20"/>
-    <p:sldId id="370" r:id="rId21"/>
-    <p:sldId id="335" r:id="rId22"/>
+    <p:sldId id="373" r:id="rId10"/>
+    <p:sldId id="361" r:id="rId11"/>
+    <p:sldId id="335" r:id="rId12"/>
   </p:sldIdLst>
   <p:sldSz cx="12192000" cy="6858000"/>
   <p:notesSz cx="6858000" cy="9144000"/>
@@ -260,7 +250,7 @@
             <a:pPr rtl="0"/>
             <a:fld id="{75725A15-8D86-497D-8EAD-2EB1176C54F6}" type="datetime1">
               <a:rPr lang="es-ES" smtClean="0"/>
-              <a:t>30/10/2024</a:t>
+              <a:t>31/10/2024</a:t>
             </a:fld>
             <a:endParaRPr lang="es-ES"/>
           </a:p>
@@ -442,7 +432,7 @@
             <a:fld id="{B958D509-07EE-4A09-900B-403023880868}" type="datetime1">
               <a:rPr lang="es-ES" smtClean="0"/>
               <a:pPr/>
-              <a:t>30/10/2024</a:t>
+              <a:t>31/10/2024</a:t>
             </a:fld>
             <a:endParaRPr lang="es-ES" dirty="0"/>
           </a:p>
@@ -999,7 +989,7 @@
             <a:pPr rtl="0"/>
             <a:fld id="{8530193B-564F-4854-8A52-728F3FB19C85}" type="slidenum">
               <a:rPr lang="es-ES" noProof="0" smtClean="0"/>
-              <a:t>9</a:t>
+              <a:t>7</a:t>
             </a:fld>
             <a:endParaRPr lang="es-ES" noProof="0"/>
           </a:p>
@@ -1019,115 +1009,6 @@
 </file>
 
 <file path=ppt/notesSlides/notesSlide4.xml><?xml version="1.0" encoding="utf-8"?>
-<p:notes xmlns:a="http://schemas.openxmlformats.org/drawingml/2006/main" xmlns:r="http://schemas.openxmlformats.org/officeDocument/2006/relationships" xmlns:p="http://schemas.openxmlformats.org/presentationml/2006/main">
-  <p:cSld>
-    <p:spTree>
-      <p:nvGrpSpPr>
-        <p:cNvPr id="1" name="">
-          <a:extLst>
-            <a:ext uri="{FF2B5EF4-FFF2-40B4-BE49-F238E27FC236}">
-              <a16:creationId xmlns:a16="http://schemas.microsoft.com/office/drawing/2014/main" id="{05DB5F8B-C47F-E364-FF4F-0710957ADB2F}"/>
-            </a:ext>
-          </a:extLst>
-        </p:cNvPr>
-        <p:cNvGrpSpPr/>
-        <p:nvPr/>
-      </p:nvGrpSpPr>
-      <p:grpSpPr>
-        <a:xfrm>
-          <a:off x="0" y="0"/>
-          <a:ext cx="0" cy="0"/>
-          <a:chOff x="0" y="0"/>
-          <a:chExt cx="0" cy="0"/>
-        </a:xfrm>
-      </p:grpSpPr>
-      <p:sp>
-        <p:nvSpPr>
-          <p:cNvPr id="2" name="Marcador de imagen de diapositiva 1">
-            <a:extLst>
-              <a:ext uri="{FF2B5EF4-FFF2-40B4-BE49-F238E27FC236}">
-                <a16:creationId xmlns:a16="http://schemas.microsoft.com/office/drawing/2014/main" id="{B43889D0-0E6B-1C3E-A08A-481B08938A4E}"/>
-              </a:ext>
-            </a:extLst>
-          </p:cNvPr>
-          <p:cNvSpPr>
-            <a:spLocks noGrp="1" noRot="1" noChangeAspect="1"/>
-          </p:cNvSpPr>
-          <p:nvPr>
-            <p:ph type="sldImg"/>
-          </p:nvPr>
-        </p:nvSpPr>
-        <p:spPr/>
-      </p:sp>
-      <p:sp>
-        <p:nvSpPr>
-          <p:cNvPr id="3" name="Marcador de notas 2">
-            <a:extLst>
-              <a:ext uri="{FF2B5EF4-FFF2-40B4-BE49-F238E27FC236}">
-                <a16:creationId xmlns:a16="http://schemas.microsoft.com/office/drawing/2014/main" id="{F62FB440-6DD3-AE5B-8243-49CB15AF8730}"/>
-              </a:ext>
-            </a:extLst>
-          </p:cNvPr>
-          <p:cNvSpPr>
-            <a:spLocks noGrp="1"/>
-          </p:cNvSpPr>
-          <p:nvPr>
-            <p:ph type="body" idx="1"/>
-          </p:nvPr>
-        </p:nvSpPr>
-        <p:spPr/>
-        <p:txBody>
-          <a:bodyPr/>
-          <a:lstStyle/>
-          <a:p>
-            <a:endParaRPr lang="es-ES" dirty="0"/>
-          </a:p>
-        </p:txBody>
-      </p:sp>
-      <p:sp>
-        <p:nvSpPr>
-          <p:cNvPr id="4" name="Marcador de número de diapositiva 3">
-            <a:extLst>
-              <a:ext uri="{FF2B5EF4-FFF2-40B4-BE49-F238E27FC236}">
-                <a16:creationId xmlns:a16="http://schemas.microsoft.com/office/drawing/2014/main" id="{95581750-F2D6-8825-E734-274E3CA2386C}"/>
-              </a:ext>
-            </a:extLst>
-          </p:cNvPr>
-          <p:cNvSpPr>
-            <a:spLocks noGrp="1"/>
-          </p:cNvSpPr>
-          <p:nvPr>
-            <p:ph type="sldNum" sz="quarter" idx="5"/>
-          </p:nvPr>
-        </p:nvSpPr>
-        <p:spPr/>
-        <p:txBody>
-          <a:bodyPr/>
-          <a:lstStyle/>
-          <a:p>
-            <a:pPr rtl="0"/>
-            <a:fld id="{8530193B-564F-4854-8A52-728F3FB19C85}" type="slidenum">
-              <a:rPr lang="es-ES" noProof="0" smtClean="0"/>
-              <a:t>17</a:t>
-            </a:fld>
-            <a:endParaRPr lang="es-ES" noProof="0"/>
-          </a:p>
-        </p:txBody>
-      </p:sp>
-    </p:spTree>
-    <p:extLst>
-      <p:ext uri="{BB962C8B-B14F-4D97-AF65-F5344CB8AC3E}">
-        <p14:creationId xmlns:p14="http://schemas.microsoft.com/office/powerpoint/2010/main" val="46208134"/>
-      </p:ext>
-    </p:extLst>
-  </p:cSld>
-  <p:clrMapOvr>
-    <a:masterClrMapping/>
-  </p:clrMapOvr>
-</p:notes>
-</file>
-
-<file path=ppt/notesSlides/notesSlide5.xml><?xml version="1.0" encoding="utf-8"?>
 <p:notes xmlns:a="http://schemas.openxmlformats.org/drawingml/2006/main" xmlns:r="http://schemas.openxmlformats.org/officeDocument/2006/relationships" xmlns:p="http://schemas.openxmlformats.org/presentationml/2006/main">
   <p:cSld>
     <p:spTree>
@@ -1218,7 +1099,7 @@
             <a:pPr rtl="0"/>
             <a:fld id="{8530193B-564F-4854-8A52-728F3FB19C85}" type="slidenum">
               <a:rPr lang="es-ES" smtClean="0"/>
-              <a:t>18</a:t>
+              <a:t>8</a:t>
             </a:fld>
             <a:endParaRPr lang="es-ES"/>
           </a:p>
@@ -3894,7 +3775,7 @@
           <a:p>
             <a:fld id="{37A2730A-859E-B540-ADF3-E97069AD1FDB}" type="datetimeFigureOut">
               <a:rPr lang="en-US" smtClean="0"/>
-              <a:t>10/30/2024</a:t>
+              <a:t>10/31/2024</a:t>
             </a:fld>
             <a:endParaRPr lang="en-US"/>
           </a:p>
@@ -8248,7 +8129,7 @@
                   <a:schemeClr val="accent2"/>
                 </a:solidFill>
               </a:rPr>
-              <a:t>30/10/2024</a:t>
+              <a:t>31/10/2024</a:t>
             </a:fld>
             <a:endParaRPr lang="es-ES" sz="1100" noProof="0" dirty="0">
               <a:solidFill>
@@ -9297,3660 +9178,6 @@
 </p:sld>
 </file>
 
-<file path=ppt/slides/slide10.xml><?xml version="1.0" encoding="utf-8"?>
-<p:sld xmlns:a="http://schemas.openxmlformats.org/drawingml/2006/main" xmlns:r="http://schemas.openxmlformats.org/officeDocument/2006/relationships" xmlns:p="http://schemas.openxmlformats.org/presentationml/2006/main">
-  <p:cSld>
-    <p:spTree>
-      <p:nvGrpSpPr>
-        <p:cNvPr id="1" name="">
-          <a:extLst>
-            <a:ext uri="{FF2B5EF4-FFF2-40B4-BE49-F238E27FC236}">
-              <a16:creationId xmlns:a16="http://schemas.microsoft.com/office/drawing/2014/main" id="{2122DA3C-6319-0E9E-C653-C4A5E5E6A806}"/>
-            </a:ext>
-          </a:extLst>
-        </p:cNvPr>
-        <p:cNvGrpSpPr/>
-        <p:nvPr/>
-      </p:nvGrpSpPr>
-      <p:grpSpPr>
-        <a:xfrm>
-          <a:off x="0" y="0"/>
-          <a:ext cx="0" cy="0"/>
-          <a:chOff x="0" y="0"/>
-          <a:chExt cx="0" cy="0"/>
-        </a:xfrm>
-      </p:grpSpPr>
-      <p:sp>
-        <p:nvSpPr>
-          <p:cNvPr id="5" name="Rectángulo 4">
-            <a:extLst>
-              <a:ext uri="{FF2B5EF4-FFF2-40B4-BE49-F238E27FC236}">
-                <a16:creationId xmlns:a16="http://schemas.microsoft.com/office/drawing/2014/main" id="{882A1661-D4E8-303B-BA24-F14D615D13C4}"/>
-              </a:ext>
-            </a:extLst>
-          </p:cNvPr>
-          <p:cNvSpPr/>
-          <p:nvPr/>
-        </p:nvSpPr>
-        <p:spPr>
-          <a:xfrm>
-            <a:off x="0" y="6400800"/>
-            <a:ext cx="2557670" cy="457200"/>
-          </a:xfrm>
-          <a:prstGeom prst="rect">
-            <a:avLst/>
-          </a:prstGeom>
-          <a:solidFill>
-            <a:schemeClr val="bg1">
-              <a:lumMod val="95000"/>
-            </a:schemeClr>
-          </a:solidFill>
-          <a:ln>
-            <a:noFill/>
-          </a:ln>
-        </p:spPr>
-        <p:style>
-          <a:lnRef idx="2">
-            <a:schemeClr val="accent1">
-              <a:shade val="50000"/>
-            </a:schemeClr>
-          </a:lnRef>
-          <a:fillRef idx="1">
-            <a:schemeClr val="accent1"/>
-          </a:fillRef>
-          <a:effectRef idx="0">
-            <a:schemeClr val="accent1"/>
-          </a:effectRef>
-          <a:fontRef idx="minor">
-            <a:schemeClr val="lt1"/>
-          </a:fontRef>
-        </p:style>
-        <p:txBody>
-          <a:bodyPr rtlCol="0" anchor="ctr"/>
-          <a:lstStyle/>
-          <a:p>
-            <a:pPr algn="ctr"/>
-            <a:endParaRPr lang="es-ES"/>
-          </a:p>
-        </p:txBody>
-      </p:sp>
-      <p:sp>
-        <p:nvSpPr>
-          <p:cNvPr id="9" name="QuadreDeText 3">
-            <a:extLst>
-              <a:ext uri="{FF2B5EF4-FFF2-40B4-BE49-F238E27FC236}">
-                <a16:creationId xmlns:a16="http://schemas.microsoft.com/office/drawing/2014/main" id="{E3C7FFE1-A797-62BF-BC16-BAA12271AC8E}"/>
-              </a:ext>
-            </a:extLst>
-          </p:cNvPr>
-          <p:cNvSpPr txBox="1"/>
-          <p:nvPr/>
-        </p:nvSpPr>
-        <p:spPr>
-          <a:xfrm>
-            <a:off x="505958" y="250347"/>
-            <a:ext cx="11230211" cy="461665"/>
-          </a:xfrm>
-          <a:prstGeom prst="rect">
-            <a:avLst/>
-          </a:prstGeom>
-          <a:noFill/>
-        </p:spPr>
-        <p:txBody>
-          <a:bodyPr wrap="square">
-            <a:spAutoFit/>
-          </a:bodyPr>
-          <a:lstStyle/>
-          <a:p>
-            <a:r>
-              <a:rPr lang="es-ES" sz="2400" b="1" dirty="0">
-                <a:solidFill>
-                  <a:schemeClr val="accent3">
-                    <a:lumMod val="50000"/>
-                  </a:schemeClr>
-                </a:solidFill>
-                <a:effectLst/>
-                <a:latin typeface="+mj-lt"/>
-              </a:rPr>
-              <a:t>DURACIÓN MEDIA DE LAS LLAMADAS POR SEMANA DEL MES</a:t>
-            </a:r>
-            <a:endParaRPr lang="es-ES" sz="2400" b="1" i="1" dirty="0">
-              <a:solidFill>
-                <a:schemeClr val="accent3">
-                  <a:lumMod val="50000"/>
-                </a:schemeClr>
-              </a:solidFill>
-              <a:effectLst/>
-              <a:latin typeface="+mj-lt"/>
-            </a:endParaRPr>
-          </a:p>
-        </p:txBody>
-      </p:sp>
-      <p:sp>
-        <p:nvSpPr>
-          <p:cNvPr id="8" name="QuadreDeText 16">
-            <a:extLst>
-              <a:ext uri="{FF2B5EF4-FFF2-40B4-BE49-F238E27FC236}">
-                <a16:creationId xmlns:a16="http://schemas.microsoft.com/office/drawing/2014/main" id="{A35D8D08-73A8-4B79-4525-ACDE3CACF457}"/>
-              </a:ext>
-            </a:extLst>
-          </p:cNvPr>
-          <p:cNvSpPr txBox="1"/>
-          <p:nvPr/>
-        </p:nvSpPr>
-        <p:spPr>
-          <a:xfrm>
-            <a:off x="7386320" y="1881022"/>
-            <a:ext cx="4091960" cy="1055608"/>
-          </a:xfrm>
-          <a:prstGeom prst="roundRect">
-            <a:avLst/>
-          </a:prstGeom>
-          <a:solidFill>
-            <a:schemeClr val="accent5">
-              <a:lumMod val="25000"/>
-              <a:lumOff val="75000"/>
-            </a:schemeClr>
-          </a:solidFill>
-          <a:ln>
-            <a:solidFill>
-              <a:schemeClr val="bg1"/>
-            </a:solidFill>
-          </a:ln>
-        </p:spPr>
-        <p:txBody>
-          <a:bodyPr wrap="square">
-            <a:spAutoFit/>
-          </a:bodyPr>
-          <a:lstStyle/>
-          <a:p>
-            <a:pPr marL="285750" indent="-285750">
-              <a:buFont typeface="Wingdings" panose="05000000000000000000" pitchFamily="2" charset="2"/>
-              <a:buChar char="§"/>
-            </a:pPr>
-            <a:r>
-              <a:rPr lang="es-ES" sz="1400" b="1" dirty="0"/>
-              <a:t>Estabilidad en las primeras semanas</a:t>
-            </a:r>
-            <a:r>
-              <a:rPr lang="es-ES" sz="1400" dirty="0"/>
-              <a:t>: Las semanas 1, 2 y 3 mantienen llamadas estables con una duración media de 6 minutos, lo que refleja constancia en las interacciones.</a:t>
-            </a:r>
-            <a:endParaRPr lang="es-ES" sz="1300" dirty="0"/>
-          </a:p>
-        </p:txBody>
-      </p:sp>
-      <p:sp>
-        <p:nvSpPr>
-          <p:cNvPr id="11" name="QuadreDeText 16">
-            <a:extLst>
-              <a:ext uri="{FF2B5EF4-FFF2-40B4-BE49-F238E27FC236}">
-                <a16:creationId xmlns:a16="http://schemas.microsoft.com/office/drawing/2014/main" id="{5A904658-11A2-903C-C8F4-05F7A988430D}"/>
-              </a:ext>
-            </a:extLst>
-          </p:cNvPr>
-          <p:cNvSpPr txBox="1"/>
-          <p:nvPr/>
-        </p:nvSpPr>
-        <p:spPr>
-          <a:xfrm>
-            <a:off x="7386320" y="3739523"/>
-            <a:ext cx="4167449" cy="1055608"/>
-          </a:xfrm>
-          <a:prstGeom prst="roundRect">
-            <a:avLst/>
-          </a:prstGeom>
-          <a:solidFill>
-            <a:schemeClr val="accent5">
-              <a:lumMod val="25000"/>
-              <a:lumOff val="75000"/>
-            </a:schemeClr>
-          </a:solidFill>
-          <a:ln>
-            <a:solidFill>
-              <a:schemeClr val="bg1"/>
-            </a:solidFill>
-          </a:ln>
-        </p:spPr>
-        <p:txBody>
-          <a:bodyPr wrap="square">
-            <a:spAutoFit/>
-          </a:bodyPr>
-          <a:lstStyle/>
-          <a:p>
-            <a:pPr marL="285750" indent="-285750">
-              <a:buFont typeface="Wingdings" panose="05000000000000000000" pitchFamily="2" charset="2"/>
-              <a:buChar char="§"/>
-            </a:pPr>
-            <a:r>
-              <a:rPr lang="es-ES" sz="1400" b="1" dirty="0"/>
-              <a:t>Caída en la semana 4</a:t>
-            </a:r>
-            <a:r>
-              <a:rPr lang="es-ES" sz="1400" dirty="0"/>
-              <a:t>: La semana 4 muestra una reducción notable en la duración de las llamadas, lo que podría indicar menor disposición o interés del cliente.</a:t>
-            </a:r>
-            <a:endParaRPr lang="es-ES" sz="1300" dirty="0"/>
-          </a:p>
-        </p:txBody>
-      </p:sp>
-      <p:pic>
-        <p:nvPicPr>
-          <p:cNvPr id="4" name="Picture 3">
-            <a:extLst>
-              <a:ext uri="{FF2B5EF4-FFF2-40B4-BE49-F238E27FC236}">
-                <a16:creationId xmlns:a16="http://schemas.microsoft.com/office/drawing/2014/main" id="{573E5A8C-8E72-465C-9816-66D85BDBE036}"/>
-              </a:ext>
-            </a:extLst>
-          </p:cNvPr>
-          <p:cNvPicPr>
-            <a:picLocks noChangeAspect="1"/>
-          </p:cNvPicPr>
-          <p:nvPr/>
-        </p:nvPicPr>
-        <p:blipFill>
-          <a:blip r:embed="rId2"/>
-          <a:stretch>
-            <a:fillRect/>
-          </a:stretch>
-        </p:blipFill>
-        <p:spPr>
-          <a:xfrm>
-            <a:off x="505958" y="800100"/>
-            <a:ext cx="6606042" cy="5257800"/>
-          </a:xfrm>
-          <a:prstGeom prst="rect">
-            <a:avLst/>
-          </a:prstGeom>
-        </p:spPr>
-      </p:pic>
-      <p:sp>
-        <p:nvSpPr>
-          <p:cNvPr id="6" name="Rectangle: Rounded Corners 5">
-            <a:extLst>
-              <a:ext uri="{FF2B5EF4-FFF2-40B4-BE49-F238E27FC236}">
-                <a16:creationId xmlns:a16="http://schemas.microsoft.com/office/drawing/2014/main" id="{DDACF53D-30CD-4BCB-91E2-78631DAF69C2}"/>
-              </a:ext>
-            </a:extLst>
-          </p:cNvPr>
-          <p:cNvSpPr/>
-          <p:nvPr/>
-        </p:nvSpPr>
-        <p:spPr>
-          <a:xfrm>
-            <a:off x="5415280" y="1584960"/>
-            <a:ext cx="1463040" cy="4175760"/>
-          </a:xfrm>
-          <a:prstGeom prst="roundRect">
-            <a:avLst/>
-          </a:prstGeom>
-          <a:noFill/>
-          <a:ln w="28575">
-            <a:solidFill>
-              <a:srgbClr val="FF0000"/>
-            </a:solidFill>
-          </a:ln>
-        </p:spPr>
-        <p:style>
-          <a:lnRef idx="2">
-            <a:schemeClr val="accent1"/>
-          </a:lnRef>
-          <a:fillRef idx="1">
-            <a:schemeClr val="lt1"/>
-          </a:fillRef>
-          <a:effectRef idx="0">
-            <a:schemeClr val="accent1"/>
-          </a:effectRef>
-          <a:fontRef idx="minor">
-            <a:schemeClr val="dk1"/>
-          </a:fontRef>
-        </p:style>
-        <p:txBody>
-          <a:bodyPr rtlCol="0" anchor="ctr"/>
-          <a:lstStyle/>
-          <a:p>
-            <a:pPr algn="ctr"/>
-            <a:endParaRPr lang="en-US"/>
-          </a:p>
-        </p:txBody>
-      </p:sp>
-    </p:spTree>
-    <p:extLst>
-      <p:ext uri="{BB962C8B-B14F-4D97-AF65-F5344CB8AC3E}">
-        <p14:creationId xmlns:p14="http://schemas.microsoft.com/office/powerpoint/2010/main" val="2338541326"/>
-      </p:ext>
-    </p:extLst>
-  </p:cSld>
-  <p:clrMapOvr>
-    <a:masterClrMapping/>
-  </p:clrMapOvr>
-</p:sld>
-</file>
-
-<file path=ppt/slides/slide11.xml><?xml version="1.0" encoding="utf-8"?>
-<p:sld xmlns:a="http://schemas.openxmlformats.org/drawingml/2006/main" xmlns:r="http://schemas.openxmlformats.org/officeDocument/2006/relationships" xmlns:p="http://schemas.openxmlformats.org/presentationml/2006/main">
-  <p:cSld>
-    <p:spTree>
-      <p:nvGrpSpPr>
-        <p:cNvPr id="1" name="">
-          <a:extLst>
-            <a:ext uri="{FF2B5EF4-FFF2-40B4-BE49-F238E27FC236}">
-              <a16:creationId xmlns:a16="http://schemas.microsoft.com/office/drawing/2014/main" id="{2122DA3C-6319-0E9E-C653-C4A5E5E6A806}"/>
-            </a:ext>
-          </a:extLst>
-        </p:cNvPr>
-        <p:cNvGrpSpPr/>
-        <p:nvPr/>
-      </p:nvGrpSpPr>
-      <p:grpSpPr>
-        <a:xfrm>
-          <a:off x="0" y="0"/>
-          <a:ext cx="0" cy="0"/>
-          <a:chOff x="0" y="0"/>
-          <a:chExt cx="0" cy="0"/>
-        </a:xfrm>
-      </p:grpSpPr>
-      <p:sp>
-        <p:nvSpPr>
-          <p:cNvPr id="5" name="Rectángulo 4">
-            <a:extLst>
-              <a:ext uri="{FF2B5EF4-FFF2-40B4-BE49-F238E27FC236}">
-                <a16:creationId xmlns:a16="http://schemas.microsoft.com/office/drawing/2014/main" id="{882A1661-D4E8-303B-BA24-F14D615D13C4}"/>
-              </a:ext>
-            </a:extLst>
-          </p:cNvPr>
-          <p:cNvSpPr/>
-          <p:nvPr/>
-        </p:nvSpPr>
-        <p:spPr>
-          <a:xfrm>
-            <a:off x="0" y="6400800"/>
-            <a:ext cx="2557670" cy="457200"/>
-          </a:xfrm>
-          <a:prstGeom prst="rect">
-            <a:avLst/>
-          </a:prstGeom>
-          <a:solidFill>
-            <a:schemeClr val="bg1">
-              <a:lumMod val="95000"/>
-            </a:schemeClr>
-          </a:solidFill>
-          <a:ln>
-            <a:noFill/>
-          </a:ln>
-        </p:spPr>
-        <p:style>
-          <a:lnRef idx="2">
-            <a:schemeClr val="accent1">
-              <a:shade val="50000"/>
-            </a:schemeClr>
-          </a:lnRef>
-          <a:fillRef idx="1">
-            <a:schemeClr val="accent1"/>
-          </a:fillRef>
-          <a:effectRef idx="0">
-            <a:schemeClr val="accent1"/>
-          </a:effectRef>
-          <a:fontRef idx="minor">
-            <a:schemeClr val="lt1"/>
-          </a:fontRef>
-        </p:style>
-        <p:txBody>
-          <a:bodyPr rtlCol="0" anchor="ctr"/>
-          <a:lstStyle/>
-          <a:p>
-            <a:pPr algn="ctr"/>
-            <a:endParaRPr lang="es-ES"/>
-          </a:p>
-        </p:txBody>
-      </p:sp>
-      <p:sp>
-        <p:nvSpPr>
-          <p:cNvPr id="9" name="QuadreDeText 3">
-            <a:extLst>
-              <a:ext uri="{FF2B5EF4-FFF2-40B4-BE49-F238E27FC236}">
-                <a16:creationId xmlns:a16="http://schemas.microsoft.com/office/drawing/2014/main" id="{E3C7FFE1-A797-62BF-BC16-BAA12271AC8E}"/>
-              </a:ext>
-            </a:extLst>
-          </p:cNvPr>
-          <p:cNvSpPr txBox="1"/>
-          <p:nvPr/>
-        </p:nvSpPr>
-        <p:spPr>
-          <a:xfrm>
-            <a:off x="505958" y="250347"/>
-            <a:ext cx="11230211" cy="461665"/>
-          </a:xfrm>
-          <a:prstGeom prst="rect">
-            <a:avLst/>
-          </a:prstGeom>
-          <a:noFill/>
-        </p:spPr>
-        <p:txBody>
-          <a:bodyPr wrap="square">
-            <a:spAutoFit/>
-          </a:bodyPr>
-          <a:lstStyle/>
-          <a:p>
-            <a:r>
-              <a:rPr lang="es-ES" sz="2400" b="1" dirty="0">
-                <a:solidFill>
-                  <a:schemeClr val="accent3">
-                    <a:lumMod val="50000"/>
-                  </a:schemeClr>
-                </a:solidFill>
-                <a:effectLst/>
-                <a:latin typeface="+mj-lt"/>
-              </a:rPr>
-              <a:t>TASA CONVERSIÓN POR SEMANA DEL MES Y RANGOS DE LLAMADAS</a:t>
-            </a:r>
-            <a:endParaRPr lang="es-ES" sz="2400" b="1" i="1" dirty="0">
-              <a:solidFill>
-                <a:schemeClr val="accent3">
-                  <a:lumMod val="50000"/>
-                </a:schemeClr>
-              </a:solidFill>
-              <a:effectLst/>
-              <a:latin typeface="+mj-lt"/>
-            </a:endParaRPr>
-          </a:p>
-        </p:txBody>
-      </p:sp>
-      <p:sp>
-        <p:nvSpPr>
-          <p:cNvPr id="8" name="QuadreDeText 16">
-            <a:extLst>
-              <a:ext uri="{FF2B5EF4-FFF2-40B4-BE49-F238E27FC236}">
-                <a16:creationId xmlns:a16="http://schemas.microsoft.com/office/drawing/2014/main" id="{A35D8D08-73A8-4B79-4525-ACDE3CACF457}"/>
-              </a:ext>
-            </a:extLst>
-          </p:cNvPr>
-          <p:cNvSpPr txBox="1"/>
-          <p:nvPr/>
-        </p:nvSpPr>
-        <p:spPr>
-          <a:xfrm>
-            <a:off x="8686800" y="948886"/>
-            <a:ext cx="3129995" cy="1293971"/>
-          </a:xfrm>
-          <a:prstGeom prst="roundRect">
-            <a:avLst/>
-          </a:prstGeom>
-          <a:solidFill>
-            <a:schemeClr val="accent5">
-              <a:lumMod val="25000"/>
-              <a:lumOff val="75000"/>
-            </a:schemeClr>
-          </a:solidFill>
-          <a:ln>
-            <a:solidFill>
-              <a:schemeClr val="bg1"/>
-            </a:solidFill>
-          </a:ln>
-        </p:spPr>
-        <p:txBody>
-          <a:bodyPr wrap="square">
-            <a:spAutoFit/>
-          </a:bodyPr>
-          <a:lstStyle/>
-          <a:p>
-            <a:pPr>
-              <a:buFont typeface="Arial" panose="020B0604020202020204" pitchFamily="34" charset="0"/>
-              <a:buChar char="•"/>
-            </a:pPr>
-            <a:r>
-              <a:rPr lang="es-ES" sz="1400" b="1" dirty="0"/>
-              <a:t>Duraciones largas, mayores conversiones</a:t>
-            </a:r>
-            <a:r>
-              <a:rPr lang="es-ES" sz="1400" dirty="0"/>
-              <a:t>: El rango de 8 a 17 minutos </a:t>
-            </a:r>
-            <a:r>
-              <a:rPr lang="es-ES" sz="1400" b="1" dirty="0"/>
-              <a:t>domina en todas las semanas</a:t>
-            </a:r>
-            <a:r>
-              <a:rPr lang="es-ES" sz="1400" dirty="0"/>
-              <a:t>, con tasas de conversión que alcanzan hasta el </a:t>
-            </a:r>
-            <a:r>
-              <a:rPr lang="es-ES" sz="1400" b="1" dirty="0"/>
-              <a:t>83%</a:t>
-            </a:r>
-            <a:r>
-              <a:rPr lang="es-ES" sz="1400" dirty="0"/>
-              <a:t>.</a:t>
-            </a:r>
-            <a:endParaRPr lang="es-ES" sz="1300" dirty="0"/>
-          </a:p>
-        </p:txBody>
-      </p:sp>
-      <p:sp>
-        <p:nvSpPr>
-          <p:cNvPr id="11" name="QuadreDeText 16">
-            <a:extLst>
-              <a:ext uri="{FF2B5EF4-FFF2-40B4-BE49-F238E27FC236}">
-                <a16:creationId xmlns:a16="http://schemas.microsoft.com/office/drawing/2014/main" id="{5A904658-11A2-903C-C8F4-05F7A988430D}"/>
-              </a:ext>
-            </a:extLst>
-          </p:cNvPr>
-          <p:cNvSpPr txBox="1"/>
-          <p:nvPr/>
-        </p:nvSpPr>
-        <p:spPr>
-          <a:xfrm>
-            <a:off x="8686801" y="2365878"/>
-            <a:ext cx="3129994" cy="919401"/>
-          </a:xfrm>
-          <a:prstGeom prst="roundRect">
-            <a:avLst/>
-          </a:prstGeom>
-          <a:solidFill>
-            <a:schemeClr val="accent5">
-              <a:lumMod val="25000"/>
-              <a:lumOff val="75000"/>
-            </a:schemeClr>
-          </a:solidFill>
-          <a:ln>
-            <a:solidFill>
-              <a:schemeClr val="bg1"/>
-            </a:solidFill>
-          </a:ln>
-        </p:spPr>
-        <p:txBody>
-          <a:bodyPr wrap="square">
-            <a:spAutoFit/>
-          </a:bodyPr>
-          <a:lstStyle/>
-          <a:p>
-            <a:pPr marL="171450" indent="-171450">
-              <a:buFont typeface="Arial" panose="020B0604020202020204" pitchFamily="34" charset="0"/>
-              <a:buChar char="•"/>
-            </a:pPr>
-            <a:r>
-              <a:rPr lang="es-ES" sz="1200" b="1" dirty="0"/>
-              <a:t>Las primeras semanas marcan la pauta</a:t>
-            </a:r>
-            <a:r>
-              <a:rPr lang="es-ES" sz="1200" dirty="0"/>
-              <a:t>: La </a:t>
-            </a:r>
-            <a:r>
-              <a:rPr lang="es-ES" sz="1200" b="1" dirty="0"/>
-              <a:t>semana 1</a:t>
-            </a:r>
-            <a:r>
-              <a:rPr lang="es-ES" sz="1200" dirty="0"/>
-              <a:t> y la </a:t>
-            </a:r>
-            <a:r>
-              <a:rPr lang="es-ES" sz="1200" b="1" dirty="0"/>
-              <a:t>semana 2</a:t>
-            </a:r>
-            <a:r>
-              <a:rPr lang="es-ES" sz="1200" dirty="0"/>
-              <a:t> son clave, con altas tasas de conversión para interacciones de mayor duración.</a:t>
-            </a:r>
-            <a:endParaRPr lang="es-ES" sz="1300" dirty="0"/>
-          </a:p>
-        </p:txBody>
-      </p:sp>
-      <p:pic>
-        <p:nvPicPr>
-          <p:cNvPr id="4" name="Picture 3">
-            <a:extLst>
-              <a:ext uri="{FF2B5EF4-FFF2-40B4-BE49-F238E27FC236}">
-                <a16:creationId xmlns:a16="http://schemas.microsoft.com/office/drawing/2014/main" id="{007F0F2B-10C5-4E13-97E8-592C91FDC140}"/>
-              </a:ext>
-            </a:extLst>
-          </p:cNvPr>
-          <p:cNvPicPr>
-            <a:picLocks noChangeAspect="1"/>
-          </p:cNvPicPr>
-          <p:nvPr/>
-        </p:nvPicPr>
-        <p:blipFill>
-          <a:blip r:embed="rId2"/>
-          <a:stretch>
-            <a:fillRect/>
-          </a:stretch>
-        </p:blipFill>
-        <p:spPr>
-          <a:xfrm>
-            <a:off x="609600" y="948886"/>
-            <a:ext cx="7650480" cy="5147114"/>
-          </a:xfrm>
-          <a:prstGeom prst="rect">
-            <a:avLst/>
-          </a:prstGeom>
-        </p:spPr>
-      </p:pic>
-      <p:sp>
-        <p:nvSpPr>
-          <p:cNvPr id="12" name="QuadreDeText 16">
-            <a:extLst>
-              <a:ext uri="{FF2B5EF4-FFF2-40B4-BE49-F238E27FC236}">
-                <a16:creationId xmlns:a16="http://schemas.microsoft.com/office/drawing/2014/main" id="{FC6E6906-D8F0-4A69-AE91-77D2FB02774F}"/>
-              </a:ext>
-            </a:extLst>
-          </p:cNvPr>
-          <p:cNvSpPr txBox="1"/>
-          <p:nvPr/>
-        </p:nvSpPr>
-        <p:spPr>
-          <a:xfrm>
-            <a:off x="8686800" y="3429000"/>
-            <a:ext cx="3129995" cy="1055608"/>
-          </a:xfrm>
-          <a:prstGeom prst="roundRect">
-            <a:avLst/>
-          </a:prstGeom>
-          <a:solidFill>
-            <a:schemeClr val="accent5">
-              <a:lumMod val="25000"/>
-              <a:lumOff val="75000"/>
-            </a:schemeClr>
-          </a:solidFill>
-          <a:ln>
-            <a:solidFill>
-              <a:schemeClr val="bg1"/>
-            </a:solidFill>
-          </a:ln>
-        </p:spPr>
-        <p:txBody>
-          <a:bodyPr wrap="square">
-            <a:spAutoFit/>
-          </a:bodyPr>
-          <a:lstStyle/>
-          <a:p>
-            <a:pPr>
-              <a:buFont typeface="Arial" panose="020B0604020202020204" pitchFamily="34" charset="0"/>
-              <a:buChar char="•"/>
-            </a:pPr>
-            <a:r>
-              <a:rPr lang="es-ES" sz="1400" b="1" dirty="0"/>
-              <a:t>Conversión explosiva con más de 8 minutos</a:t>
-            </a:r>
-            <a:r>
-              <a:rPr lang="es-ES" sz="1400" dirty="0"/>
-              <a:t>: Las llamadas más largas superan consistentemente el </a:t>
-            </a:r>
-            <a:r>
-              <a:rPr lang="es-ES" sz="1400" b="1" dirty="0"/>
-              <a:t>80%</a:t>
-            </a:r>
-            <a:r>
-              <a:rPr lang="es-ES" sz="1400" dirty="0"/>
-              <a:t> de conversión en cada semana.</a:t>
-            </a:r>
-            <a:endParaRPr lang="es-ES" sz="1300" dirty="0"/>
-          </a:p>
-        </p:txBody>
-      </p:sp>
-      <p:sp>
-        <p:nvSpPr>
-          <p:cNvPr id="13" name="QuadreDeText 16">
-            <a:extLst>
-              <a:ext uri="{FF2B5EF4-FFF2-40B4-BE49-F238E27FC236}">
-                <a16:creationId xmlns:a16="http://schemas.microsoft.com/office/drawing/2014/main" id="{DE1779FA-8AF6-4161-8FA2-A645252CB828}"/>
-              </a:ext>
-            </a:extLst>
-          </p:cNvPr>
-          <p:cNvSpPr txBox="1"/>
-          <p:nvPr/>
-        </p:nvSpPr>
-        <p:spPr>
-          <a:xfrm>
-            <a:off x="8686800" y="4558231"/>
-            <a:ext cx="3129995" cy="1055608"/>
-          </a:xfrm>
-          <a:prstGeom prst="roundRect">
-            <a:avLst/>
-          </a:prstGeom>
-          <a:solidFill>
-            <a:schemeClr val="accent5">
-              <a:lumMod val="25000"/>
-              <a:lumOff val="75000"/>
-            </a:schemeClr>
-          </a:solidFill>
-          <a:ln>
-            <a:solidFill>
-              <a:schemeClr val="bg1"/>
-            </a:solidFill>
-          </a:ln>
-        </p:spPr>
-        <p:txBody>
-          <a:bodyPr wrap="square">
-            <a:spAutoFit/>
-          </a:bodyPr>
-          <a:lstStyle/>
-          <a:p>
-            <a:pPr>
-              <a:buFont typeface="Arial" panose="020B0604020202020204" pitchFamily="34" charset="0"/>
-              <a:buChar char="•"/>
-            </a:pPr>
-            <a:r>
-              <a:rPr lang="es-ES" sz="1400" b="1" dirty="0"/>
-              <a:t>Corto tiempo, bajo rendimiento</a:t>
-            </a:r>
-            <a:r>
-              <a:rPr lang="es-ES" sz="1400" dirty="0"/>
-              <a:t>: Las llamadas más cortas (menos de 2 minutos) apenas logran un </a:t>
-            </a:r>
-            <a:r>
-              <a:rPr lang="es-ES" sz="1400" b="1" dirty="0"/>
-              <a:t>15% de conversión</a:t>
-            </a:r>
-            <a:r>
-              <a:rPr lang="es-ES" sz="1400" dirty="0"/>
-              <a:t>.</a:t>
-            </a:r>
-            <a:endParaRPr lang="es-ES" sz="1300" dirty="0"/>
-          </a:p>
-        </p:txBody>
-      </p:sp>
-    </p:spTree>
-    <p:extLst>
-      <p:ext uri="{BB962C8B-B14F-4D97-AF65-F5344CB8AC3E}">
-        <p14:creationId xmlns:p14="http://schemas.microsoft.com/office/powerpoint/2010/main" val="748986846"/>
-      </p:ext>
-    </p:extLst>
-  </p:cSld>
-  <p:clrMapOvr>
-    <a:masterClrMapping/>
-  </p:clrMapOvr>
-</p:sld>
-</file>
-
-<file path=ppt/slides/slide12.xml><?xml version="1.0" encoding="utf-8"?>
-<p:sld xmlns:a="http://schemas.openxmlformats.org/drawingml/2006/main" xmlns:r="http://schemas.openxmlformats.org/officeDocument/2006/relationships" xmlns:p="http://schemas.openxmlformats.org/presentationml/2006/main">
-  <p:cSld>
-    <p:spTree>
-      <p:nvGrpSpPr>
-        <p:cNvPr id="1" name="">
-          <a:extLst>
-            <a:ext uri="{FF2B5EF4-FFF2-40B4-BE49-F238E27FC236}">
-              <a16:creationId xmlns:a16="http://schemas.microsoft.com/office/drawing/2014/main" id="{2122DA3C-6319-0E9E-C653-C4A5E5E6A806}"/>
-            </a:ext>
-          </a:extLst>
-        </p:cNvPr>
-        <p:cNvGrpSpPr/>
-        <p:nvPr/>
-      </p:nvGrpSpPr>
-      <p:grpSpPr>
-        <a:xfrm>
-          <a:off x="0" y="0"/>
-          <a:ext cx="0" cy="0"/>
-          <a:chOff x="0" y="0"/>
-          <a:chExt cx="0" cy="0"/>
-        </a:xfrm>
-      </p:grpSpPr>
-      <p:sp>
-        <p:nvSpPr>
-          <p:cNvPr id="5" name="Rectángulo 4">
-            <a:extLst>
-              <a:ext uri="{FF2B5EF4-FFF2-40B4-BE49-F238E27FC236}">
-                <a16:creationId xmlns:a16="http://schemas.microsoft.com/office/drawing/2014/main" id="{882A1661-D4E8-303B-BA24-F14D615D13C4}"/>
-              </a:ext>
-            </a:extLst>
-          </p:cNvPr>
-          <p:cNvSpPr/>
-          <p:nvPr/>
-        </p:nvSpPr>
-        <p:spPr>
-          <a:xfrm>
-            <a:off x="0" y="6400800"/>
-            <a:ext cx="2557670" cy="457200"/>
-          </a:xfrm>
-          <a:prstGeom prst="rect">
-            <a:avLst/>
-          </a:prstGeom>
-          <a:solidFill>
-            <a:schemeClr val="bg1">
-              <a:lumMod val="95000"/>
-            </a:schemeClr>
-          </a:solidFill>
-          <a:ln>
-            <a:noFill/>
-          </a:ln>
-        </p:spPr>
-        <p:style>
-          <a:lnRef idx="2">
-            <a:schemeClr val="accent1">
-              <a:shade val="50000"/>
-            </a:schemeClr>
-          </a:lnRef>
-          <a:fillRef idx="1">
-            <a:schemeClr val="accent1"/>
-          </a:fillRef>
-          <a:effectRef idx="0">
-            <a:schemeClr val="accent1"/>
-          </a:effectRef>
-          <a:fontRef idx="minor">
-            <a:schemeClr val="lt1"/>
-          </a:fontRef>
-        </p:style>
-        <p:txBody>
-          <a:bodyPr rtlCol="0" anchor="ctr"/>
-          <a:lstStyle/>
-          <a:p>
-            <a:pPr algn="ctr"/>
-            <a:endParaRPr lang="es-ES"/>
-          </a:p>
-        </p:txBody>
-      </p:sp>
-      <p:sp>
-        <p:nvSpPr>
-          <p:cNvPr id="9" name="QuadreDeText 3">
-            <a:extLst>
-              <a:ext uri="{FF2B5EF4-FFF2-40B4-BE49-F238E27FC236}">
-                <a16:creationId xmlns:a16="http://schemas.microsoft.com/office/drawing/2014/main" id="{E3C7FFE1-A797-62BF-BC16-BAA12271AC8E}"/>
-              </a:ext>
-            </a:extLst>
-          </p:cNvPr>
-          <p:cNvSpPr txBox="1"/>
-          <p:nvPr/>
-        </p:nvSpPr>
-        <p:spPr>
-          <a:xfrm>
-            <a:off x="505958" y="250347"/>
-            <a:ext cx="11230211" cy="461665"/>
-          </a:xfrm>
-          <a:prstGeom prst="rect">
-            <a:avLst/>
-          </a:prstGeom>
-          <a:noFill/>
-        </p:spPr>
-        <p:txBody>
-          <a:bodyPr wrap="square">
-            <a:spAutoFit/>
-          </a:bodyPr>
-          <a:lstStyle/>
-          <a:p>
-            <a:r>
-              <a:rPr lang="es-ES" sz="2400" b="1" dirty="0">
-                <a:solidFill>
-                  <a:schemeClr val="accent3">
-                    <a:lumMod val="50000"/>
-                  </a:schemeClr>
-                </a:solidFill>
-                <a:effectLst/>
-                <a:latin typeface="+mj-lt"/>
-              </a:rPr>
-              <a:t>CANTIDAD DE CAMPAÑAS CERRADAS POR SEMANA DEL MES</a:t>
-            </a:r>
-            <a:endParaRPr lang="es-ES" sz="2400" b="1" i="1" dirty="0">
-              <a:solidFill>
-                <a:schemeClr val="accent3">
-                  <a:lumMod val="50000"/>
-                </a:schemeClr>
-              </a:solidFill>
-              <a:effectLst/>
-              <a:latin typeface="+mj-lt"/>
-            </a:endParaRPr>
-          </a:p>
-        </p:txBody>
-      </p:sp>
-      <p:sp>
-        <p:nvSpPr>
-          <p:cNvPr id="8" name="QuadreDeText 16">
-            <a:extLst>
-              <a:ext uri="{FF2B5EF4-FFF2-40B4-BE49-F238E27FC236}">
-                <a16:creationId xmlns:a16="http://schemas.microsoft.com/office/drawing/2014/main" id="{A35D8D08-73A8-4B79-4525-ACDE3CACF457}"/>
-              </a:ext>
-            </a:extLst>
-          </p:cNvPr>
-          <p:cNvSpPr txBox="1"/>
-          <p:nvPr/>
-        </p:nvSpPr>
-        <p:spPr>
-          <a:xfrm>
-            <a:off x="9310292" y="948886"/>
-            <a:ext cx="2648027" cy="1055608"/>
-          </a:xfrm>
-          <a:prstGeom prst="roundRect">
-            <a:avLst/>
-          </a:prstGeom>
-          <a:solidFill>
-            <a:schemeClr val="accent5">
-              <a:lumMod val="25000"/>
-              <a:lumOff val="75000"/>
-            </a:schemeClr>
-          </a:solidFill>
-          <a:ln>
-            <a:solidFill>
-              <a:schemeClr val="bg1"/>
-            </a:solidFill>
-          </a:ln>
-        </p:spPr>
-        <p:txBody>
-          <a:bodyPr wrap="square">
-            <a:spAutoFit/>
-          </a:bodyPr>
-          <a:lstStyle/>
-          <a:p>
-            <a:pPr>
-              <a:buFont typeface="Arial" panose="020B0604020202020204" pitchFamily="34" charset="0"/>
-              <a:buChar char="•"/>
-            </a:pPr>
-            <a:r>
-              <a:rPr lang="es-ES" sz="1400" b="1" dirty="0"/>
-              <a:t>Semana 2 lidera la conversión</a:t>
-            </a:r>
-            <a:r>
-              <a:rPr lang="es-ES" sz="1400" dirty="0"/>
-              <a:t>: ¡Más de 3,500 campañas cerradas, el mejor momento del mes!</a:t>
-            </a:r>
-            <a:endParaRPr lang="es-ES" sz="1300" dirty="0"/>
-          </a:p>
-        </p:txBody>
-      </p:sp>
-      <p:sp>
-        <p:nvSpPr>
-          <p:cNvPr id="11" name="QuadreDeText 16">
-            <a:extLst>
-              <a:ext uri="{FF2B5EF4-FFF2-40B4-BE49-F238E27FC236}">
-                <a16:creationId xmlns:a16="http://schemas.microsoft.com/office/drawing/2014/main" id="{5A904658-11A2-903C-C8F4-05F7A988430D}"/>
-              </a:ext>
-            </a:extLst>
-          </p:cNvPr>
-          <p:cNvSpPr txBox="1"/>
-          <p:nvPr/>
-        </p:nvSpPr>
-        <p:spPr>
-          <a:xfrm>
-            <a:off x="9326166" y="2173264"/>
-            <a:ext cx="2648027" cy="1055608"/>
-          </a:xfrm>
-          <a:prstGeom prst="roundRect">
-            <a:avLst/>
-          </a:prstGeom>
-          <a:solidFill>
-            <a:schemeClr val="accent5">
-              <a:lumMod val="25000"/>
-              <a:lumOff val="75000"/>
-            </a:schemeClr>
-          </a:solidFill>
-          <a:ln>
-            <a:solidFill>
-              <a:schemeClr val="bg1"/>
-            </a:solidFill>
-          </a:ln>
-        </p:spPr>
-        <p:txBody>
-          <a:bodyPr wrap="square">
-            <a:spAutoFit/>
-          </a:bodyPr>
-          <a:lstStyle/>
-          <a:p>
-            <a:pPr marL="171450" indent="-171450">
-              <a:buFont typeface="Arial" panose="020B0604020202020204" pitchFamily="34" charset="0"/>
-              <a:buChar char="•"/>
-            </a:pPr>
-            <a:r>
-              <a:rPr lang="es-ES" sz="1400" b="1" dirty="0"/>
-              <a:t>Semana 1 arranca fuerte</a:t>
-            </a:r>
-            <a:r>
-              <a:rPr lang="es-ES" sz="1400" dirty="0"/>
-              <a:t>: Más de 3,000 campañas cerradas, ¡el impulso perfecto para empezar!</a:t>
-            </a:r>
-          </a:p>
-        </p:txBody>
-      </p:sp>
-      <p:sp>
-        <p:nvSpPr>
-          <p:cNvPr id="14" name="QuadreDeText 16">
-            <a:extLst>
-              <a:ext uri="{FF2B5EF4-FFF2-40B4-BE49-F238E27FC236}">
-                <a16:creationId xmlns:a16="http://schemas.microsoft.com/office/drawing/2014/main" id="{65C05A16-0C5E-40E7-234D-8D6111594B31}"/>
-              </a:ext>
-            </a:extLst>
-          </p:cNvPr>
-          <p:cNvSpPr txBox="1"/>
-          <p:nvPr/>
-        </p:nvSpPr>
-        <p:spPr>
-          <a:xfrm>
-            <a:off x="9310291" y="3397642"/>
-            <a:ext cx="2648026" cy="1055608"/>
-          </a:xfrm>
-          <a:prstGeom prst="roundRect">
-            <a:avLst/>
-          </a:prstGeom>
-          <a:solidFill>
-            <a:schemeClr val="accent5">
-              <a:lumMod val="25000"/>
-              <a:lumOff val="75000"/>
-            </a:schemeClr>
-          </a:solidFill>
-          <a:ln>
-            <a:solidFill>
-              <a:schemeClr val="bg1"/>
-            </a:solidFill>
-          </a:ln>
-        </p:spPr>
-        <p:txBody>
-          <a:bodyPr wrap="square">
-            <a:spAutoFit/>
-          </a:bodyPr>
-          <a:lstStyle/>
-          <a:p>
-            <a:pPr marL="342900" indent="-342900">
-              <a:buFont typeface="Arial" panose="020B0604020202020204" pitchFamily="34" charset="0"/>
-              <a:buChar char="•"/>
-            </a:pPr>
-            <a:r>
-              <a:rPr lang="es-ES" sz="1400" b="1" dirty="0"/>
-              <a:t>Semana 3, sólida pero estable</a:t>
-            </a:r>
-            <a:r>
-              <a:rPr lang="es-ES" sz="1400" dirty="0"/>
-              <a:t>: Casi 3,500 cierres, manteniendo el ritmo de la conversión.</a:t>
-            </a:r>
-            <a:endParaRPr lang="es-ES" sz="1300" dirty="0"/>
-          </a:p>
-        </p:txBody>
-      </p:sp>
-      <p:sp>
-        <p:nvSpPr>
-          <p:cNvPr id="12" name="QuadreDeText 16">
-            <a:extLst>
-              <a:ext uri="{FF2B5EF4-FFF2-40B4-BE49-F238E27FC236}">
-                <a16:creationId xmlns:a16="http://schemas.microsoft.com/office/drawing/2014/main" id="{D9D14259-6AC5-4A23-8868-B9C97E794FCF}"/>
-              </a:ext>
-            </a:extLst>
-          </p:cNvPr>
-          <p:cNvSpPr txBox="1"/>
-          <p:nvPr/>
-        </p:nvSpPr>
-        <p:spPr>
-          <a:xfrm>
-            <a:off x="9326166" y="4622020"/>
-            <a:ext cx="2648026" cy="1055608"/>
-          </a:xfrm>
-          <a:prstGeom prst="roundRect">
-            <a:avLst/>
-          </a:prstGeom>
-          <a:solidFill>
-            <a:schemeClr val="accent5">
-              <a:lumMod val="25000"/>
-              <a:lumOff val="75000"/>
-            </a:schemeClr>
-          </a:solidFill>
-          <a:ln>
-            <a:solidFill>
-              <a:schemeClr val="bg1"/>
-            </a:solidFill>
-          </a:ln>
-        </p:spPr>
-        <p:txBody>
-          <a:bodyPr wrap="square">
-            <a:spAutoFit/>
-          </a:bodyPr>
-          <a:lstStyle/>
-          <a:p>
-            <a:pPr marL="285750" indent="-285750">
-              <a:buFont typeface="Arial" panose="020B0604020202020204" pitchFamily="34" charset="0"/>
-              <a:buChar char="•"/>
-            </a:pPr>
-            <a:r>
-              <a:rPr lang="es-ES" sz="1400" b="1" dirty="0"/>
-              <a:t>El éxito ocurre en la primera mitad</a:t>
-            </a:r>
-            <a:r>
-              <a:rPr lang="es-ES" sz="1400" dirty="0"/>
-              <a:t>: Las dos primeras semanas dominan el cierre de campañas.</a:t>
-            </a:r>
-            <a:endParaRPr lang="es-ES" sz="1300" dirty="0"/>
-          </a:p>
-        </p:txBody>
-      </p:sp>
-      <p:pic>
-        <p:nvPicPr>
-          <p:cNvPr id="3" name="Picture 2">
-            <a:extLst>
-              <a:ext uri="{FF2B5EF4-FFF2-40B4-BE49-F238E27FC236}">
-                <a16:creationId xmlns:a16="http://schemas.microsoft.com/office/drawing/2014/main" id="{48EEDEA2-5A5B-481E-BFF6-276D6EEA467D}"/>
-              </a:ext>
-            </a:extLst>
-          </p:cNvPr>
-          <p:cNvPicPr>
-            <a:picLocks noChangeAspect="1"/>
-          </p:cNvPicPr>
-          <p:nvPr/>
-        </p:nvPicPr>
-        <p:blipFill>
-          <a:blip r:embed="rId2"/>
-          <a:stretch>
-            <a:fillRect/>
-          </a:stretch>
-        </p:blipFill>
-        <p:spPr>
-          <a:xfrm>
-            <a:off x="375206" y="956080"/>
-            <a:ext cx="8575754" cy="5566639"/>
-          </a:xfrm>
-          <a:prstGeom prst="rect">
-            <a:avLst/>
-          </a:prstGeom>
-        </p:spPr>
-      </p:pic>
-      <p:sp>
-        <p:nvSpPr>
-          <p:cNvPr id="6" name="Rectangle: Rounded Corners 5">
-            <a:extLst>
-              <a:ext uri="{FF2B5EF4-FFF2-40B4-BE49-F238E27FC236}">
-                <a16:creationId xmlns:a16="http://schemas.microsoft.com/office/drawing/2014/main" id="{D8E482C5-414A-4F39-BD6C-FEF8E6221722}"/>
-              </a:ext>
-            </a:extLst>
-          </p:cNvPr>
-          <p:cNvSpPr/>
-          <p:nvPr/>
-        </p:nvSpPr>
-        <p:spPr>
-          <a:xfrm>
-            <a:off x="3007360" y="1381760"/>
-            <a:ext cx="1910080" cy="4714240"/>
-          </a:xfrm>
-          <a:prstGeom prst="roundRect">
-            <a:avLst/>
-          </a:prstGeom>
-          <a:noFill/>
-          <a:ln w="28575">
-            <a:solidFill>
-              <a:srgbClr val="92D050"/>
-            </a:solidFill>
-          </a:ln>
-        </p:spPr>
-        <p:style>
-          <a:lnRef idx="2">
-            <a:schemeClr val="accent1">
-              <a:shade val="50000"/>
-            </a:schemeClr>
-          </a:lnRef>
-          <a:fillRef idx="1">
-            <a:schemeClr val="accent1"/>
-          </a:fillRef>
-          <a:effectRef idx="0">
-            <a:schemeClr val="accent1"/>
-          </a:effectRef>
-          <a:fontRef idx="minor">
-            <a:schemeClr val="lt1"/>
-          </a:fontRef>
-        </p:style>
-        <p:txBody>
-          <a:bodyPr rtlCol="0" anchor="ctr"/>
-          <a:lstStyle/>
-          <a:p>
-            <a:pPr algn="ctr"/>
-            <a:endParaRPr lang="en-US"/>
-          </a:p>
-        </p:txBody>
-      </p:sp>
-    </p:spTree>
-    <p:extLst>
-      <p:ext uri="{BB962C8B-B14F-4D97-AF65-F5344CB8AC3E}">
-        <p14:creationId xmlns:p14="http://schemas.microsoft.com/office/powerpoint/2010/main" val="837718583"/>
-      </p:ext>
-    </p:extLst>
-  </p:cSld>
-  <p:clrMapOvr>
-    <a:masterClrMapping/>
-  </p:clrMapOvr>
-</p:sld>
-</file>
-
-<file path=ppt/slides/slide13.xml><?xml version="1.0" encoding="utf-8"?>
-<p:sld xmlns:a="http://schemas.openxmlformats.org/drawingml/2006/main" xmlns:r="http://schemas.openxmlformats.org/officeDocument/2006/relationships" xmlns:p="http://schemas.openxmlformats.org/presentationml/2006/main">
-  <p:cSld>
-    <p:spTree>
-      <p:nvGrpSpPr>
-        <p:cNvPr id="1" name="">
-          <a:extLst>
-            <a:ext uri="{FF2B5EF4-FFF2-40B4-BE49-F238E27FC236}">
-              <a16:creationId xmlns:a16="http://schemas.microsoft.com/office/drawing/2014/main" id="{2122DA3C-6319-0E9E-C653-C4A5E5E6A806}"/>
-            </a:ext>
-          </a:extLst>
-        </p:cNvPr>
-        <p:cNvGrpSpPr/>
-        <p:nvPr/>
-      </p:nvGrpSpPr>
-      <p:grpSpPr>
-        <a:xfrm>
-          <a:off x="0" y="0"/>
-          <a:ext cx="0" cy="0"/>
-          <a:chOff x="0" y="0"/>
-          <a:chExt cx="0" cy="0"/>
-        </a:xfrm>
-      </p:grpSpPr>
-      <p:sp>
-        <p:nvSpPr>
-          <p:cNvPr id="5" name="Rectángulo 4">
-            <a:extLst>
-              <a:ext uri="{FF2B5EF4-FFF2-40B4-BE49-F238E27FC236}">
-                <a16:creationId xmlns:a16="http://schemas.microsoft.com/office/drawing/2014/main" id="{882A1661-D4E8-303B-BA24-F14D615D13C4}"/>
-              </a:ext>
-            </a:extLst>
-          </p:cNvPr>
-          <p:cNvSpPr/>
-          <p:nvPr/>
-        </p:nvSpPr>
-        <p:spPr>
-          <a:xfrm>
-            <a:off x="0" y="6400800"/>
-            <a:ext cx="2557670" cy="457200"/>
-          </a:xfrm>
-          <a:prstGeom prst="rect">
-            <a:avLst/>
-          </a:prstGeom>
-          <a:solidFill>
-            <a:schemeClr val="bg1">
-              <a:lumMod val="95000"/>
-            </a:schemeClr>
-          </a:solidFill>
-          <a:ln>
-            <a:noFill/>
-          </a:ln>
-        </p:spPr>
-        <p:style>
-          <a:lnRef idx="2">
-            <a:schemeClr val="accent1">
-              <a:shade val="50000"/>
-            </a:schemeClr>
-          </a:lnRef>
-          <a:fillRef idx="1">
-            <a:schemeClr val="accent1"/>
-          </a:fillRef>
-          <a:effectRef idx="0">
-            <a:schemeClr val="accent1"/>
-          </a:effectRef>
-          <a:fontRef idx="minor">
-            <a:schemeClr val="lt1"/>
-          </a:fontRef>
-        </p:style>
-        <p:txBody>
-          <a:bodyPr rtlCol="0" anchor="ctr"/>
-          <a:lstStyle/>
-          <a:p>
-            <a:pPr algn="ctr"/>
-            <a:endParaRPr lang="es-ES"/>
-          </a:p>
-        </p:txBody>
-      </p:sp>
-      <p:sp>
-        <p:nvSpPr>
-          <p:cNvPr id="9" name="QuadreDeText 3">
-            <a:extLst>
-              <a:ext uri="{FF2B5EF4-FFF2-40B4-BE49-F238E27FC236}">
-                <a16:creationId xmlns:a16="http://schemas.microsoft.com/office/drawing/2014/main" id="{E3C7FFE1-A797-62BF-BC16-BAA12271AC8E}"/>
-              </a:ext>
-            </a:extLst>
-          </p:cNvPr>
-          <p:cNvSpPr txBox="1"/>
-          <p:nvPr/>
-        </p:nvSpPr>
-        <p:spPr>
-          <a:xfrm>
-            <a:off x="505958" y="250347"/>
-            <a:ext cx="11230211" cy="461665"/>
-          </a:xfrm>
-          <a:prstGeom prst="rect">
-            <a:avLst/>
-          </a:prstGeom>
-          <a:noFill/>
-        </p:spPr>
-        <p:txBody>
-          <a:bodyPr wrap="square">
-            <a:spAutoFit/>
-          </a:bodyPr>
-          <a:lstStyle/>
-          <a:p>
-            <a:r>
-              <a:rPr lang="es-ES" sz="2400" b="1" dirty="0">
-                <a:solidFill>
-                  <a:schemeClr val="accent3">
-                    <a:lumMod val="50000"/>
-                  </a:schemeClr>
-                </a:solidFill>
-                <a:effectLst/>
-                <a:latin typeface="+mj-lt"/>
-              </a:rPr>
-              <a:t>IMPACTO DEL TIPO DE CONTACTO POR SEMANA DEL MES</a:t>
-            </a:r>
-            <a:endParaRPr lang="es-ES" sz="2400" b="1" i="1" dirty="0">
-              <a:solidFill>
-                <a:schemeClr val="accent3">
-                  <a:lumMod val="50000"/>
-                </a:schemeClr>
-              </a:solidFill>
-              <a:effectLst/>
-              <a:latin typeface="+mj-lt"/>
-            </a:endParaRPr>
-          </a:p>
-        </p:txBody>
-      </p:sp>
-      <p:sp>
-        <p:nvSpPr>
-          <p:cNvPr id="8" name="QuadreDeText 16">
-            <a:extLst>
-              <a:ext uri="{FF2B5EF4-FFF2-40B4-BE49-F238E27FC236}">
-                <a16:creationId xmlns:a16="http://schemas.microsoft.com/office/drawing/2014/main" id="{A35D8D08-73A8-4B79-4525-ACDE3CACF457}"/>
-              </a:ext>
-            </a:extLst>
-          </p:cNvPr>
-          <p:cNvSpPr txBox="1"/>
-          <p:nvPr/>
-        </p:nvSpPr>
-        <p:spPr>
-          <a:xfrm>
-            <a:off x="9310293" y="853636"/>
-            <a:ext cx="2506502" cy="1055608"/>
-          </a:xfrm>
-          <a:prstGeom prst="roundRect">
-            <a:avLst/>
-          </a:prstGeom>
-          <a:solidFill>
-            <a:schemeClr val="accent5">
-              <a:lumMod val="25000"/>
-              <a:lumOff val="75000"/>
-            </a:schemeClr>
-          </a:solidFill>
-          <a:ln>
-            <a:solidFill>
-              <a:schemeClr val="bg1"/>
-            </a:solidFill>
-          </a:ln>
-        </p:spPr>
-        <p:txBody>
-          <a:bodyPr wrap="square">
-            <a:spAutoFit/>
-          </a:bodyPr>
-          <a:lstStyle/>
-          <a:p>
-            <a:r>
-              <a:rPr lang="es-ES" sz="1400" b="1" dirty="0"/>
-              <a:t>El celular domina</a:t>
-            </a:r>
-            <a:r>
-              <a:rPr lang="es-ES" sz="1400" dirty="0"/>
-              <a:t>: ¡Más del 90% de los contactos se realizan por celular en todas las semanas!</a:t>
-            </a:r>
-            <a:endParaRPr lang="es-ES" sz="1300" dirty="0"/>
-          </a:p>
-        </p:txBody>
-      </p:sp>
-      <p:sp>
-        <p:nvSpPr>
-          <p:cNvPr id="11" name="QuadreDeText 16">
-            <a:extLst>
-              <a:ext uri="{FF2B5EF4-FFF2-40B4-BE49-F238E27FC236}">
-                <a16:creationId xmlns:a16="http://schemas.microsoft.com/office/drawing/2014/main" id="{5A904658-11A2-903C-C8F4-05F7A988430D}"/>
-              </a:ext>
-            </a:extLst>
-          </p:cNvPr>
-          <p:cNvSpPr txBox="1"/>
-          <p:nvPr/>
-        </p:nvSpPr>
-        <p:spPr>
-          <a:xfrm>
-            <a:off x="9324775" y="2167167"/>
-            <a:ext cx="2506503" cy="1055608"/>
-          </a:xfrm>
-          <a:prstGeom prst="roundRect">
-            <a:avLst/>
-          </a:prstGeom>
-          <a:solidFill>
-            <a:schemeClr val="accent5">
-              <a:lumMod val="25000"/>
-              <a:lumOff val="75000"/>
-            </a:schemeClr>
-          </a:solidFill>
-          <a:ln>
-            <a:solidFill>
-              <a:schemeClr val="bg1"/>
-            </a:solidFill>
-          </a:ln>
-        </p:spPr>
-        <p:txBody>
-          <a:bodyPr wrap="square">
-            <a:spAutoFit/>
-          </a:bodyPr>
-          <a:lstStyle/>
-          <a:p>
-            <a:r>
-              <a:rPr lang="es-ES" sz="1400" b="1" dirty="0"/>
-              <a:t>Semana 3, el pico del celular</a:t>
-            </a:r>
-            <a:r>
-              <a:rPr lang="es-ES" sz="1400" dirty="0"/>
-              <a:t>: ¡Más de 5,000 contactos, el momento clave para conectar!</a:t>
-            </a:r>
-            <a:endParaRPr lang="es-ES" sz="1300" dirty="0"/>
-          </a:p>
-        </p:txBody>
-      </p:sp>
-      <p:sp>
-        <p:nvSpPr>
-          <p:cNvPr id="14" name="QuadreDeText 16">
-            <a:extLst>
-              <a:ext uri="{FF2B5EF4-FFF2-40B4-BE49-F238E27FC236}">
-                <a16:creationId xmlns:a16="http://schemas.microsoft.com/office/drawing/2014/main" id="{65C05A16-0C5E-40E7-234D-8D6111594B31}"/>
-              </a:ext>
-            </a:extLst>
-          </p:cNvPr>
-          <p:cNvSpPr txBox="1"/>
-          <p:nvPr/>
-        </p:nvSpPr>
-        <p:spPr>
-          <a:xfrm>
-            <a:off x="9310293" y="3357746"/>
-            <a:ext cx="2411394" cy="1055608"/>
-          </a:xfrm>
-          <a:prstGeom prst="roundRect">
-            <a:avLst/>
-          </a:prstGeom>
-          <a:solidFill>
-            <a:schemeClr val="accent5">
-              <a:lumMod val="25000"/>
-              <a:lumOff val="75000"/>
-            </a:schemeClr>
-          </a:solidFill>
-          <a:ln>
-            <a:solidFill>
-              <a:schemeClr val="bg1"/>
-            </a:solidFill>
-          </a:ln>
-        </p:spPr>
-        <p:txBody>
-          <a:bodyPr wrap="square">
-            <a:spAutoFit/>
-          </a:bodyPr>
-          <a:lstStyle/>
-          <a:p>
-            <a:r>
-              <a:rPr lang="es-ES" sz="1400" b="1" dirty="0"/>
-              <a:t>Teléfono fijo sigue en juego</a:t>
-            </a:r>
-            <a:r>
-              <a:rPr lang="es-ES" sz="1400" dirty="0"/>
-              <a:t>: Aunque mínimo, el teléfono fijo mantiene su presencia constante.</a:t>
-            </a:r>
-            <a:endParaRPr lang="es-ES" sz="1300" dirty="0"/>
-          </a:p>
-        </p:txBody>
-      </p:sp>
-      <p:pic>
-        <p:nvPicPr>
-          <p:cNvPr id="3" name="Picture 2">
-            <a:extLst>
-              <a:ext uri="{FF2B5EF4-FFF2-40B4-BE49-F238E27FC236}">
-                <a16:creationId xmlns:a16="http://schemas.microsoft.com/office/drawing/2014/main" id="{33C08201-B8B4-49A2-A43D-7DBC0B414A85}"/>
-              </a:ext>
-            </a:extLst>
-          </p:cNvPr>
-          <p:cNvPicPr>
-            <a:picLocks noChangeAspect="1"/>
-          </p:cNvPicPr>
-          <p:nvPr/>
-        </p:nvPicPr>
-        <p:blipFill>
-          <a:blip r:embed="rId2"/>
-          <a:stretch>
-            <a:fillRect/>
-          </a:stretch>
-        </p:blipFill>
-        <p:spPr>
-          <a:xfrm>
-            <a:off x="599440" y="824014"/>
-            <a:ext cx="8524240" cy="5414226"/>
-          </a:xfrm>
-          <a:prstGeom prst="rect">
-            <a:avLst/>
-          </a:prstGeom>
-        </p:spPr>
-      </p:pic>
-      <p:sp>
-        <p:nvSpPr>
-          <p:cNvPr id="12" name="QuadreDeText 16">
-            <a:extLst>
-              <a:ext uri="{FF2B5EF4-FFF2-40B4-BE49-F238E27FC236}">
-                <a16:creationId xmlns:a16="http://schemas.microsoft.com/office/drawing/2014/main" id="{12273CDD-D126-470F-9CC3-32C09FBECC0C}"/>
-              </a:ext>
-            </a:extLst>
-          </p:cNvPr>
-          <p:cNvSpPr txBox="1"/>
-          <p:nvPr/>
-        </p:nvSpPr>
-        <p:spPr>
-          <a:xfrm>
-            <a:off x="9310293" y="4548325"/>
-            <a:ext cx="2411394" cy="1055608"/>
-          </a:xfrm>
-          <a:prstGeom prst="roundRect">
-            <a:avLst/>
-          </a:prstGeom>
-          <a:solidFill>
-            <a:schemeClr val="accent5">
-              <a:lumMod val="25000"/>
-              <a:lumOff val="75000"/>
-            </a:schemeClr>
-          </a:solidFill>
-          <a:ln>
-            <a:solidFill>
-              <a:schemeClr val="bg1"/>
-            </a:solidFill>
-          </a:ln>
-        </p:spPr>
-        <p:txBody>
-          <a:bodyPr wrap="square">
-            <a:spAutoFit/>
-          </a:bodyPr>
-          <a:lstStyle/>
-          <a:p>
-            <a:r>
-              <a:rPr lang="es-ES" sz="1400" b="1" dirty="0"/>
-              <a:t>Contacto fuerte al inicio y mitad del mes</a:t>
-            </a:r>
-            <a:r>
-              <a:rPr lang="es-ES" sz="1400" dirty="0"/>
-              <a:t>: Semanas 1 y 3 concentran la mayor cantidad de contactos.</a:t>
-            </a:r>
-            <a:endParaRPr lang="es-ES" sz="1300" dirty="0"/>
-          </a:p>
-        </p:txBody>
-      </p:sp>
-    </p:spTree>
-    <p:extLst>
-      <p:ext uri="{BB962C8B-B14F-4D97-AF65-F5344CB8AC3E}">
-        <p14:creationId xmlns:p14="http://schemas.microsoft.com/office/powerpoint/2010/main" val="2168691594"/>
-      </p:ext>
-    </p:extLst>
-  </p:cSld>
-  <p:clrMapOvr>
-    <a:masterClrMapping/>
-  </p:clrMapOvr>
-</p:sld>
-</file>
-
-<file path=ppt/slides/slide14.xml><?xml version="1.0" encoding="utf-8"?>
-<p:sld xmlns:a="http://schemas.openxmlformats.org/drawingml/2006/main" xmlns:r="http://schemas.openxmlformats.org/officeDocument/2006/relationships" xmlns:p="http://schemas.openxmlformats.org/presentationml/2006/main">
-  <p:cSld>
-    <p:spTree>
-      <p:nvGrpSpPr>
-        <p:cNvPr id="1" name="">
-          <a:extLst>
-            <a:ext uri="{FF2B5EF4-FFF2-40B4-BE49-F238E27FC236}">
-              <a16:creationId xmlns:a16="http://schemas.microsoft.com/office/drawing/2014/main" id="{2122DA3C-6319-0E9E-C653-C4A5E5E6A806}"/>
-            </a:ext>
-          </a:extLst>
-        </p:cNvPr>
-        <p:cNvGrpSpPr/>
-        <p:nvPr/>
-      </p:nvGrpSpPr>
-      <p:grpSpPr>
-        <a:xfrm>
-          <a:off x="0" y="0"/>
-          <a:ext cx="0" cy="0"/>
-          <a:chOff x="0" y="0"/>
-          <a:chExt cx="0" cy="0"/>
-        </a:xfrm>
-      </p:grpSpPr>
-      <p:sp>
-        <p:nvSpPr>
-          <p:cNvPr id="5" name="Rectángulo 4">
-            <a:extLst>
-              <a:ext uri="{FF2B5EF4-FFF2-40B4-BE49-F238E27FC236}">
-                <a16:creationId xmlns:a16="http://schemas.microsoft.com/office/drawing/2014/main" id="{882A1661-D4E8-303B-BA24-F14D615D13C4}"/>
-              </a:ext>
-            </a:extLst>
-          </p:cNvPr>
-          <p:cNvSpPr/>
-          <p:nvPr/>
-        </p:nvSpPr>
-        <p:spPr>
-          <a:xfrm>
-            <a:off x="0" y="6400800"/>
-            <a:ext cx="2557670" cy="457200"/>
-          </a:xfrm>
-          <a:prstGeom prst="rect">
-            <a:avLst/>
-          </a:prstGeom>
-          <a:solidFill>
-            <a:schemeClr val="bg1">
-              <a:lumMod val="95000"/>
-            </a:schemeClr>
-          </a:solidFill>
-          <a:ln>
-            <a:noFill/>
-          </a:ln>
-        </p:spPr>
-        <p:style>
-          <a:lnRef idx="2">
-            <a:schemeClr val="accent1">
-              <a:shade val="50000"/>
-            </a:schemeClr>
-          </a:lnRef>
-          <a:fillRef idx="1">
-            <a:schemeClr val="accent1"/>
-          </a:fillRef>
-          <a:effectRef idx="0">
-            <a:schemeClr val="accent1"/>
-          </a:effectRef>
-          <a:fontRef idx="minor">
-            <a:schemeClr val="lt1"/>
-          </a:fontRef>
-        </p:style>
-        <p:txBody>
-          <a:bodyPr rtlCol="0" anchor="ctr"/>
-          <a:lstStyle/>
-          <a:p>
-            <a:pPr algn="ctr"/>
-            <a:endParaRPr lang="es-ES"/>
-          </a:p>
-        </p:txBody>
-      </p:sp>
-      <p:sp>
-        <p:nvSpPr>
-          <p:cNvPr id="9" name="QuadreDeText 3">
-            <a:extLst>
-              <a:ext uri="{FF2B5EF4-FFF2-40B4-BE49-F238E27FC236}">
-                <a16:creationId xmlns:a16="http://schemas.microsoft.com/office/drawing/2014/main" id="{E3C7FFE1-A797-62BF-BC16-BAA12271AC8E}"/>
-              </a:ext>
-            </a:extLst>
-          </p:cNvPr>
-          <p:cNvSpPr txBox="1"/>
-          <p:nvPr/>
-        </p:nvSpPr>
-        <p:spPr>
-          <a:xfrm>
-            <a:off x="505958" y="250347"/>
-            <a:ext cx="11230211" cy="461665"/>
-          </a:xfrm>
-          <a:prstGeom prst="rect">
-            <a:avLst/>
-          </a:prstGeom>
-          <a:noFill/>
-        </p:spPr>
-        <p:txBody>
-          <a:bodyPr wrap="square">
-            <a:spAutoFit/>
-          </a:bodyPr>
-          <a:lstStyle/>
-          <a:p>
-            <a:r>
-              <a:rPr lang="es-ES" sz="2400" b="1" dirty="0">
-                <a:solidFill>
-                  <a:schemeClr val="accent3">
-                    <a:lumMod val="50000"/>
-                  </a:schemeClr>
-                </a:solidFill>
-                <a:effectLst/>
-                <a:latin typeface="+mj-lt"/>
-              </a:rPr>
-              <a:t>MEDIA DEL BALANCE DE LOS CLIENTES POR SEMANA DEL MES</a:t>
-            </a:r>
-            <a:endParaRPr lang="es-ES" sz="2400" b="1" i="1" dirty="0">
-              <a:solidFill>
-                <a:schemeClr val="accent3">
-                  <a:lumMod val="50000"/>
-                </a:schemeClr>
-              </a:solidFill>
-              <a:effectLst/>
-              <a:latin typeface="+mj-lt"/>
-            </a:endParaRPr>
-          </a:p>
-        </p:txBody>
-      </p:sp>
-      <p:sp>
-        <p:nvSpPr>
-          <p:cNvPr id="8" name="QuadreDeText 16">
-            <a:extLst>
-              <a:ext uri="{FF2B5EF4-FFF2-40B4-BE49-F238E27FC236}">
-                <a16:creationId xmlns:a16="http://schemas.microsoft.com/office/drawing/2014/main" id="{A35D8D08-73A8-4B79-4525-ACDE3CACF457}"/>
-              </a:ext>
-            </a:extLst>
-          </p:cNvPr>
-          <p:cNvSpPr txBox="1"/>
-          <p:nvPr/>
-        </p:nvSpPr>
-        <p:spPr>
-          <a:xfrm>
-            <a:off x="8727439" y="1270891"/>
-            <a:ext cx="3008729" cy="578882"/>
-          </a:xfrm>
-          <a:prstGeom prst="roundRect">
-            <a:avLst/>
-          </a:prstGeom>
-          <a:solidFill>
-            <a:schemeClr val="accent5">
-              <a:lumMod val="25000"/>
-              <a:lumOff val="75000"/>
-            </a:schemeClr>
-          </a:solidFill>
-          <a:ln>
-            <a:solidFill>
-              <a:schemeClr val="bg1"/>
-            </a:solidFill>
-          </a:ln>
-        </p:spPr>
-        <p:txBody>
-          <a:bodyPr wrap="square">
-            <a:spAutoFit/>
-          </a:bodyPr>
-          <a:lstStyle/>
-          <a:p>
-            <a:r>
-              <a:rPr lang="es-ES" sz="1400" b="1" dirty="0"/>
-              <a:t>Semana 3 en la cima</a:t>
-            </a:r>
-            <a:r>
-              <a:rPr lang="es-ES" sz="1400" dirty="0"/>
-              <a:t>: ¡El balance más alto del mes, superando los $1,600!</a:t>
-            </a:r>
-            <a:endParaRPr lang="es-ES" sz="1300" b="1" dirty="0"/>
-          </a:p>
-        </p:txBody>
-      </p:sp>
-      <p:sp>
-        <p:nvSpPr>
-          <p:cNvPr id="2" name="QuadreDeText 16">
-            <a:extLst>
-              <a:ext uri="{FF2B5EF4-FFF2-40B4-BE49-F238E27FC236}">
-                <a16:creationId xmlns:a16="http://schemas.microsoft.com/office/drawing/2014/main" id="{2C65B12D-49F2-E1C0-DF85-5F249F6BDBF6}"/>
-              </a:ext>
-            </a:extLst>
-          </p:cNvPr>
-          <p:cNvSpPr txBox="1"/>
-          <p:nvPr/>
-        </p:nvSpPr>
-        <p:spPr>
-          <a:xfrm>
-            <a:off x="8727438" y="2053437"/>
-            <a:ext cx="3008729" cy="817245"/>
-          </a:xfrm>
-          <a:prstGeom prst="roundRect">
-            <a:avLst/>
-          </a:prstGeom>
-          <a:solidFill>
-            <a:schemeClr val="accent5">
-              <a:lumMod val="25000"/>
-              <a:lumOff val="75000"/>
-            </a:schemeClr>
-          </a:solidFill>
-          <a:ln>
-            <a:solidFill>
-              <a:schemeClr val="bg1"/>
-            </a:solidFill>
-          </a:ln>
-        </p:spPr>
-        <p:txBody>
-          <a:bodyPr wrap="square">
-            <a:spAutoFit/>
-          </a:bodyPr>
-          <a:lstStyle/>
-          <a:p>
-            <a:pPr marL="285750" indent="-285750">
-              <a:buFont typeface="Wingdings" panose="05000000000000000000" pitchFamily="2" charset="2"/>
-              <a:buChar char="§"/>
-            </a:pPr>
-            <a:r>
-              <a:rPr lang="es-ES" sz="1400" b="1" dirty="0"/>
-              <a:t>Cierre de mes, menor balance</a:t>
-            </a:r>
-            <a:r>
-              <a:rPr lang="es-ES" sz="1400" dirty="0"/>
-              <a:t>: Semana 4 marca una caída, con balances por debajo de $1,400.</a:t>
-            </a:r>
-            <a:endParaRPr lang="es-ES" sz="1300" dirty="0"/>
-          </a:p>
-        </p:txBody>
-      </p:sp>
-      <p:pic>
-        <p:nvPicPr>
-          <p:cNvPr id="10" name="Picture 9">
-            <a:extLst>
-              <a:ext uri="{FF2B5EF4-FFF2-40B4-BE49-F238E27FC236}">
-                <a16:creationId xmlns:a16="http://schemas.microsoft.com/office/drawing/2014/main" id="{C8691740-F5C9-4EB6-A554-782BB1BCAE89}"/>
-              </a:ext>
-            </a:extLst>
-          </p:cNvPr>
-          <p:cNvPicPr>
-            <a:picLocks noChangeAspect="1"/>
-          </p:cNvPicPr>
-          <p:nvPr/>
-        </p:nvPicPr>
-        <p:blipFill>
-          <a:blip r:embed="rId2"/>
-          <a:stretch>
-            <a:fillRect/>
-          </a:stretch>
-        </p:blipFill>
-        <p:spPr>
-          <a:xfrm>
-            <a:off x="505959" y="820074"/>
-            <a:ext cx="8058922" cy="5191125"/>
-          </a:xfrm>
-          <a:prstGeom prst="rect">
-            <a:avLst/>
-          </a:prstGeom>
-        </p:spPr>
-      </p:pic>
-      <p:sp>
-        <p:nvSpPr>
-          <p:cNvPr id="12" name="Rectangle: Rounded Corners 11">
-            <a:extLst>
-              <a:ext uri="{FF2B5EF4-FFF2-40B4-BE49-F238E27FC236}">
-                <a16:creationId xmlns:a16="http://schemas.microsoft.com/office/drawing/2014/main" id="{35A80583-B927-4F59-BE26-A3834426CAB4}"/>
-              </a:ext>
-            </a:extLst>
-          </p:cNvPr>
-          <p:cNvSpPr/>
-          <p:nvPr/>
-        </p:nvSpPr>
-        <p:spPr>
-          <a:xfrm>
-            <a:off x="4795520" y="1198880"/>
-            <a:ext cx="1676400" cy="4389120"/>
-          </a:xfrm>
-          <a:prstGeom prst="roundRect">
-            <a:avLst/>
-          </a:prstGeom>
-          <a:noFill/>
-          <a:ln w="28575">
-            <a:solidFill>
-              <a:srgbClr val="92D050"/>
-            </a:solidFill>
-          </a:ln>
-        </p:spPr>
-        <p:style>
-          <a:lnRef idx="2">
-            <a:schemeClr val="accent1">
-              <a:shade val="50000"/>
-            </a:schemeClr>
-          </a:lnRef>
-          <a:fillRef idx="1">
-            <a:schemeClr val="accent1"/>
-          </a:fillRef>
-          <a:effectRef idx="0">
-            <a:schemeClr val="accent1"/>
-          </a:effectRef>
-          <a:fontRef idx="minor">
-            <a:schemeClr val="lt1"/>
-          </a:fontRef>
-        </p:style>
-        <p:txBody>
-          <a:bodyPr rtlCol="0" anchor="ctr"/>
-          <a:lstStyle/>
-          <a:p>
-            <a:pPr algn="ctr"/>
-            <a:endParaRPr lang="en-US"/>
-          </a:p>
-        </p:txBody>
-      </p:sp>
-    </p:spTree>
-    <p:extLst>
-      <p:ext uri="{BB962C8B-B14F-4D97-AF65-F5344CB8AC3E}">
-        <p14:creationId xmlns:p14="http://schemas.microsoft.com/office/powerpoint/2010/main" val="2677121398"/>
-      </p:ext>
-    </p:extLst>
-  </p:cSld>
-  <p:clrMapOvr>
-    <a:masterClrMapping/>
-  </p:clrMapOvr>
-</p:sld>
-</file>
-
-<file path=ppt/slides/slide15.xml><?xml version="1.0" encoding="utf-8"?>
-<p:sld xmlns:a="http://schemas.openxmlformats.org/drawingml/2006/main" xmlns:r="http://schemas.openxmlformats.org/officeDocument/2006/relationships" xmlns:p="http://schemas.openxmlformats.org/presentationml/2006/main">
-  <p:cSld>
-    <p:spTree>
-      <p:nvGrpSpPr>
-        <p:cNvPr id="1" name="">
-          <a:extLst>
-            <a:ext uri="{FF2B5EF4-FFF2-40B4-BE49-F238E27FC236}">
-              <a16:creationId xmlns:a16="http://schemas.microsoft.com/office/drawing/2014/main" id="{2122DA3C-6319-0E9E-C653-C4A5E5E6A806}"/>
-            </a:ext>
-          </a:extLst>
-        </p:cNvPr>
-        <p:cNvGrpSpPr/>
-        <p:nvPr/>
-      </p:nvGrpSpPr>
-      <p:grpSpPr>
-        <a:xfrm>
-          <a:off x="0" y="0"/>
-          <a:ext cx="0" cy="0"/>
-          <a:chOff x="0" y="0"/>
-          <a:chExt cx="0" cy="0"/>
-        </a:xfrm>
-      </p:grpSpPr>
-      <p:sp>
-        <p:nvSpPr>
-          <p:cNvPr id="5" name="Rectángulo 4">
-            <a:extLst>
-              <a:ext uri="{FF2B5EF4-FFF2-40B4-BE49-F238E27FC236}">
-                <a16:creationId xmlns:a16="http://schemas.microsoft.com/office/drawing/2014/main" id="{882A1661-D4E8-303B-BA24-F14D615D13C4}"/>
-              </a:ext>
-            </a:extLst>
-          </p:cNvPr>
-          <p:cNvSpPr/>
-          <p:nvPr/>
-        </p:nvSpPr>
-        <p:spPr>
-          <a:xfrm>
-            <a:off x="0" y="6400800"/>
-            <a:ext cx="2557670" cy="457200"/>
-          </a:xfrm>
-          <a:prstGeom prst="rect">
-            <a:avLst/>
-          </a:prstGeom>
-          <a:solidFill>
-            <a:schemeClr val="bg1">
-              <a:lumMod val="95000"/>
-            </a:schemeClr>
-          </a:solidFill>
-          <a:ln>
-            <a:noFill/>
-          </a:ln>
-        </p:spPr>
-        <p:style>
-          <a:lnRef idx="2">
-            <a:schemeClr val="accent1">
-              <a:shade val="50000"/>
-            </a:schemeClr>
-          </a:lnRef>
-          <a:fillRef idx="1">
-            <a:schemeClr val="accent1"/>
-          </a:fillRef>
-          <a:effectRef idx="0">
-            <a:schemeClr val="accent1"/>
-          </a:effectRef>
-          <a:fontRef idx="minor">
-            <a:schemeClr val="lt1"/>
-          </a:fontRef>
-        </p:style>
-        <p:txBody>
-          <a:bodyPr rtlCol="0" anchor="ctr"/>
-          <a:lstStyle/>
-          <a:p>
-            <a:pPr algn="ctr"/>
-            <a:endParaRPr lang="es-ES"/>
-          </a:p>
-        </p:txBody>
-      </p:sp>
-      <p:sp>
-        <p:nvSpPr>
-          <p:cNvPr id="9" name="QuadreDeText 3">
-            <a:extLst>
-              <a:ext uri="{FF2B5EF4-FFF2-40B4-BE49-F238E27FC236}">
-                <a16:creationId xmlns:a16="http://schemas.microsoft.com/office/drawing/2014/main" id="{E3C7FFE1-A797-62BF-BC16-BAA12271AC8E}"/>
-              </a:ext>
-            </a:extLst>
-          </p:cNvPr>
-          <p:cNvSpPr txBox="1"/>
-          <p:nvPr/>
-        </p:nvSpPr>
-        <p:spPr>
-          <a:xfrm>
-            <a:off x="505958" y="250347"/>
-            <a:ext cx="11230211" cy="461665"/>
-          </a:xfrm>
-          <a:prstGeom prst="rect">
-            <a:avLst/>
-          </a:prstGeom>
-          <a:noFill/>
-        </p:spPr>
-        <p:txBody>
-          <a:bodyPr wrap="square">
-            <a:spAutoFit/>
-          </a:bodyPr>
-          <a:lstStyle/>
-          <a:p>
-            <a:r>
-              <a:rPr lang="es-ES" sz="2400" b="1" dirty="0">
-                <a:solidFill>
-                  <a:schemeClr val="accent3">
-                    <a:lumMod val="50000"/>
-                  </a:schemeClr>
-                </a:solidFill>
-                <a:effectLst/>
-                <a:latin typeface="+mj-lt"/>
-              </a:rPr>
-              <a:t>CONVERSIONES POR GRUPOS DE EDAD SEGÚN LA SEMANA DEL MES</a:t>
-            </a:r>
-            <a:endParaRPr lang="es-ES" sz="2400" b="1" i="1" dirty="0">
-              <a:solidFill>
-                <a:schemeClr val="accent3">
-                  <a:lumMod val="50000"/>
-                </a:schemeClr>
-              </a:solidFill>
-              <a:effectLst/>
-              <a:latin typeface="+mj-lt"/>
-            </a:endParaRPr>
-          </a:p>
-        </p:txBody>
-      </p:sp>
-      <p:sp>
-        <p:nvSpPr>
-          <p:cNvPr id="10" name="QuadreDeText 16">
-            <a:extLst>
-              <a:ext uri="{FF2B5EF4-FFF2-40B4-BE49-F238E27FC236}">
-                <a16:creationId xmlns:a16="http://schemas.microsoft.com/office/drawing/2014/main" id="{676C48C4-8474-4257-BF6A-457CAEDB95B1}"/>
-              </a:ext>
-            </a:extLst>
-          </p:cNvPr>
-          <p:cNvSpPr txBox="1"/>
-          <p:nvPr/>
-        </p:nvSpPr>
-        <p:spPr>
-          <a:xfrm>
-            <a:off x="9255760" y="2048973"/>
-            <a:ext cx="2506502" cy="1293971"/>
-          </a:xfrm>
-          <a:prstGeom prst="roundRect">
-            <a:avLst/>
-          </a:prstGeom>
-          <a:solidFill>
-            <a:schemeClr val="accent5">
-              <a:lumMod val="25000"/>
-              <a:lumOff val="75000"/>
-            </a:schemeClr>
-          </a:solidFill>
-          <a:ln>
-            <a:solidFill>
-              <a:schemeClr val="bg1"/>
-            </a:solidFill>
-          </a:ln>
-        </p:spPr>
-        <p:txBody>
-          <a:bodyPr wrap="square">
-            <a:spAutoFit/>
-          </a:bodyPr>
-          <a:lstStyle/>
-          <a:p>
-            <a:pPr>
-              <a:buFont typeface="Arial" panose="020B0604020202020204" pitchFamily="34" charset="0"/>
-              <a:buChar char="•"/>
-            </a:pPr>
-            <a:r>
-              <a:rPr lang="es-ES" sz="1400" b="1" dirty="0"/>
-              <a:t>El grupo de 41-50 se mantiene sólido</a:t>
-            </a:r>
-            <a:r>
-              <a:rPr lang="es-ES" sz="1400" dirty="0"/>
-              <a:t>: Conversión constante en todas las semanas, con su punto más alto en la semana 2.</a:t>
-            </a:r>
-            <a:endParaRPr lang="es-ES" sz="1300" dirty="0"/>
-          </a:p>
-        </p:txBody>
-      </p:sp>
-      <p:sp>
-        <p:nvSpPr>
-          <p:cNvPr id="13" name="QuadreDeText 16">
-            <a:extLst>
-              <a:ext uri="{FF2B5EF4-FFF2-40B4-BE49-F238E27FC236}">
-                <a16:creationId xmlns:a16="http://schemas.microsoft.com/office/drawing/2014/main" id="{7C48CBDD-4AF9-432B-8FFB-8E411E8FC9C6}"/>
-              </a:ext>
-            </a:extLst>
-          </p:cNvPr>
-          <p:cNvSpPr txBox="1"/>
-          <p:nvPr/>
-        </p:nvSpPr>
-        <p:spPr>
-          <a:xfrm>
-            <a:off x="9255760" y="813206"/>
-            <a:ext cx="2506502" cy="1055608"/>
-          </a:xfrm>
-          <a:prstGeom prst="roundRect">
-            <a:avLst/>
-          </a:prstGeom>
-          <a:solidFill>
-            <a:schemeClr val="accent5">
-              <a:lumMod val="25000"/>
-              <a:lumOff val="75000"/>
-            </a:schemeClr>
-          </a:solidFill>
-          <a:ln>
-            <a:solidFill>
-              <a:schemeClr val="bg1"/>
-            </a:solidFill>
-          </a:ln>
-        </p:spPr>
-        <p:txBody>
-          <a:bodyPr wrap="square">
-            <a:spAutoFit/>
-          </a:bodyPr>
-          <a:lstStyle/>
-          <a:p>
-            <a:pPr>
-              <a:buFont typeface="Arial" panose="020B0604020202020204" pitchFamily="34" charset="0"/>
-              <a:buChar char="•"/>
-            </a:pPr>
-            <a:r>
-              <a:rPr lang="es-ES" sz="1400" b="1" dirty="0"/>
-              <a:t>El grupo de 31-40 arrasa</a:t>
-            </a:r>
-            <a:r>
-              <a:rPr lang="es-ES" sz="1400" dirty="0"/>
-              <a:t>: ¡Lideran todas las semanas, alcanzando más de 1,400 conversiones en la semana 2!</a:t>
-            </a:r>
-            <a:endParaRPr lang="es-ES" sz="1300" dirty="0"/>
-          </a:p>
-        </p:txBody>
-      </p:sp>
-      <p:pic>
-        <p:nvPicPr>
-          <p:cNvPr id="3" name="Picture 2">
-            <a:extLst>
-              <a:ext uri="{FF2B5EF4-FFF2-40B4-BE49-F238E27FC236}">
-                <a16:creationId xmlns:a16="http://schemas.microsoft.com/office/drawing/2014/main" id="{18AC84E0-DC1E-4190-90DF-4D13E45FA974}"/>
-              </a:ext>
-            </a:extLst>
-          </p:cNvPr>
-          <p:cNvPicPr>
-            <a:picLocks noChangeAspect="1"/>
-          </p:cNvPicPr>
-          <p:nvPr/>
-        </p:nvPicPr>
-        <p:blipFill>
-          <a:blip r:embed="rId2"/>
-          <a:stretch>
-            <a:fillRect/>
-          </a:stretch>
-        </p:blipFill>
-        <p:spPr>
-          <a:xfrm>
-            <a:off x="505959" y="895348"/>
-            <a:ext cx="8455162" cy="5067300"/>
-          </a:xfrm>
-          <a:prstGeom prst="rect">
-            <a:avLst/>
-          </a:prstGeom>
-        </p:spPr>
-      </p:pic>
-      <p:sp>
-        <p:nvSpPr>
-          <p:cNvPr id="11" name="QuadreDeText 16">
-            <a:extLst>
-              <a:ext uri="{FF2B5EF4-FFF2-40B4-BE49-F238E27FC236}">
-                <a16:creationId xmlns:a16="http://schemas.microsoft.com/office/drawing/2014/main" id="{D3CE2C87-9261-4396-97C4-A6B15832F9CE}"/>
-              </a:ext>
-            </a:extLst>
-          </p:cNvPr>
-          <p:cNvSpPr txBox="1"/>
-          <p:nvPr/>
-        </p:nvSpPr>
-        <p:spPr>
-          <a:xfrm>
-            <a:off x="9229667" y="3428998"/>
-            <a:ext cx="2506502" cy="1532334"/>
-          </a:xfrm>
-          <a:prstGeom prst="roundRect">
-            <a:avLst/>
-          </a:prstGeom>
-          <a:solidFill>
-            <a:schemeClr val="accent5">
-              <a:lumMod val="25000"/>
-              <a:lumOff val="75000"/>
-            </a:schemeClr>
-          </a:solidFill>
-          <a:ln>
-            <a:solidFill>
-              <a:schemeClr val="bg1"/>
-            </a:solidFill>
-          </a:ln>
-        </p:spPr>
-        <p:txBody>
-          <a:bodyPr wrap="square">
-            <a:spAutoFit/>
-          </a:bodyPr>
-          <a:lstStyle/>
-          <a:p>
-            <a:pPr>
-              <a:buFont typeface="Arial" panose="020B0604020202020204" pitchFamily="34" charset="0"/>
-              <a:buChar char="•"/>
-            </a:pPr>
-            <a:r>
-              <a:rPr lang="es-ES" sz="1400" b="1" dirty="0"/>
-              <a:t>Semana 2, el gran pico para todas las edades</a:t>
-            </a:r>
-            <a:r>
-              <a:rPr lang="es-ES" sz="1400" dirty="0"/>
-              <a:t>: Las conversiones alcanzan su máximo, ¡la semana más fructífera para todos los grupos!</a:t>
-            </a:r>
-            <a:endParaRPr lang="es-ES" sz="1300" dirty="0"/>
-          </a:p>
-        </p:txBody>
-      </p:sp>
-      <p:sp>
-        <p:nvSpPr>
-          <p:cNvPr id="6" name="Rectangle: Rounded Corners 5">
-            <a:extLst>
-              <a:ext uri="{FF2B5EF4-FFF2-40B4-BE49-F238E27FC236}">
-                <a16:creationId xmlns:a16="http://schemas.microsoft.com/office/drawing/2014/main" id="{D6D69BB8-5E30-47A0-8575-5A779995D0D6}"/>
-              </a:ext>
-            </a:extLst>
-          </p:cNvPr>
-          <p:cNvSpPr/>
-          <p:nvPr/>
-        </p:nvSpPr>
-        <p:spPr>
-          <a:xfrm>
-            <a:off x="3048000" y="1249680"/>
-            <a:ext cx="1920240" cy="4439920"/>
-          </a:xfrm>
-          <a:prstGeom prst="roundRect">
-            <a:avLst/>
-          </a:prstGeom>
-          <a:noFill/>
-          <a:ln w="28575">
-            <a:solidFill>
-              <a:srgbClr val="92D050"/>
-            </a:solidFill>
-          </a:ln>
-        </p:spPr>
-        <p:style>
-          <a:lnRef idx="2">
-            <a:schemeClr val="accent1">
-              <a:shade val="50000"/>
-            </a:schemeClr>
-          </a:lnRef>
-          <a:fillRef idx="1">
-            <a:schemeClr val="accent1"/>
-          </a:fillRef>
-          <a:effectRef idx="0">
-            <a:schemeClr val="accent1"/>
-          </a:effectRef>
-          <a:fontRef idx="minor">
-            <a:schemeClr val="lt1"/>
-          </a:fontRef>
-        </p:style>
-        <p:txBody>
-          <a:bodyPr rtlCol="0" anchor="ctr"/>
-          <a:lstStyle/>
-          <a:p>
-            <a:pPr algn="ctr"/>
-            <a:endParaRPr lang="en-US"/>
-          </a:p>
-        </p:txBody>
-      </p:sp>
-    </p:spTree>
-    <p:extLst>
-      <p:ext uri="{BB962C8B-B14F-4D97-AF65-F5344CB8AC3E}">
-        <p14:creationId xmlns:p14="http://schemas.microsoft.com/office/powerpoint/2010/main" val="596771698"/>
-      </p:ext>
-    </p:extLst>
-  </p:cSld>
-  <p:clrMapOvr>
-    <a:masterClrMapping/>
-  </p:clrMapOvr>
-</p:sld>
-</file>
-
-<file path=ppt/slides/slide16.xml><?xml version="1.0" encoding="utf-8"?>
-<p:sld xmlns:a="http://schemas.openxmlformats.org/drawingml/2006/main" xmlns:r="http://schemas.openxmlformats.org/officeDocument/2006/relationships" xmlns:p="http://schemas.openxmlformats.org/presentationml/2006/main">
-  <p:cSld>
-    <p:spTree>
-      <p:nvGrpSpPr>
-        <p:cNvPr id="1" name="">
-          <a:extLst>
-            <a:ext uri="{FF2B5EF4-FFF2-40B4-BE49-F238E27FC236}">
-              <a16:creationId xmlns:a16="http://schemas.microsoft.com/office/drawing/2014/main" id="{2122DA3C-6319-0E9E-C653-C4A5E5E6A806}"/>
-            </a:ext>
-          </a:extLst>
-        </p:cNvPr>
-        <p:cNvGrpSpPr/>
-        <p:nvPr/>
-      </p:nvGrpSpPr>
-      <p:grpSpPr>
-        <a:xfrm>
-          <a:off x="0" y="0"/>
-          <a:ext cx="0" cy="0"/>
-          <a:chOff x="0" y="0"/>
-          <a:chExt cx="0" cy="0"/>
-        </a:xfrm>
-      </p:grpSpPr>
-      <p:sp>
-        <p:nvSpPr>
-          <p:cNvPr id="5" name="Rectángulo 4">
-            <a:extLst>
-              <a:ext uri="{FF2B5EF4-FFF2-40B4-BE49-F238E27FC236}">
-                <a16:creationId xmlns:a16="http://schemas.microsoft.com/office/drawing/2014/main" id="{882A1661-D4E8-303B-BA24-F14D615D13C4}"/>
-              </a:ext>
-            </a:extLst>
-          </p:cNvPr>
-          <p:cNvSpPr/>
-          <p:nvPr/>
-        </p:nvSpPr>
-        <p:spPr>
-          <a:xfrm>
-            <a:off x="0" y="6400800"/>
-            <a:ext cx="2557670" cy="457200"/>
-          </a:xfrm>
-          <a:prstGeom prst="rect">
-            <a:avLst/>
-          </a:prstGeom>
-          <a:solidFill>
-            <a:schemeClr val="bg1">
-              <a:lumMod val="95000"/>
-            </a:schemeClr>
-          </a:solidFill>
-          <a:ln>
-            <a:noFill/>
-          </a:ln>
-        </p:spPr>
-        <p:style>
-          <a:lnRef idx="2">
-            <a:schemeClr val="accent1">
-              <a:shade val="50000"/>
-            </a:schemeClr>
-          </a:lnRef>
-          <a:fillRef idx="1">
-            <a:schemeClr val="accent1"/>
-          </a:fillRef>
-          <a:effectRef idx="0">
-            <a:schemeClr val="accent1"/>
-          </a:effectRef>
-          <a:fontRef idx="minor">
-            <a:schemeClr val="lt1"/>
-          </a:fontRef>
-        </p:style>
-        <p:txBody>
-          <a:bodyPr rtlCol="0" anchor="ctr"/>
-          <a:lstStyle/>
-          <a:p>
-            <a:pPr algn="ctr"/>
-            <a:endParaRPr lang="es-ES"/>
-          </a:p>
-        </p:txBody>
-      </p:sp>
-      <p:sp>
-        <p:nvSpPr>
-          <p:cNvPr id="9" name="QuadreDeText 3">
-            <a:extLst>
-              <a:ext uri="{FF2B5EF4-FFF2-40B4-BE49-F238E27FC236}">
-                <a16:creationId xmlns:a16="http://schemas.microsoft.com/office/drawing/2014/main" id="{E3C7FFE1-A797-62BF-BC16-BAA12271AC8E}"/>
-              </a:ext>
-            </a:extLst>
-          </p:cNvPr>
-          <p:cNvSpPr txBox="1"/>
-          <p:nvPr/>
-        </p:nvSpPr>
-        <p:spPr>
-          <a:xfrm>
-            <a:off x="505958" y="250347"/>
-            <a:ext cx="11230211" cy="461665"/>
-          </a:xfrm>
-          <a:prstGeom prst="rect">
-            <a:avLst/>
-          </a:prstGeom>
-          <a:noFill/>
-        </p:spPr>
-        <p:txBody>
-          <a:bodyPr wrap="square">
-            <a:spAutoFit/>
-          </a:bodyPr>
-          <a:lstStyle/>
-          <a:p>
-            <a:r>
-              <a:rPr lang="es-ES" sz="2400" b="1" dirty="0">
-                <a:solidFill>
-                  <a:schemeClr val="accent3">
-                    <a:lumMod val="50000"/>
-                  </a:schemeClr>
-                </a:solidFill>
-                <a:effectLst/>
-                <a:latin typeface="+mj-lt"/>
-              </a:rPr>
-              <a:t>CONVERSIONES SEGÚN EL RESULTADO ANTERIOR DE LA CAMPAÑA</a:t>
-            </a:r>
-            <a:endParaRPr lang="es-ES" sz="2400" b="1" i="1" dirty="0">
-              <a:solidFill>
-                <a:schemeClr val="accent3">
-                  <a:lumMod val="50000"/>
-                </a:schemeClr>
-              </a:solidFill>
-              <a:effectLst/>
-              <a:latin typeface="+mj-lt"/>
-            </a:endParaRPr>
-          </a:p>
-        </p:txBody>
-      </p:sp>
-      <p:sp>
-        <p:nvSpPr>
-          <p:cNvPr id="10" name="QuadreDeText 16">
-            <a:extLst>
-              <a:ext uri="{FF2B5EF4-FFF2-40B4-BE49-F238E27FC236}">
-                <a16:creationId xmlns:a16="http://schemas.microsoft.com/office/drawing/2014/main" id="{676C48C4-8474-4257-BF6A-457CAEDB95B1}"/>
-              </a:ext>
-            </a:extLst>
-          </p:cNvPr>
-          <p:cNvSpPr txBox="1"/>
-          <p:nvPr/>
-        </p:nvSpPr>
-        <p:spPr>
-          <a:xfrm>
-            <a:off x="9255760" y="2208371"/>
-            <a:ext cx="2506502" cy="1055608"/>
-          </a:xfrm>
-          <a:prstGeom prst="roundRect">
-            <a:avLst/>
-          </a:prstGeom>
-          <a:solidFill>
-            <a:schemeClr val="accent5">
-              <a:lumMod val="25000"/>
-              <a:lumOff val="75000"/>
-            </a:schemeClr>
-          </a:solidFill>
-          <a:ln>
-            <a:solidFill>
-              <a:schemeClr val="bg1"/>
-            </a:solidFill>
-          </a:ln>
-        </p:spPr>
-        <p:txBody>
-          <a:bodyPr wrap="square">
-            <a:spAutoFit/>
-          </a:bodyPr>
-          <a:lstStyle/>
-          <a:p>
-            <a:pPr>
-              <a:buFont typeface="Arial" panose="020B0604020202020204" pitchFamily="34" charset="0"/>
-              <a:buChar char="•"/>
-            </a:pPr>
-            <a:r>
-              <a:rPr lang="es-ES" sz="1400" b="1" dirty="0"/>
-              <a:t>Semana 2, la gran ganadora</a:t>
-            </a:r>
-            <a:r>
-              <a:rPr lang="es-ES" sz="1400" dirty="0"/>
-              <a:t>: Los clientes con éxito previo alcanzan más de </a:t>
-            </a:r>
-            <a:r>
-              <a:rPr lang="es-ES" sz="1400" b="1" dirty="0"/>
-              <a:t>800 conversiones</a:t>
-            </a:r>
-            <a:r>
-              <a:rPr lang="es-ES" sz="1400" dirty="0"/>
-              <a:t>.</a:t>
-            </a:r>
-            <a:endParaRPr lang="es-ES" sz="1300" dirty="0"/>
-          </a:p>
-        </p:txBody>
-      </p:sp>
-      <p:sp>
-        <p:nvSpPr>
-          <p:cNvPr id="13" name="QuadreDeText 16">
-            <a:extLst>
-              <a:ext uri="{FF2B5EF4-FFF2-40B4-BE49-F238E27FC236}">
-                <a16:creationId xmlns:a16="http://schemas.microsoft.com/office/drawing/2014/main" id="{7C48CBDD-4AF9-432B-8FFB-8E411E8FC9C6}"/>
-              </a:ext>
-            </a:extLst>
-          </p:cNvPr>
-          <p:cNvSpPr txBox="1"/>
-          <p:nvPr/>
-        </p:nvSpPr>
-        <p:spPr>
-          <a:xfrm>
-            <a:off x="9255760" y="813206"/>
-            <a:ext cx="2506502" cy="1293971"/>
-          </a:xfrm>
-          <a:prstGeom prst="roundRect">
-            <a:avLst/>
-          </a:prstGeom>
-          <a:solidFill>
-            <a:schemeClr val="accent5">
-              <a:lumMod val="25000"/>
-              <a:lumOff val="75000"/>
-            </a:schemeClr>
-          </a:solidFill>
-          <a:ln>
-            <a:solidFill>
-              <a:schemeClr val="bg1"/>
-            </a:solidFill>
-          </a:ln>
-        </p:spPr>
-        <p:txBody>
-          <a:bodyPr wrap="square">
-            <a:spAutoFit/>
-          </a:bodyPr>
-          <a:lstStyle/>
-          <a:p>
-            <a:pPr>
-              <a:buFont typeface="Arial" panose="020B0604020202020204" pitchFamily="34" charset="0"/>
-              <a:buChar char="•"/>
-            </a:pPr>
-            <a:r>
-              <a:rPr lang="es-ES" sz="1400" b="1" dirty="0"/>
-              <a:t>¡Éxito genera más éxito!</a:t>
-            </a:r>
-            <a:r>
-              <a:rPr lang="es-ES" sz="1400" dirty="0"/>
-              <a:t> Los clientes con un resultado previo exitoso lideran las conversiones, especialmente en la semana 2.</a:t>
-            </a:r>
-            <a:endParaRPr lang="es-ES" sz="1300" dirty="0"/>
-          </a:p>
-        </p:txBody>
-      </p:sp>
-      <p:sp>
-        <p:nvSpPr>
-          <p:cNvPr id="11" name="QuadreDeText 16">
-            <a:extLst>
-              <a:ext uri="{FF2B5EF4-FFF2-40B4-BE49-F238E27FC236}">
-                <a16:creationId xmlns:a16="http://schemas.microsoft.com/office/drawing/2014/main" id="{D3CE2C87-9261-4396-97C4-A6B15832F9CE}"/>
-              </a:ext>
-            </a:extLst>
-          </p:cNvPr>
-          <p:cNvSpPr txBox="1"/>
-          <p:nvPr/>
-        </p:nvSpPr>
-        <p:spPr>
-          <a:xfrm>
-            <a:off x="9229667" y="3400920"/>
-            <a:ext cx="2506502" cy="1055608"/>
-          </a:xfrm>
-          <a:prstGeom prst="roundRect">
-            <a:avLst/>
-          </a:prstGeom>
-          <a:solidFill>
-            <a:schemeClr val="accent5">
-              <a:lumMod val="25000"/>
-              <a:lumOff val="75000"/>
-            </a:schemeClr>
-          </a:solidFill>
-          <a:ln>
-            <a:solidFill>
-              <a:schemeClr val="bg1"/>
-            </a:solidFill>
-          </a:ln>
-        </p:spPr>
-        <p:txBody>
-          <a:bodyPr wrap="square">
-            <a:spAutoFit/>
-          </a:bodyPr>
-          <a:lstStyle/>
-          <a:p>
-            <a:pPr>
-              <a:buFont typeface="Arial" panose="020B0604020202020204" pitchFamily="34" charset="0"/>
-              <a:buChar char="•"/>
-            </a:pPr>
-            <a:r>
-              <a:rPr lang="es-ES" sz="1400" b="1" dirty="0"/>
-              <a:t>El poder del seguimiento</a:t>
-            </a:r>
-            <a:r>
-              <a:rPr lang="es-ES" sz="1400" dirty="0"/>
-              <a:t>: Las conversiones son más probables si la campaña previa fue un éxito.</a:t>
-            </a:r>
-            <a:endParaRPr lang="es-ES" sz="1300" dirty="0"/>
-          </a:p>
-        </p:txBody>
-      </p:sp>
-      <p:pic>
-        <p:nvPicPr>
-          <p:cNvPr id="4" name="Picture 3">
-            <a:extLst>
-              <a:ext uri="{FF2B5EF4-FFF2-40B4-BE49-F238E27FC236}">
-                <a16:creationId xmlns:a16="http://schemas.microsoft.com/office/drawing/2014/main" id="{024B38F9-0180-4918-B94E-0A2DD2E34549}"/>
-              </a:ext>
-            </a:extLst>
-          </p:cNvPr>
-          <p:cNvPicPr>
-            <a:picLocks noChangeAspect="1"/>
-          </p:cNvPicPr>
-          <p:nvPr/>
-        </p:nvPicPr>
-        <p:blipFill>
-          <a:blip r:embed="rId2"/>
-          <a:stretch>
-            <a:fillRect/>
-          </a:stretch>
-        </p:blipFill>
-        <p:spPr>
-          <a:xfrm>
-            <a:off x="588963" y="813206"/>
-            <a:ext cx="8504238" cy="5276850"/>
-          </a:xfrm>
-          <a:prstGeom prst="rect">
-            <a:avLst/>
-          </a:prstGeom>
-        </p:spPr>
-      </p:pic>
-      <p:sp>
-        <p:nvSpPr>
-          <p:cNvPr id="7" name="Rectangle: Rounded Corners 6">
-            <a:extLst>
-              <a:ext uri="{FF2B5EF4-FFF2-40B4-BE49-F238E27FC236}">
-                <a16:creationId xmlns:a16="http://schemas.microsoft.com/office/drawing/2014/main" id="{94C5966B-65C1-41D6-B905-CB91099A505F}"/>
-              </a:ext>
-            </a:extLst>
-          </p:cNvPr>
-          <p:cNvSpPr/>
-          <p:nvPr/>
-        </p:nvSpPr>
-        <p:spPr>
-          <a:xfrm>
-            <a:off x="3230880" y="1270000"/>
-            <a:ext cx="1757680" cy="4409440"/>
-          </a:xfrm>
-          <a:prstGeom prst="roundRect">
-            <a:avLst/>
-          </a:prstGeom>
-          <a:noFill/>
-          <a:ln w="28575">
-            <a:solidFill>
-              <a:srgbClr val="92D050"/>
-            </a:solidFill>
-          </a:ln>
-        </p:spPr>
-        <p:style>
-          <a:lnRef idx="2">
-            <a:schemeClr val="accent1">
-              <a:shade val="50000"/>
-            </a:schemeClr>
-          </a:lnRef>
-          <a:fillRef idx="1">
-            <a:schemeClr val="accent1"/>
-          </a:fillRef>
-          <a:effectRef idx="0">
-            <a:schemeClr val="accent1"/>
-          </a:effectRef>
-          <a:fontRef idx="minor">
-            <a:schemeClr val="lt1"/>
-          </a:fontRef>
-        </p:style>
-        <p:txBody>
-          <a:bodyPr rtlCol="0" anchor="ctr"/>
-          <a:lstStyle/>
-          <a:p>
-            <a:pPr algn="ctr"/>
-            <a:endParaRPr lang="en-US"/>
-          </a:p>
-        </p:txBody>
-      </p:sp>
-    </p:spTree>
-    <p:extLst>
-      <p:ext uri="{BB962C8B-B14F-4D97-AF65-F5344CB8AC3E}">
-        <p14:creationId xmlns:p14="http://schemas.microsoft.com/office/powerpoint/2010/main" val="199934621"/>
-      </p:ext>
-    </p:extLst>
-  </p:cSld>
-  <p:clrMapOvr>
-    <a:masterClrMapping/>
-  </p:clrMapOvr>
-</p:sld>
-</file>
-
-<file path=ppt/slides/slide17.xml><?xml version="1.0" encoding="utf-8"?>
-<p:sld xmlns:a="http://schemas.openxmlformats.org/drawingml/2006/main" xmlns:r="http://schemas.openxmlformats.org/officeDocument/2006/relationships" xmlns:p="http://schemas.openxmlformats.org/presentationml/2006/main">
-  <p:cSld>
-    <p:spTree>
-      <p:nvGrpSpPr>
-        <p:cNvPr id="1" name="">
-          <a:extLst>
-            <a:ext uri="{FF2B5EF4-FFF2-40B4-BE49-F238E27FC236}">
-              <a16:creationId xmlns:a16="http://schemas.microsoft.com/office/drawing/2014/main" id="{2E8AFFAE-1245-19B5-3C60-58AC8A5EA54D}"/>
-            </a:ext>
-          </a:extLst>
-        </p:cNvPr>
-        <p:cNvGrpSpPr/>
-        <p:nvPr/>
-      </p:nvGrpSpPr>
-      <p:grpSpPr>
-        <a:xfrm>
-          <a:off x="0" y="0"/>
-          <a:ext cx="0" cy="0"/>
-          <a:chOff x="0" y="0"/>
-          <a:chExt cx="0" cy="0"/>
-        </a:xfrm>
-      </p:grpSpPr>
-      <p:sp>
-        <p:nvSpPr>
-          <p:cNvPr id="6" name="Rectángulo 5">
-            <a:extLst>
-              <a:ext uri="{FF2B5EF4-FFF2-40B4-BE49-F238E27FC236}">
-                <a16:creationId xmlns:a16="http://schemas.microsoft.com/office/drawing/2014/main" id="{82C12619-B1CF-D3F7-B28B-32652C0F05E3}"/>
-              </a:ext>
-            </a:extLst>
-          </p:cNvPr>
-          <p:cNvSpPr/>
-          <p:nvPr/>
-        </p:nvSpPr>
-        <p:spPr>
-          <a:xfrm>
-            <a:off x="0" y="6400800"/>
-            <a:ext cx="2557670" cy="457200"/>
-          </a:xfrm>
-          <a:prstGeom prst="rect">
-            <a:avLst/>
-          </a:prstGeom>
-          <a:solidFill>
-            <a:schemeClr val="bg1">
-              <a:lumMod val="95000"/>
-            </a:schemeClr>
-          </a:solidFill>
-          <a:ln>
-            <a:noFill/>
-          </a:ln>
-        </p:spPr>
-        <p:style>
-          <a:lnRef idx="2">
-            <a:schemeClr val="accent1">
-              <a:shade val="50000"/>
-            </a:schemeClr>
-          </a:lnRef>
-          <a:fillRef idx="1">
-            <a:schemeClr val="accent1"/>
-          </a:fillRef>
-          <a:effectRef idx="0">
-            <a:schemeClr val="accent1"/>
-          </a:effectRef>
-          <a:fontRef idx="minor">
-            <a:schemeClr val="lt1"/>
-          </a:fontRef>
-        </p:style>
-        <p:txBody>
-          <a:bodyPr rtlCol="0" anchor="ctr"/>
-          <a:lstStyle/>
-          <a:p>
-            <a:pPr algn="ctr"/>
-            <a:endParaRPr lang="es-ES"/>
-          </a:p>
-        </p:txBody>
-      </p:sp>
-      <p:sp>
-        <p:nvSpPr>
-          <p:cNvPr id="4" name="Rectángulo: esquinas redondeadas 3">
-            <a:extLst>
-              <a:ext uri="{FF2B5EF4-FFF2-40B4-BE49-F238E27FC236}">
-                <a16:creationId xmlns:a16="http://schemas.microsoft.com/office/drawing/2014/main" id="{0EF04D99-B7F8-3573-2F18-E88215F913F3}"/>
-              </a:ext>
-            </a:extLst>
-          </p:cNvPr>
-          <p:cNvSpPr/>
-          <p:nvPr/>
-        </p:nvSpPr>
-        <p:spPr>
-          <a:xfrm>
-            <a:off x="455833" y="1625256"/>
-            <a:ext cx="10199334" cy="4803820"/>
-          </a:xfrm>
-          <a:prstGeom prst="roundRect">
-            <a:avLst>
-              <a:gd name="adj" fmla="val 7845"/>
-            </a:avLst>
-          </a:prstGeom>
-          <a:solidFill>
-            <a:schemeClr val="bg1"/>
-          </a:solidFill>
-          <a:ln>
-            <a:noFill/>
-          </a:ln>
-        </p:spPr>
-        <p:style>
-          <a:lnRef idx="2">
-            <a:schemeClr val="accent1">
-              <a:shade val="50000"/>
-            </a:schemeClr>
-          </a:lnRef>
-          <a:fillRef idx="1">
-            <a:schemeClr val="accent1"/>
-          </a:fillRef>
-          <a:effectRef idx="0">
-            <a:schemeClr val="accent1"/>
-          </a:effectRef>
-          <a:fontRef idx="minor">
-            <a:schemeClr val="lt1"/>
-          </a:fontRef>
-        </p:style>
-        <p:txBody>
-          <a:bodyPr rtlCol="0" anchor="ctr"/>
-          <a:lstStyle/>
-          <a:p>
-            <a:pPr algn="ctr"/>
-            <a:endParaRPr lang="es-ES" dirty="0"/>
-          </a:p>
-        </p:txBody>
-      </p:sp>
-      <p:sp>
-        <p:nvSpPr>
-          <p:cNvPr id="5" name="QuadreDeText 3">
-            <a:extLst>
-              <a:ext uri="{FF2B5EF4-FFF2-40B4-BE49-F238E27FC236}">
-                <a16:creationId xmlns:a16="http://schemas.microsoft.com/office/drawing/2014/main" id="{8D4C57D9-90FA-1254-9EC5-207A0AEE2D7F}"/>
-              </a:ext>
-            </a:extLst>
-          </p:cNvPr>
-          <p:cNvSpPr txBox="1"/>
-          <p:nvPr/>
-        </p:nvSpPr>
-        <p:spPr>
-          <a:xfrm>
-            <a:off x="2046000" y="673204"/>
-            <a:ext cx="11230211" cy="707886"/>
-          </a:xfrm>
-          <a:prstGeom prst="rect">
-            <a:avLst/>
-          </a:prstGeom>
-          <a:noFill/>
-        </p:spPr>
-        <p:txBody>
-          <a:bodyPr wrap="square">
-            <a:spAutoFit/>
-          </a:bodyPr>
-          <a:lstStyle/>
-          <a:p>
-            <a:r>
-              <a:rPr lang="es-ES" sz="2400" b="1" dirty="0">
-                <a:solidFill>
-                  <a:schemeClr val="accent3">
-                    <a:lumMod val="50000"/>
-                  </a:schemeClr>
-                </a:solidFill>
-                <a:effectLst/>
-                <a:latin typeface="+mj-lt"/>
-              </a:rPr>
-              <a:t>PROPUESTAS </a:t>
-            </a:r>
-            <a:r>
-              <a:rPr lang="es-ES" sz="2400" b="1" dirty="0">
-                <a:solidFill>
-                  <a:schemeClr val="accent3">
-                    <a:lumMod val="50000"/>
-                  </a:schemeClr>
-                </a:solidFill>
-                <a:latin typeface="+mj-lt"/>
-              </a:rPr>
-              <a:t>DE PRIORIZACIÓN DE DÍAS DE LA SEMANA </a:t>
-            </a:r>
-            <a:endParaRPr lang="es-ES" sz="2400" b="1" dirty="0">
-              <a:solidFill>
-                <a:schemeClr val="accent3">
-                  <a:lumMod val="50000"/>
-                </a:schemeClr>
-              </a:solidFill>
-              <a:effectLst/>
-              <a:latin typeface="+mj-lt"/>
-            </a:endParaRPr>
-          </a:p>
-          <a:p>
-            <a:endParaRPr lang="es-ES" sz="1600" b="1" dirty="0"/>
-          </a:p>
-        </p:txBody>
-      </p:sp>
-      <p:sp>
-        <p:nvSpPr>
-          <p:cNvPr id="30" name="CuadroTexto 29">
-            <a:extLst>
-              <a:ext uri="{FF2B5EF4-FFF2-40B4-BE49-F238E27FC236}">
-                <a16:creationId xmlns:a16="http://schemas.microsoft.com/office/drawing/2014/main" id="{6B0A3DF6-5B8C-C82E-4007-09D066866A92}"/>
-              </a:ext>
-            </a:extLst>
-          </p:cNvPr>
-          <p:cNvSpPr txBox="1"/>
-          <p:nvPr/>
-        </p:nvSpPr>
-        <p:spPr>
-          <a:xfrm>
-            <a:off x="825135" y="2523781"/>
-            <a:ext cx="9733779" cy="1787723"/>
-          </a:xfrm>
-          <a:prstGeom prst="roundRect">
-            <a:avLst/>
-          </a:prstGeom>
-          <a:noFill/>
-          <a:ln w="19050">
-            <a:solidFill>
-              <a:srgbClr val="92D050"/>
-            </a:solidFill>
-            <a:prstDash val="sysDash"/>
-          </a:ln>
-        </p:spPr>
-        <p:txBody>
-          <a:bodyPr wrap="square">
-            <a:spAutoFit/>
-          </a:bodyPr>
-          <a:lstStyle/>
-          <a:p>
-            <a:pPr marL="171450" indent="-171450" algn="just">
-              <a:spcBef>
-                <a:spcPts val="300"/>
-              </a:spcBef>
-              <a:buFont typeface="Arial" panose="020B0604020202020204" pitchFamily="34" charset="0"/>
-              <a:buChar char="•"/>
-            </a:pPr>
-            <a:r>
-              <a:rPr lang="es-ES" sz="1200" dirty="0"/>
-              <a:t>Aumento de las campañas en la semana 2</a:t>
-            </a:r>
-          </a:p>
-          <a:p>
-            <a:pPr marL="171450" indent="-171450" algn="just">
-              <a:spcBef>
-                <a:spcPts val="300"/>
-              </a:spcBef>
-              <a:buFont typeface="Arial" panose="020B0604020202020204" pitchFamily="34" charset="0"/>
-              <a:buChar char="•"/>
-            </a:pPr>
-            <a:r>
-              <a:rPr lang="es-ES" sz="1200" dirty="0"/>
-              <a:t>Segmentar las campañas por edad </a:t>
-            </a:r>
-          </a:p>
-          <a:p>
-            <a:pPr marL="171450" indent="-171450" algn="just">
-              <a:spcBef>
-                <a:spcPts val="300"/>
-              </a:spcBef>
-              <a:buFont typeface="Arial" panose="020B0604020202020204" pitchFamily="34" charset="0"/>
-              <a:buChar char="•"/>
-            </a:pPr>
-            <a:r>
-              <a:rPr lang="es-ES" sz="1200" dirty="0"/>
-              <a:t>Ofrecer incentivos adicionales o maneras de retener al cliente en la semana 4</a:t>
-            </a:r>
-          </a:p>
-          <a:p>
-            <a:pPr marL="171450" indent="-171450" algn="just">
-              <a:spcBef>
-                <a:spcPts val="300"/>
-              </a:spcBef>
-              <a:buFont typeface="Arial" panose="020B0604020202020204" pitchFamily="34" charset="0"/>
-              <a:buChar char="•"/>
-            </a:pPr>
-            <a:r>
-              <a:rPr lang="es-ES" sz="1200" dirty="0"/>
-              <a:t>Diversificar el contacto a otras opciones, sobre todo en la semana 4 que es donde pierde eficacia</a:t>
-            </a:r>
-          </a:p>
-          <a:p>
-            <a:pPr marL="171450" indent="-171450" algn="just">
-              <a:spcBef>
-                <a:spcPts val="300"/>
-              </a:spcBef>
-              <a:buFont typeface="Arial" panose="020B0604020202020204" pitchFamily="34" charset="0"/>
-              <a:buChar char="•"/>
-            </a:pPr>
-            <a:r>
-              <a:rPr lang="es-ES" sz="1200" dirty="0"/>
-              <a:t>Estrategia de fidelización con los clientes que compraron en campañas anteriores, ya que tienen muy buena tasa de conversión</a:t>
-            </a:r>
-          </a:p>
-          <a:p>
-            <a:pPr marL="171450" indent="-171450" algn="just">
-              <a:spcBef>
-                <a:spcPts val="300"/>
-              </a:spcBef>
-              <a:buFont typeface="Arial" panose="020B0604020202020204" pitchFamily="34" charset="0"/>
-              <a:buChar char="•"/>
-            </a:pPr>
-            <a:r>
-              <a:rPr lang="es-ES" sz="1200" dirty="0"/>
-              <a:t>Optimizar la duración de las llamadas</a:t>
-            </a:r>
-          </a:p>
-          <a:p>
-            <a:pPr marL="171450" indent="-171450" algn="just">
-              <a:spcBef>
-                <a:spcPts val="300"/>
-              </a:spcBef>
-              <a:buFont typeface="Arial" panose="020B0604020202020204" pitchFamily="34" charset="0"/>
-              <a:buChar char="•"/>
-            </a:pPr>
-            <a:endParaRPr lang="es-ES" sz="1200" dirty="0"/>
-          </a:p>
-        </p:txBody>
-      </p:sp>
-      <p:sp>
-        <p:nvSpPr>
-          <p:cNvPr id="9" name="Rectángulo: esquinas redondeadas 8">
-            <a:extLst>
-              <a:ext uri="{FF2B5EF4-FFF2-40B4-BE49-F238E27FC236}">
-                <a16:creationId xmlns:a16="http://schemas.microsoft.com/office/drawing/2014/main" id="{3FAEE228-6729-211B-2A46-8B3A02A83818}"/>
-              </a:ext>
-            </a:extLst>
-          </p:cNvPr>
-          <p:cNvSpPr/>
-          <p:nvPr/>
-        </p:nvSpPr>
-        <p:spPr>
-          <a:xfrm>
-            <a:off x="3628091" y="1894754"/>
-            <a:ext cx="4127865" cy="449964"/>
-          </a:xfrm>
-          <a:prstGeom prst="roundRect">
-            <a:avLst>
-              <a:gd name="adj" fmla="val 27880"/>
-            </a:avLst>
-          </a:prstGeom>
-          <a:solidFill>
-            <a:srgbClr val="D2ECB6"/>
-          </a:solidFill>
-          <a:ln>
-            <a:solidFill>
-              <a:srgbClr val="92D050"/>
-            </a:solidFill>
-          </a:ln>
-        </p:spPr>
-        <p:style>
-          <a:lnRef idx="2">
-            <a:schemeClr val="accent1">
-              <a:shade val="50000"/>
-            </a:schemeClr>
-          </a:lnRef>
-          <a:fillRef idx="1">
-            <a:schemeClr val="accent1"/>
-          </a:fillRef>
-          <a:effectRef idx="0">
-            <a:schemeClr val="accent1"/>
-          </a:effectRef>
-          <a:fontRef idx="minor">
-            <a:schemeClr val="lt1"/>
-          </a:fontRef>
-        </p:style>
-        <p:txBody>
-          <a:bodyPr rtlCol="0" anchor="ctr"/>
-          <a:lstStyle/>
-          <a:p>
-            <a:pPr algn="ctr"/>
-            <a:r>
-              <a:rPr lang="es-ES" sz="1400" dirty="0">
-                <a:solidFill>
-                  <a:schemeClr val="tx1"/>
-                </a:solidFill>
-              </a:rPr>
-              <a:t>Propuestas Finales</a:t>
-            </a:r>
-          </a:p>
-        </p:txBody>
-      </p:sp>
-    </p:spTree>
-    <p:extLst>
-      <p:ext uri="{BB962C8B-B14F-4D97-AF65-F5344CB8AC3E}">
-        <p14:creationId xmlns:p14="http://schemas.microsoft.com/office/powerpoint/2010/main" val="1116773118"/>
-      </p:ext>
-    </p:extLst>
-  </p:cSld>
-  <p:clrMapOvr>
-    <a:masterClrMapping/>
-  </p:clrMapOvr>
-</p:sld>
-</file>
-
-<file path=ppt/slides/slide18.xml><?xml version="1.0" encoding="utf-8"?>
-<p:sld xmlns:a="http://schemas.openxmlformats.org/drawingml/2006/main" xmlns:r="http://schemas.openxmlformats.org/officeDocument/2006/relationships" xmlns:p="http://schemas.openxmlformats.org/presentationml/2006/main">
-  <p:cSld>
-    <p:bg>
-      <p:bgPr>
-        <a:blipFill dpi="0" rotWithShape="1">
-          <a:blip r:embed="rId3">
-            <a:alphaModFix amt="55000"/>
-            <a:lum/>
-          </a:blip>
-          <a:srcRect/>
-          <a:stretch>
-            <a:fillRect l="-1000" r="-1000"/>
-          </a:stretch>
-        </a:blipFill>
-        <a:effectLst/>
-      </p:bgPr>
-    </p:bg>
-    <p:spTree>
-      <p:nvGrpSpPr>
-        <p:cNvPr id="1" name="">
-          <a:extLst>
-            <a:ext uri="{FF2B5EF4-FFF2-40B4-BE49-F238E27FC236}">
-              <a16:creationId xmlns:a16="http://schemas.microsoft.com/office/drawing/2014/main" id="{6328BC4E-7759-9905-955A-26B25D46A5DA}"/>
-            </a:ext>
-          </a:extLst>
-        </p:cNvPr>
-        <p:cNvGrpSpPr/>
-        <p:nvPr/>
-      </p:nvGrpSpPr>
-      <p:grpSpPr>
-        <a:xfrm>
-          <a:off x="0" y="0"/>
-          <a:ext cx="0" cy="0"/>
-          <a:chOff x="0" y="0"/>
-          <a:chExt cx="0" cy="0"/>
-        </a:xfrm>
-      </p:grpSpPr>
-      <p:sp>
-        <p:nvSpPr>
-          <p:cNvPr id="4" name="Elipse 3">
-            <a:extLst>
-              <a:ext uri="{FF2B5EF4-FFF2-40B4-BE49-F238E27FC236}">
-                <a16:creationId xmlns:a16="http://schemas.microsoft.com/office/drawing/2014/main" id="{E3B3E10B-BE40-7FB4-64E3-01D4B99CC32F}"/>
-              </a:ext>
-              <a:ext uri="{C183D7F6-B498-43B3-948B-1728B52AA6E4}">
-                <adec:decorative xmlns:adec="http://schemas.microsoft.com/office/drawing/2017/decorative" val="1"/>
-              </a:ext>
-            </a:extLst>
-          </p:cNvPr>
-          <p:cNvSpPr/>
-          <p:nvPr/>
-        </p:nvSpPr>
-        <p:spPr>
-          <a:xfrm>
-            <a:off x="3338400" y="671564"/>
-            <a:ext cx="5515200" cy="5514872"/>
-          </a:xfrm>
-          <a:prstGeom prst="ellipse">
-            <a:avLst/>
-          </a:prstGeom>
-          <a:solidFill>
-            <a:schemeClr val="bg1">
-              <a:alpha val="87000"/>
-            </a:schemeClr>
-          </a:solidFill>
-          <a:ln w="63500">
-            <a:solidFill>
-              <a:schemeClr val="bg1">
-                <a:alpha val="95000"/>
-              </a:schemeClr>
-            </a:solidFill>
-          </a:ln>
-        </p:spPr>
-        <p:style>
-          <a:lnRef idx="2">
-            <a:schemeClr val="accent1">
-              <a:shade val="50000"/>
-            </a:schemeClr>
-          </a:lnRef>
-          <a:fillRef idx="1">
-            <a:schemeClr val="accent1"/>
-          </a:fillRef>
-          <a:effectRef idx="0">
-            <a:schemeClr val="accent1"/>
-          </a:effectRef>
-          <a:fontRef idx="minor">
-            <a:schemeClr val="lt1"/>
-          </a:fontRef>
-        </p:style>
-        <p:txBody>
-          <a:bodyPr rtlCol="0" anchor="ctr"/>
-          <a:lstStyle/>
-          <a:p>
-            <a:pPr algn="ctr" rtl="0"/>
-            <a:endParaRPr lang="es-ES" dirty="0"/>
-          </a:p>
-        </p:txBody>
-      </p:sp>
-      <p:sp>
-        <p:nvSpPr>
-          <p:cNvPr id="11" name="Marcador de texto 10">
-            <a:extLst>
-              <a:ext uri="{FF2B5EF4-FFF2-40B4-BE49-F238E27FC236}">
-                <a16:creationId xmlns:a16="http://schemas.microsoft.com/office/drawing/2014/main" id="{46718A37-9DF7-2026-66B5-3556F420B5AB}"/>
-              </a:ext>
-            </a:extLst>
-          </p:cNvPr>
-          <p:cNvSpPr>
-            <a:spLocks noGrp="1"/>
-          </p:cNvSpPr>
-          <p:nvPr>
-            <p:ph type="body" sz="quarter" idx="11"/>
-          </p:nvPr>
-        </p:nvSpPr>
-        <p:spPr>
-          <a:xfrm>
-            <a:off x="4503545" y="3433864"/>
-            <a:ext cx="3184910" cy="2411431"/>
-          </a:xfrm>
-        </p:spPr>
-        <p:txBody>
-          <a:bodyPr rtlCol="0"/>
-          <a:lstStyle/>
-          <a:p>
-            <a:pPr algn="ctr" rtl="0"/>
-            <a:r>
-              <a:rPr lang="es-ES" sz="2800" b="1" dirty="0">
-                <a:solidFill>
-                  <a:schemeClr val="accent4">
-                    <a:lumMod val="75000"/>
-                  </a:schemeClr>
-                </a:solidFill>
-                <a:latin typeface="Calibri" panose="020F0502020204030204" pitchFamily="34" charset="0"/>
-                <a:cs typeface="Calibri" panose="020F0502020204030204" pitchFamily="34" charset="0"/>
-              </a:rPr>
-              <a:t>Equipo B</a:t>
-            </a:r>
-          </a:p>
-          <a:p>
-            <a:pPr algn="ctr" rtl="0"/>
-            <a:r>
-              <a:rPr lang="es-ES" sz="1800" b="1" dirty="0">
-                <a:solidFill>
-                  <a:schemeClr val="accent4">
-                    <a:lumMod val="50000"/>
-                  </a:schemeClr>
-                </a:solidFill>
-              </a:rPr>
-              <a:t>Gorka </a:t>
-            </a:r>
-            <a:r>
-              <a:rPr lang="es-ES" sz="1800" b="1" dirty="0" err="1">
-                <a:solidFill>
-                  <a:schemeClr val="accent4">
-                    <a:lumMod val="50000"/>
-                  </a:schemeClr>
-                </a:solidFill>
-              </a:rPr>
-              <a:t>Bonals</a:t>
-            </a:r>
-            <a:r>
-              <a:rPr lang="es-ES" sz="1800" b="1" dirty="0">
-                <a:solidFill>
-                  <a:schemeClr val="accent4">
-                    <a:lumMod val="50000"/>
-                  </a:schemeClr>
-                </a:solidFill>
-              </a:rPr>
-              <a:t> Sastre</a:t>
-            </a:r>
-          </a:p>
-          <a:p>
-            <a:pPr algn="ctr" rtl="0"/>
-            <a:r>
-              <a:rPr lang="es-ES" sz="1800" b="1" dirty="0">
-                <a:solidFill>
-                  <a:schemeClr val="accent4">
-                    <a:lumMod val="50000"/>
-                  </a:schemeClr>
-                </a:solidFill>
-              </a:rPr>
-              <a:t>Pau Fernández Ripollès</a:t>
-            </a:r>
-          </a:p>
-          <a:p>
-            <a:pPr algn="ctr" rtl="0"/>
-            <a:r>
-              <a:rPr lang="es-ES" sz="1800" b="1" dirty="0">
-                <a:solidFill>
-                  <a:schemeClr val="accent4">
-                    <a:lumMod val="50000"/>
-                  </a:schemeClr>
-                </a:solidFill>
-              </a:rPr>
-              <a:t>German </a:t>
-            </a:r>
-            <a:r>
-              <a:rPr lang="es-ES" sz="1800" b="1" dirty="0" err="1">
-                <a:solidFill>
-                  <a:schemeClr val="accent4">
-                    <a:lumMod val="50000"/>
-                  </a:schemeClr>
-                </a:solidFill>
-              </a:rPr>
-              <a:t>Lizarraga</a:t>
-            </a:r>
-            <a:r>
-              <a:rPr lang="es-ES" sz="1800" b="1" dirty="0">
-                <a:solidFill>
-                  <a:schemeClr val="accent4">
-                    <a:lumMod val="50000"/>
-                  </a:schemeClr>
-                </a:solidFill>
-              </a:rPr>
-              <a:t> Pereira</a:t>
-            </a:r>
-          </a:p>
-          <a:p>
-            <a:pPr algn="ctr" rtl="0"/>
-            <a:r>
-              <a:rPr lang="es-ES" sz="1800" b="1" dirty="0">
-                <a:solidFill>
-                  <a:schemeClr val="accent4">
-                    <a:lumMod val="50000"/>
-                  </a:schemeClr>
-                </a:solidFill>
-              </a:rPr>
-              <a:t>Carla </a:t>
-            </a:r>
-            <a:r>
-              <a:rPr lang="es-ES" sz="1800" b="1" dirty="0" err="1">
-                <a:solidFill>
-                  <a:schemeClr val="accent4">
-                    <a:lumMod val="50000"/>
-                  </a:schemeClr>
-                </a:solidFill>
-              </a:rPr>
-              <a:t>Lupión</a:t>
-            </a:r>
-            <a:r>
-              <a:rPr lang="es-ES" sz="1800" b="1" dirty="0">
-                <a:solidFill>
-                  <a:schemeClr val="accent4">
-                    <a:lumMod val="50000"/>
-                  </a:schemeClr>
-                </a:solidFill>
-              </a:rPr>
-              <a:t> </a:t>
-            </a:r>
-            <a:r>
-              <a:rPr lang="es-ES" sz="1800" b="1" dirty="0" err="1">
-                <a:solidFill>
-                  <a:schemeClr val="accent4">
-                    <a:lumMod val="50000"/>
-                  </a:schemeClr>
-                </a:solidFill>
-              </a:rPr>
-              <a:t>Saez</a:t>
-            </a:r>
-            <a:endParaRPr lang="es-ES" sz="1800" b="1" dirty="0">
-              <a:solidFill>
-                <a:schemeClr val="accent4">
-                  <a:lumMod val="50000"/>
-                </a:schemeClr>
-              </a:solidFill>
-            </a:endParaRPr>
-          </a:p>
-          <a:p>
-            <a:pPr algn="ctr" rtl="0"/>
-            <a:r>
-              <a:rPr lang="es-ES" sz="1800" dirty="0">
-                <a:solidFill>
-                  <a:schemeClr val="accent4">
-                    <a:lumMod val="50000"/>
-                  </a:schemeClr>
-                </a:solidFill>
-              </a:rPr>
-              <a:t>Natalya Martyn</a:t>
-            </a:r>
-            <a:endParaRPr lang="es-ES" sz="1800" b="1" dirty="0">
-              <a:solidFill>
-                <a:schemeClr val="accent4">
-                  <a:lumMod val="50000"/>
-                </a:schemeClr>
-              </a:solidFill>
-            </a:endParaRPr>
-          </a:p>
-        </p:txBody>
-      </p:sp>
-      <p:sp>
-        <p:nvSpPr>
-          <p:cNvPr id="5" name="Título 6">
-            <a:extLst>
-              <a:ext uri="{FF2B5EF4-FFF2-40B4-BE49-F238E27FC236}">
-                <a16:creationId xmlns:a16="http://schemas.microsoft.com/office/drawing/2014/main" id="{CBB28900-0BB1-AA00-1977-8D9EF3376E65}"/>
-              </a:ext>
-            </a:extLst>
-          </p:cNvPr>
-          <p:cNvSpPr>
-            <a:spLocks noGrp="1"/>
-          </p:cNvSpPr>
-          <p:nvPr>
-            <p:ph type="title"/>
-          </p:nvPr>
-        </p:nvSpPr>
-        <p:spPr>
-          <a:xfrm>
-            <a:off x="3825528" y="1705316"/>
-            <a:ext cx="4540944" cy="1627235"/>
-          </a:xfrm>
-          <a:noFill/>
-        </p:spPr>
-        <p:txBody>
-          <a:bodyPr rtlCol="0"/>
-          <a:lstStyle/>
-          <a:p>
-            <a:pPr algn="ctr" rtl="0"/>
-            <a:r>
-              <a:rPr lang="es-ES" sz="5400" b="1" dirty="0">
-                <a:solidFill>
-                  <a:schemeClr val="accent5">
-                    <a:lumMod val="90000"/>
-                    <a:lumOff val="10000"/>
-                  </a:schemeClr>
-                </a:solidFill>
-                <a:effectLst>
-                  <a:outerShdw blurRad="38100" dist="38100" dir="2700000" algn="tl">
-                    <a:srgbClr val="000000">
-                      <a:alpha val="43137"/>
-                    </a:srgbClr>
-                  </a:outerShdw>
-                </a:effectLst>
-                <a:latin typeface="+mj-lt"/>
-              </a:rPr>
-              <a:t>¡MUCHAS GRACIAS!</a:t>
-            </a:r>
-          </a:p>
-        </p:txBody>
-      </p:sp>
-      <p:sp>
-        <p:nvSpPr>
-          <p:cNvPr id="21" name="Hexágono 20">
-            <a:extLst>
-              <a:ext uri="{FF2B5EF4-FFF2-40B4-BE49-F238E27FC236}">
-                <a16:creationId xmlns:a16="http://schemas.microsoft.com/office/drawing/2014/main" id="{6F3DB436-FBEB-55AC-C5CC-9F7A17DC7191}"/>
-              </a:ext>
-              <a:ext uri="{C183D7F6-B498-43B3-948B-1728B52AA6E4}">
-                <adec:decorative xmlns:adec="http://schemas.microsoft.com/office/drawing/2017/decorative" val="1"/>
-              </a:ext>
-            </a:extLst>
-          </p:cNvPr>
-          <p:cNvSpPr/>
-          <p:nvPr/>
-        </p:nvSpPr>
-        <p:spPr>
-          <a:xfrm>
-            <a:off x="7974278" y="5753530"/>
-            <a:ext cx="651613" cy="561736"/>
-          </a:xfrm>
-          <a:prstGeom prst="hexagon">
-            <a:avLst/>
-          </a:prstGeom>
-          <a:solidFill>
-            <a:schemeClr val="accent2"/>
-          </a:solidFill>
-          <a:ln>
-            <a:noFill/>
-          </a:ln>
-        </p:spPr>
-        <p:style>
-          <a:lnRef idx="2">
-            <a:schemeClr val="accent1">
-              <a:shade val="50000"/>
-            </a:schemeClr>
-          </a:lnRef>
-          <a:fillRef idx="1">
-            <a:schemeClr val="accent1"/>
-          </a:fillRef>
-          <a:effectRef idx="0">
-            <a:schemeClr val="accent1"/>
-          </a:effectRef>
-          <a:fontRef idx="minor">
-            <a:schemeClr val="lt1"/>
-          </a:fontRef>
-        </p:style>
-        <p:txBody>
-          <a:bodyPr rtlCol="0" anchor="ctr"/>
-          <a:lstStyle/>
-          <a:p>
-            <a:pPr algn="ctr" rtl="0"/>
-            <a:endParaRPr lang="es-ES"/>
-          </a:p>
-        </p:txBody>
-      </p:sp>
-      <p:sp>
-        <p:nvSpPr>
-          <p:cNvPr id="16" name="Hexágono 15">
-            <a:extLst>
-              <a:ext uri="{FF2B5EF4-FFF2-40B4-BE49-F238E27FC236}">
-                <a16:creationId xmlns:a16="http://schemas.microsoft.com/office/drawing/2014/main" id="{17C8D1FA-2883-6EC6-566A-01779AB826C5}"/>
-              </a:ext>
-              <a:ext uri="{C183D7F6-B498-43B3-948B-1728B52AA6E4}">
-                <adec:decorative xmlns:adec="http://schemas.microsoft.com/office/drawing/2017/decorative" val="1"/>
-              </a:ext>
-            </a:extLst>
-          </p:cNvPr>
-          <p:cNvSpPr/>
-          <p:nvPr/>
-        </p:nvSpPr>
-        <p:spPr>
-          <a:xfrm>
-            <a:off x="2255521" y="2751804"/>
-            <a:ext cx="785546" cy="677196"/>
-          </a:xfrm>
-          <a:prstGeom prst="hexagon">
-            <a:avLst/>
-          </a:prstGeom>
-          <a:solidFill>
-            <a:schemeClr val="accent1"/>
-          </a:solidFill>
-          <a:ln>
-            <a:noFill/>
-          </a:ln>
-        </p:spPr>
-        <p:style>
-          <a:lnRef idx="2">
-            <a:schemeClr val="accent1">
-              <a:shade val="50000"/>
-            </a:schemeClr>
-          </a:lnRef>
-          <a:fillRef idx="1">
-            <a:schemeClr val="accent1"/>
-          </a:fillRef>
-          <a:effectRef idx="0">
-            <a:schemeClr val="accent1"/>
-          </a:effectRef>
-          <a:fontRef idx="minor">
-            <a:schemeClr val="lt1"/>
-          </a:fontRef>
-        </p:style>
-        <p:txBody>
-          <a:bodyPr rtlCol="0" anchor="ctr"/>
-          <a:lstStyle/>
-          <a:p>
-            <a:pPr algn="ctr" rtl="0"/>
-            <a:endParaRPr lang="es-ES"/>
-          </a:p>
-        </p:txBody>
-      </p:sp>
-      <p:sp>
-        <p:nvSpPr>
-          <p:cNvPr id="18" name="Hexágono 17">
-            <a:extLst>
-              <a:ext uri="{FF2B5EF4-FFF2-40B4-BE49-F238E27FC236}">
-                <a16:creationId xmlns:a16="http://schemas.microsoft.com/office/drawing/2014/main" id="{B185CD2A-E082-D884-4D39-49A4C37046A2}"/>
-              </a:ext>
-              <a:ext uri="{C183D7F6-B498-43B3-948B-1728B52AA6E4}">
-                <adec:decorative xmlns:adec="http://schemas.microsoft.com/office/drawing/2017/decorative" val="1"/>
-              </a:ext>
-            </a:extLst>
-          </p:cNvPr>
-          <p:cNvSpPr/>
-          <p:nvPr/>
-        </p:nvSpPr>
-        <p:spPr>
-          <a:xfrm>
-            <a:off x="8021783" y="671564"/>
-            <a:ext cx="392774" cy="338599"/>
-          </a:xfrm>
-          <a:prstGeom prst="hexagon">
-            <a:avLst/>
-          </a:prstGeom>
-          <a:solidFill>
-            <a:schemeClr val="bg2"/>
-          </a:solidFill>
-          <a:ln>
-            <a:noFill/>
-          </a:ln>
-        </p:spPr>
-        <p:style>
-          <a:lnRef idx="2">
-            <a:schemeClr val="accent1">
-              <a:shade val="50000"/>
-            </a:schemeClr>
-          </a:lnRef>
-          <a:fillRef idx="1">
-            <a:schemeClr val="accent1"/>
-          </a:fillRef>
-          <a:effectRef idx="0">
-            <a:schemeClr val="accent1"/>
-          </a:effectRef>
-          <a:fontRef idx="minor">
-            <a:schemeClr val="lt1"/>
-          </a:fontRef>
-        </p:style>
-        <p:txBody>
-          <a:bodyPr rtlCol="0" anchor="ctr"/>
-          <a:lstStyle/>
-          <a:p>
-            <a:pPr algn="ctr" rtl="0"/>
-            <a:endParaRPr lang="es-ES"/>
-          </a:p>
-        </p:txBody>
-      </p:sp>
-      <p:sp>
-        <p:nvSpPr>
-          <p:cNvPr id="2" name="Hexágono 1">
-            <a:extLst>
-              <a:ext uri="{FF2B5EF4-FFF2-40B4-BE49-F238E27FC236}">
-                <a16:creationId xmlns:a16="http://schemas.microsoft.com/office/drawing/2014/main" id="{0E86CC62-03FB-901F-2CF9-338DFBD20986}"/>
-              </a:ext>
-              <a:ext uri="{C183D7F6-B498-43B3-948B-1728B52AA6E4}">
-                <adec:decorative xmlns:adec="http://schemas.microsoft.com/office/drawing/2017/decorative" val="1"/>
-              </a:ext>
-            </a:extLst>
-          </p:cNvPr>
-          <p:cNvSpPr/>
-          <p:nvPr/>
-        </p:nvSpPr>
-        <p:spPr>
-          <a:xfrm>
-            <a:off x="2035398" y="3344350"/>
-            <a:ext cx="196388" cy="169300"/>
-          </a:xfrm>
-          <a:prstGeom prst="hexagon">
-            <a:avLst/>
-          </a:prstGeom>
-          <a:solidFill>
-            <a:schemeClr val="accent4"/>
-          </a:solidFill>
-          <a:ln>
-            <a:noFill/>
-          </a:ln>
-        </p:spPr>
-        <p:style>
-          <a:lnRef idx="2">
-            <a:schemeClr val="accent1">
-              <a:shade val="50000"/>
-            </a:schemeClr>
-          </a:lnRef>
-          <a:fillRef idx="1">
-            <a:schemeClr val="accent1"/>
-          </a:fillRef>
-          <a:effectRef idx="0">
-            <a:schemeClr val="accent1"/>
-          </a:effectRef>
-          <a:fontRef idx="minor">
-            <a:schemeClr val="lt1"/>
-          </a:fontRef>
-        </p:style>
-        <p:txBody>
-          <a:bodyPr rtlCol="0" anchor="ctr"/>
-          <a:lstStyle/>
-          <a:p>
-            <a:pPr algn="ctr" rtl="0"/>
-            <a:endParaRPr lang="es-ES"/>
-          </a:p>
-        </p:txBody>
-      </p:sp>
-    </p:spTree>
-    <p:extLst>
-      <p:ext uri="{BB962C8B-B14F-4D97-AF65-F5344CB8AC3E}">
-        <p14:creationId xmlns:p14="http://schemas.microsoft.com/office/powerpoint/2010/main" val="2673088943"/>
-      </p:ext>
-    </p:extLst>
-  </p:cSld>
-  <p:clrMapOvr>
-    <a:masterClrMapping/>
-  </p:clrMapOvr>
-</p:sld>
-</file>
-
 <file path=ppt/slides/slide2.xml><?xml version="1.0" encoding="utf-8"?>
 <p:sld xmlns:a="http://schemas.openxmlformats.org/drawingml/2006/main" xmlns:r="http://schemas.openxmlformats.org/officeDocument/2006/relationships" xmlns:p="http://schemas.openxmlformats.org/presentationml/2006/main">
   <p:cSld>
@@ -13162,15 +9389,18 @@
         </p:nvSpPr>
         <p:spPr>
           <a:xfrm>
-            <a:off x="660400" y="2712720"/>
-            <a:ext cx="4275138" cy="3560763"/>
+            <a:off x="660400" y="3068637"/>
+            <a:ext cx="4275138" cy="3332163"/>
           </a:xfrm>
         </p:spPr>
         <p:txBody>
           <a:bodyPr/>
           <a:lstStyle/>
           <a:p>
-            <a:endParaRPr lang="es-ES" dirty="0"/>
+            <a:r>
+              <a:rPr lang="es-ES" dirty="0"/>
+              <a:t>¿Qué impacto tiene el mes del año en la eficacia de nuestras campañas de marketing, y cómo podemos adaptar nuestras estrategias de marketing para aprovechar los períodos más efectivos del año?</a:t>
+            </a:r>
           </a:p>
         </p:txBody>
       </p:sp>
@@ -13305,13 +9535,13 @@
               <p:nvPr>
                 <p:extLst>
                   <p:ext uri="{D42A27DB-BD31-4B8C-83A1-F6EECF244321}">
-                    <p14:modId xmlns:p14="http://schemas.microsoft.com/office/powerpoint/2010/main" val="1104510754"/>
+                    <p14:modId xmlns:p14="http://schemas.microsoft.com/office/powerpoint/2010/main" val="2176324840"/>
                   </p:ext>
                 </p:extLst>
               </p:nvPr>
             </p:nvGraphicFramePr>
             <p:xfrm>
-              <a:off x="480893" y="813061"/>
+              <a:off x="480886" y="707140"/>
               <a:ext cx="11230211" cy="5573225"/>
             </p:xfrm>
             <a:graphic>
@@ -13338,7 +9568,7 @@
             </p:blipFill>
             <p:spPr>
               <a:xfrm>
-                <a:off x="480893" y="813061"/>
+                <a:off x="480886" y="707140"/>
                 <a:ext cx="11230211" cy="5573225"/>
               </a:xfrm>
               <a:prstGeom prst="rect">
@@ -13362,7 +9592,7 @@
         </p:nvSpPr>
         <p:spPr>
           <a:xfrm>
-            <a:off x="480892" y="351396"/>
+            <a:off x="480887" y="240881"/>
             <a:ext cx="11230211" cy="461665"/>
           </a:xfrm>
           <a:prstGeom prst="rect">
@@ -13414,8 +9644,8 @@
         </p:nvSpPr>
         <p:spPr>
           <a:xfrm>
-            <a:off x="6342749" y="5235518"/>
-            <a:ext cx="5368361" cy="578882"/>
+            <a:off x="9463861" y="4719814"/>
+            <a:ext cx="1569604" cy="1739741"/>
           </a:xfrm>
           <a:prstGeom prst="roundRect">
             <a:avLst/>
@@ -13443,25 +9673,21 @@
               <a:buChar char="§"/>
             </a:pPr>
             <a:r>
-              <a:rPr lang="es-ES" sz="1400" b="1" dirty="0" err="1"/>
-              <a:t>Xxxxxxxxx</a:t>
-            </a:r>
-            <a:endParaRPr lang="es-ES" sz="1400" b="1" dirty="0"/>
-          </a:p>
-          <a:p>
-            <a:pPr marL="285750" indent="-285750">
-              <a:buFont typeface="Wingdings" panose="05000000000000000000" pitchFamily="2" charset="2"/>
-              <a:buChar char="§"/>
-            </a:pPr>
-            <a:r>
-              <a:rPr lang="es-ES" sz="1400" b="1" dirty="0" err="1"/>
-              <a:t>xxxxxxx</a:t>
-            </a:r>
-            <a:r>
               <a:rPr lang="es-ES" sz="1400" dirty="0"/>
-              <a:t>.</a:t>
-            </a:r>
-            <a:endParaRPr lang="es-ES" sz="1300" dirty="0"/>
+              <a:t>La </a:t>
+            </a:r>
+            <a:r>
+              <a:rPr lang="es-ES" sz="1400" b="1" dirty="0"/>
+              <a:t>distribución</a:t>
+            </a:r>
+            <a:r>
+              <a:rPr lang="es-ES" sz="1400" dirty="0"/>
+              <a:t> de Depósitos en clientes Llamados está </a:t>
+            </a:r>
+            <a:r>
+              <a:rPr lang="es-ES" sz="1400" b="1" dirty="0"/>
+              <a:t>muy igualada</a:t>
+            </a:r>
           </a:p>
         </p:txBody>
       </p:sp>
@@ -13479,8 +9705,8 @@
         </p:nvSpPr>
         <p:spPr>
           <a:xfrm>
-            <a:off x="480892" y="5235518"/>
-            <a:ext cx="5368361" cy="578882"/>
+            <a:off x="2728139" y="4927221"/>
+            <a:ext cx="2913244" cy="1532334"/>
           </a:xfrm>
           <a:prstGeom prst="roundRect">
             <a:avLst/>
@@ -13508,10 +9734,21 @@
               <a:buChar char="§"/>
             </a:pPr>
             <a:r>
-              <a:rPr lang="es-ES" sz="1400" b="1" dirty="0" err="1"/>
-              <a:t>Xxxxxxxxx</a:t>
-            </a:r>
-            <a:endParaRPr lang="es-ES" sz="1400" b="1" dirty="0"/>
+              <a:rPr lang="es-ES" sz="1400" dirty="0"/>
+              <a:t>Desde </a:t>
+            </a:r>
+            <a:r>
+              <a:rPr lang="es-ES" sz="1400" b="1" dirty="0"/>
+              <a:t>Mayo hasta Agosto </a:t>
+            </a:r>
+            <a:r>
+              <a:rPr lang="es-ES" sz="1400" dirty="0"/>
+              <a:t>se producen muchas </a:t>
+            </a:r>
+            <a:r>
+              <a:rPr lang="es-ES" sz="1400" b="1" dirty="0"/>
+              <a:t>más llamadas</a:t>
+            </a:r>
           </a:p>
           <a:p>
             <a:pPr marL="285750" indent="-285750">
@@ -13519,14 +9756,83 @@
               <a:buChar char="§"/>
             </a:pPr>
             <a:r>
-              <a:rPr lang="es-ES" sz="1400" b="1" dirty="0" err="1"/>
-              <a:t>xxxxxxx</a:t>
-            </a:r>
-            <a:r>
               <a:rPr lang="es-ES" sz="1400" dirty="0"/>
-              <a:t>.</a:t>
-            </a:r>
-            <a:endParaRPr lang="es-ES" sz="1300" dirty="0"/>
+              <a:t>También se contactan más </a:t>
+            </a:r>
+            <a:r>
+              <a:rPr lang="es-ES" sz="1400" b="1" dirty="0"/>
+              <a:t>clientes</a:t>
+            </a:r>
+            <a:r>
+              <a:rPr lang="es-ES" sz="1400" dirty="0"/>
+              <a:t> </a:t>
+            </a:r>
+            <a:r>
+              <a:rPr lang="es-ES" sz="1400" b="1" dirty="0"/>
+              <a:t>pero no es proporcional</a:t>
+            </a:r>
+            <a:r>
+              <a:rPr lang="es-ES" sz="1400" dirty="0"/>
+              <a:t>, se hacen </a:t>
+            </a:r>
+            <a:r>
+              <a:rPr lang="es-ES" sz="1400" b="1" dirty="0"/>
+              <a:t>más llamadas por cliente</a:t>
+            </a:r>
+          </a:p>
+        </p:txBody>
+      </p:sp>
+      <p:sp>
+        <p:nvSpPr>
+          <p:cNvPr id="4" name="Rectangle 3">
+            <a:extLst>
+              <a:ext uri="{FF2B5EF4-FFF2-40B4-BE49-F238E27FC236}">
+                <a16:creationId xmlns:a16="http://schemas.microsoft.com/office/drawing/2014/main" id="{DD9E1526-3650-6833-6D46-ED9FE57FC9C0}"/>
+              </a:ext>
+            </a:extLst>
+          </p:cNvPr>
+          <p:cNvSpPr/>
+          <p:nvPr/>
+        </p:nvSpPr>
+        <p:spPr>
+          <a:xfrm>
+            <a:off x="11274997" y="302873"/>
+            <a:ext cx="774916" cy="5847987"/>
+          </a:xfrm>
+          <a:prstGeom prst="rect">
+            <a:avLst/>
+          </a:prstGeom>
+          <a:solidFill>
+            <a:schemeClr val="bg1">
+              <a:lumMod val="95000"/>
+            </a:schemeClr>
+          </a:solidFill>
+          <a:ln>
+            <a:noFill/>
+          </a:ln>
+        </p:spPr>
+        <p:style>
+          <a:lnRef idx="2">
+            <a:schemeClr val="accent1">
+              <a:shade val="50000"/>
+            </a:schemeClr>
+          </a:lnRef>
+          <a:fillRef idx="1">
+            <a:schemeClr val="accent1"/>
+          </a:fillRef>
+          <a:effectRef idx="0">
+            <a:schemeClr val="accent1"/>
+          </a:effectRef>
+          <a:fontRef idx="minor">
+            <a:schemeClr val="lt1"/>
+          </a:fontRef>
+        </p:style>
+        <p:txBody>
+          <a:bodyPr rtlCol="0" anchor="ctr"/>
+          <a:lstStyle/>
+          <a:p>
+            <a:pPr algn="ctr"/>
+            <a:endParaRPr lang="ca-ES"/>
           </a:p>
         </p:txBody>
       </p:sp>
@@ -13571,13 +9877,13 @@
               <p:nvPr>
                 <p:extLst>
                   <p:ext uri="{D42A27DB-BD31-4B8C-83A1-F6EECF244321}">
-                    <p14:modId xmlns:p14="http://schemas.microsoft.com/office/powerpoint/2010/main" val="3156265570"/>
+                    <p14:modId xmlns:p14="http://schemas.microsoft.com/office/powerpoint/2010/main" val="1627769417"/>
                   </p:ext>
                 </p:extLst>
               </p:nvPr>
             </p:nvGraphicFramePr>
             <p:xfrm>
-              <a:off x="480894" y="813061"/>
+              <a:off x="480894" y="828559"/>
               <a:ext cx="11230210" cy="5587739"/>
             </p:xfrm>
             <a:graphic>
@@ -13604,7 +9910,7 @@
             </p:blipFill>
             <p:spPr>
               <a:xfrm>
-                <a:off x="480894" y="813061"/>
+                <a:off x="480894" y="828559"/>
                 <a:ext cx="11230210" cy="5587739"/>
               </a:xfrm>
               <a:prstGeom prst="rect">
@@ -13652,7 +9958,7 @@
                 <a:effectLst/>
                 <a:latin typeface="+mj-lt"/>
               </a:rPr>
-              <a:t>ANÁLISIS COMPARATIVO</a:t>
+              <a:t>ANÁLISIS EXPLORATORIO (EDA)</a:t>
             </a:r>
             <a:endParaRPr lang="es-ES" sz="2400" b="1" i="1" dirty="0">
               <a:solidFill>
@@ -13663,6 +9969,213 @@
               <a:effectLst/>
               <a:latin typeface="+mj-lt"/>
             </a:endParaRPr>
+          </a:p>
+        </p:txBody>
+      </p:sp>
+      <p:sp>
+        <p:nvSpPr>
+          <p:cNvPr id="3" name="QuadreDeText 16">
+            <a:extLst>
+              <a:ext uri="{FF2B5EF4-FFF2-40B4-BE49-F238E27FC236}">
+                <a16:creationId xmlns:a16="http://schemas.microsoft.com/office/drawing/2014/main" id="{B3D93FB6-C297-FEB0-9279-3F0E96D18F34}"/>
+              </a:ext>
+            </a:extLst>
+          </p:cNvPr>
+          <p:cNvSpPr txBox="1"/>
+          <p:nvPr/>
+        </p:nvSpPr>
+        <p:spPr>
+          <a:xfrm>
+            <a:off x="3162119" y="4497107"/>
+            <a:ext cx="1622615" cy="1532334"/>
+          </a:xfrm>
+          <a:prstGeom prst="roundRect">
+            <a:avLst/>
+          </a:prstGeom>
+          <a:solidFill>
+            <a:schemeClr val="accent5">
+              <a:lumMod val="25000"/>
+              <a:lumOff val="75000"/>
+            </a:schemeClr>
+          </a:solidFill>
+          <a:ln>
+            <a:solidFill>
+              <a:schemeClr val="bg1"/>
+            </a:solidFill>
+          </a:ln>
+        </p:spPr>
+        <p:txBody>
+          <a:bodyPr wrap="square">
+            <a:spAutoFit/>
+          </a:bodyPr>
+          <a:lstStyle/>
+          <a:p>
+            <a:pPr marL="285750" indent="-285750">
+              <a:buFont typeface="Wingdings" panose="05000000000000000000" pitchFamily="2" charset="2"/>
+              <a:buChar char="§"/>
+            </a:pPr>
+            <a:r>
+              <a:rPr lang="es-ES" sz="1400" b="1" dirty="0"/>
+              <a:t>Mayo</a:t>
+            </a:r>
+            <a:r>
+              <a:rPr lang="es-ES" sz="1400" dirty="0"/>
+              <a:t>, </a:t>
+            </a:r>
+            <a:r>
+              <a:rPr lang="es-ES" sz="1400" b="1" dirty="0"/>
+              <a:t>Agosto</a:t>
+            </a:r>
+            <a:r>
+              <a:rPr lang="es-ES" sz="1400" dirty="0"/>
+              <a:t> y </a:t>
+            </a:r>
+            <a:r>
+              <a:rPr lang="es-ES" sz="1400" b="1" dirty="0"/>
+              <a:t>Julio</a:t>
+            </a:r>
+            <a:r>
+              <a:rPr lang="es-ES" sz="1400" dirty="0"/>
+              <a:t> es donde más se contratan , seguidos de </a:t>
+            </a:r>
+            <a:r>
+              <a:rPr lang="es-ES" sz="1400" b="1" dirty="0"/>
+              <a:t>Abril</a:t>
+            </a:r>
+            <a:r>
+              <a:rPr lang="es-ES" sz="1400" dirty="0"/>
+              <a:t> </a:t>
+            </a:r>
+            <a:endParaRPr lang="es-ES" sz="1400" b="1" dirty="0"/>
+          </a:p>
+        </p:txBody>
+      </p:sp>
+      <p:sp>
+        <p:nvSpPr>
+          <p:cNvPr id="6" name="Rectangle 5">
+            <a:extLst>
+              <a:ext uri="{FF2B5EF4-FFF2-40B4-BE49-F238E27FC236}">
+                <a16:creationId xmlns:a16="http://schemas.microsoft.com/office/drawing/2014/main" id="{E0EA78E5-1FE2-797B-A324-FBC90B5DEC95}"/>
+              </a:ext>
+            </a:extLst>
+          </p:cNvPr>
+          <p:cNvSpPr/>
+          <p:nvPr/>
+        </p:nvSpPr>
+        <p:spPr>
+          <a:xfrm>
+            <a:off x="11189776" y="489240"/>
+            <a:ext cx="774916" cy="5818572"/>
+          </a:xfrm>
+          <a:prstGeom prst="rect">
+            <a:avLst/>
+          </a:prstGeom>
+          <a:solidFill>
+            <a:schemeClr val="bg1">
+              <a:lumMod val="95000"/>
+            </a:schemeClr>
+          </a:solidFill>
+          <a:ln>
+            <a:noFill/>
+          </a:ln>
+        </p:spPr>
+        <p:style>
+          <a:lnRef idx="2">
+            <a:schemeClr val="accent1">
+              <a:shade val="50000"/>
+            </a:schemeClr>
+          </a:lnRef>
+          <a:fillRef idx="1">
+            <a:schemeClr val="accent1"/>
+          </a:fillRef>
+          <a:effectRef idx="0">
+            <a:schemeClr val="accent1"/>
+          </a:effectRef>
+          <a:fontRef idx="minor">
+            <a:schemeClr val="lt1"/>
+          </a:fontRef>
+        </p:style>
+        <p:txBody>
+          <a:bodyPr rtlCol="0" anchor="ctr"/>
+          <a:lstStyle/>
+          <a:p>
+            <a:pPr algn="ctr"/>
+            <a:endParaRPr lang="ca-ES"/>
+          </a:p>
+        </p:txBody>
+      </p:sp>
+      <p:sp>
+        <p:nvSpPr>
+          <p:cNvPr id="4" name="QuadreDeText 16">
+            <a:extLst>
+              <a:ext uri="{FF2B5EF4-FFF2-40B4-BE49-F238E27FC236}">
+                <a16:creationId xmlns:a16="http://schemas.microsoft.com/office/drawing/2014/main" id="{87A34155-32F6-8AF3-4923-2D107EAAFE75}"/>
+              </a:ext>
+            </a:extLst>
+          </p:cNvPr>
+          <p:cNvSpPr txBox="1"/>
+          <p:nvPr/>
+        </p:nvSpPr>
+        <p:spPr>
+          <a:xfrm>
+            <a:off x="10378006" y="2996443"/>
+            <a:ext cx="1622616" cy="3032998"/>
+          </a:xfrm>
+          <a:prstGeom prst="roundRect">
+            <a:avLst/>
+          </a:prstGeom>
+          <a:solidFill>
+            <a:schemeClr val="accent5">
+              <a:lumMod val="25000"/>
+              <a:lumOff val="75000"/>
+            </a:schemeClr>
+          </a:solidFill>
+          <a:ln>
+            <a:solidFill>
+              <a:schemeClr val="bg1"/>
+            </a:solidFill>
+          </a:ln>
+        </p:spPr>
+        <p:txBody>
+          <a:bodyPr wrap="square">
+            <a:spAutoFit/>
+          </a:bodyPr>
+          <a:lstStyle/>
+          <a:p>
+            <a:pPr marL="285750" indent="-285750">
+              <a:buFont typeface="Wingdings" panose="05000000000000000000" pitchFamily="2" charset="2"/>
+              <a:buChar char="§"/>
+            </a:pPr>
+            <a:r>
+              <a:rPr lang="es-ES" sz="1400" dirty="0"/>
+              <a:t>La diferencia entre llamadas y contratados es mucho mayor de Mayo a Agosto</a:t>
+            </a:r>
+          </a:p>
+          <a:p>
+            <a:pPr marL="285750" indent="-285750">
+              <a:buFont typeface="Wingdings" panose="05000000000000000000" pitchFamily="2" charset="2"/>
+              <a:buChar char="§"/>
+            </a:pPr>
+            <a:r>
+              <a:rPr lang="es-ES" sz="1400" b="1" dirty="0"/>
+              <a:t>Se aprovechan más </a:t>
+            </a:r>
+            <a:r>
+              <a:rPr lang="es-ES" sz="1400" dirty="0"/>
+              <a:t>las </a:t>
+            </a:r>
+            <a:r>
+              <a:rPr lang="es-ES" sz="1400" b="1" dirty="0"/>
+              <a:t>llamadas </a:t>
+            </a:r>
+            <a:r>
+              <a:rPr lang="es-ES" sz="1400" dirty="0"/>
+              <a:t>en </a:t>
+            </a:r>
+            <a:r>
+              <a:rPr lang="es-ES" sz="1400" b="1" dirty="0"/>
+              <a:t>otros meses</a:t>
+            </a:r>
           </a:p>
         </p:txBody>
       </p:sp>
@@ -13715,7 +10228,7 @@
               <p:nvPr>
                 <p:extLst>
                   <p:ext uri="{D42A27DB-BD31-4B8C-83A1-F6EECF244321}">
-                    <p14:modId xmlns:p14="http://schemas.microsoft.com/office/powerpoint/2010/main" val="1364911543"/>
+                    <p14:modId xmlns:p14="http://schemas.microsoft.com/office/powerpoint/2010/main" val="2348770357"/>
                   </p:ext>
                 </p:extLst>
               </p:nvPr>
@@ -13810,6 +10323,196 @@
           </a:p>
         </p:txBody>
       </p:sp>
+      <p:sp>
+        <p:nvSpPr>
+          <p:cNvPr id="4" name="Rectangle 3">
+            <a:extLst>
+              <a:ext uri="{FF2B5EF4-FFF2-40B4-BE49-F238E27FC236}">
+                <a16:creationId xmlns:a16="http://schemas.microsoft.com/office/drawing/2014/main" id="{993A1515-F48A-59AF-D209-EBFFBE3E9C3F}"/>
+              </a:ext>
+            </a:extLst>
+          </p:cNvPr>
+          <p:cNvSpPr/>
+          <p:nvPr/>
+        </p:nvSpPr>
+        <p:spPr>
+          <a:xfrm>
+            <a:off x="11189776" y="458244"/>
+            <a:ext cx="774916" cy="5818572"/>
+          </a:xfrm>
+          <a:prstGeom prst="rect">
+            <a:avLst/>
+          </a:prstGeom>
+          <a:solidFill>
+            <a:schemeClr val="bg1">
+              <a:lumMod val="95000"/>
+            </a:schemeClr>
+          </a:solidFill>
+          <a:ln>
+            <a:noFill/>
+          </a:ln>
+        </p:spPr>
+        <p:style>
+          <a:lnRef idx="2">
+            <a:schemeClr val="accent1">
+              <a:shade val="50000"/>
+            </a:schemeClr>
+          </a:lnRef>
+          <a:fillRef idx="1">
+            <a:schemeClr val="accent1"/>
+          </a:fillRef>
+          <a:effectRef idx="0">
+            <a:schemeClr val="accent1"/>
+          </a:effectRef>
+          <a:fontRef idx="minor">
+            <a:schemeClr val="lt1"/>
+          </a:fontRef>
+        </p:style>
+        <p:txBody>
+          <a:bodyPr rtlCol="0" anchor="ctr"/>
+          <a:lstStyle/>
+          <a:p>
+            <a:pPr algn="ctr"/>
+            <a:endParaRPr lang="ca-ES"/>
+          </a:p>
+        </p:txBody>
+      </p:sp>
+      <p:sp>
+        <p:nvSpPr>
+          <p:cNvPr id="3" name="QuadreDeText 16">
+            <a:extLst>
+              <a:ext uri="{FF2B5EF4-FFF2-40B4-BE49-F238E27FC236}">
+                <a16:creationId xmlns:a16="http://schemas.microsoft.com/office/drawing/2014/main" id="{C555806C-48EC-A0E9-5074-D2E4B36AD3CF}"/>
+              </a:ext>
+            </a:extLst>
+          </p:cNvPr>
+          <p:cNvSpPr txBox="1"/>
+          <p:nvPr/>
+        </p:nvSpPr>
+        <p:spPr>
+          <a:xfrm>
+            <a:off x="10585779" y="1043893"/>
+            <a:ext cx="1425407" cy="3005018"/>
+          </a:xfrm>
+          <a:prstGeom prst="roundRect">
+            <a:avLst/>
+          </a:prstGeom>
+          <a:solidFill>
+            <a:schemeClr val="accent5">
+              <a:lumMod val="25000"/>
+              <a:lumOff val="75000"/>
+            </a:schemeClr>
+          </a:solidFill>
+          <a:ln>
+            <a:solidFill>
+              <a:schemeClr val="bg1"/>
+            </a:solidFill>
+          </a:ln>
+        </p:spPr>
+        <p:txBody>
+          <a:bodyPr wrap="square">
+            <a:spAutoFit/>
+          </a:bodyPr>
+          <a:lstStyle/>
+          <a:p>
+            <a:pPr marL="285750" indent="-285750">
+              <a:buFont typeface="Wingdings" panose="05000000000000000000" pitchFamily="2" charset="2"/>
+              <a:buChar char="§"/>
+            </a:pPr>
+            <a:r>
+              <a:rPr lang="es-ES" sz="1400" dirty="0"/>
+              <a:t>De </a:t>
+            </a:r>
+            <a:r>
+              <a:rPr lang="es-ES" sz="1400" b="1" dirty="0"/>
+              <a:t>Mayo a Agosto </a:t>
+            </a:r>
+            <a:r>
+              <a:rPr lang="es-ES" sz="1400" dirty="0"/>
+              <a:t>hacen falta muchas </a:t>
+            </a:r>
+            <a:r>
+              <a:rPr lang="es-ES" sz="1400" b="1" dirty="0"/>
+              <a:t>más llamadas para cerrar </a:t>
+            </a:r>
+            <a:r>
+              <a:rPr lang="es-ES" sz="1400" dirty="0"/>
+              <a:t>una venta</a:t>
+            </a:r>
+          </a:p>
+          <a:p>
+            <a:pPr marL="285750" indent="-285750">
+              <a:buFont typeface="Wingdings" panose="05000000000000000000" pitchFamily="2" charset="2"/>
+              <a:buChar char="§"/>
+            </a:pPr>
+            <a:r>
+              <a:rPr lang="es-ES" sz="1400" dirty="0"/>
+              <a:t>En </a:t>
+            </a:r>
+            <a:r>
+              <a:rPr lang="es-ES" sz="1400" b="1" dirty="0"/>
+              <a:t>otros meses </a:t>
+            </a:r>
+            <a:r>
+              <a:rPr lang="es-ES" sz="1400" dirty="0"/>
+              <a:t>las llamadas son </a:t>
+            </a:r>
+            <a:r>
+              <a:rPr lang="es-ES" sz="1400" b="1" dirty="0"/>
+              <a:t>más efectivas</a:t>
+            </a:r>
+          </a:p>
+        </p:txBody>
+      </p:sp>
+      <p:sp>
+        <p:nvSpPr>
+          <p:cNvPr id="6" name="QuadreDeText 16">
+            <a:extLst>
+              <a:ext uri="{FF2B5EF4-FFF2-40B4-BE49-F238E27FC236}">
+                <a16:creationId xmlns:a16="http://schemas.microsoft.com/office/drawing/2014/main" id="{A2417375-EE2F-E46E-BA1F-C8FA2082BF2E}"/>
+              </a:ext>
+            </a:extLst>
+          </p:cNvPr>
+          <p:cNvSpPr txBox="1"/>
+          <p:nvPr/>
+        </p:nvSpPr>
+        <p:spPr>
+          <a:xfrm>
+            <a:off x="10585779" y="4193456"/>
+            <a:ext cx="1425407" cy="1938814"/>
+          </a:xfrm>
+          <a:prstGeom prst="roundRect">
+            <a:avLst/>
+          </a:prstGeom>
+          <a:solidFill>
+            <a:schemeClr val="accent5">
+              <a:lumMod val="25000"/>
+              <a:lumOff val="75000"/>
+            </a:schemeClr>
+          </a:solidFill>
+          <a:ln>
+            <a:solidFill>
+              <a:schemeClr val="bg1"/>
+            </a:solidFill>
+          </a:ln>
+        </p:spPr>
+        <p:txBody>
+          <a:bodyPr wrap="square">
+            <a:spAutoFit/>
+          </a:bodyPr>
+          <a:lstStyle/>
+          <a:p>
+            <a:pPr marL="285750" indent="-285750">
+              <a:buFont typeface="Wingdings" panose="05000000000000000000" pitchFamily="2" charset="2"/>
+              <a:buChar char="§"/>
+            </a:pPr>
+            <a:r>
+              <a:rPr lang="es-ES" sz="1400" dirty="0"/>
+              <a:t>La conversión de cliente y llamada varían de igual manera todo el año</a:t>
+            </a:r>
+          </a:p>
+        </p:txBody>
+      </p:sp>
     </p:spTree>
     <p:extLst>
       <p:ext uri="{BB962C8B-B14F-4D97-AF65-F5344CB8AC3E}">
@@ -13828,13 +10531,7 @@
   <p:cSld>
     <p:spTree>
       <p:nvGrpSpPr>
-        <p:cNvPr id="1" name="">
-          <a:extLst>
-            <a:ext uri="{FF2B5EF4-FFF2-40B4-BE49-F238E27FC236}">
-              <a16:creationId xmlns:a16="http://schemas.microsoft.com/office/drawing/2014/main" id="{2122DA3C-6319-0E9E-C653-C4A5E5E6A806}"/>
-            </a:ext>
-          </a:extLst>
-        </p:cNvPr>
+        <p:cNvPr id="1" name=""/>
         <p:cNvGrpSpPr/>
         <p:nvPr/>
       </p:nvGrpSpPr>
@@ -13846,12 +10543,112 @@
           <a:chExt cx="0" cy="0"/>
         </a:xfrm>
       </p:grpSpPr>
-      <p:sp>
-        <p:nvSpPr>
-          <p:cNvPr id="5" name="Rectángulo 4">
-            <a:extLst>
-              <a:ext uri="{FF2B5EF4-FFF2-40B4-BE49-F238E27FC236}">
-                <a16:creationId xmlns:a16="http://schemas.microsoft.com/office/drawing/2014/main" id="{882A1661-D4E8-303B-BA24-F14D615D13C4}"/>
+      <mc:AlternateContent xmlns:mc="http://schemas.openxmlformats.org/markup-compatibility/2006">
+        <mc:Choice xmlns:we="http://schemas.microsoft.com/office/webextensions/webextension/2010/11" xmlns:pca="http://schemas.microsoft.com/office/powerpoint/2013/contentapp" Requires="we pca">
+          <p:graphicFrame>
+            <p:nvGraphicFramePr>
+              <p:cNvPr id="2" name="Add-in" descr="Contenido de complemento para Microsoft Power BI."/>
+              <p:cNvGraphicFramePr>
+                <a:graphicFrameLocks noGrp="1"/>
+              </p:cNvGraphicFramePr>
+              <p:nvPr/>
+            </p:nvGraphicFramePr>
+            <p:xfrm>
+              <a:off x="721012" y="1170879"/>
+              <a:ext cx="10749976" cy="5335725"/>
+            </p:xfrm>
+            <a:graphic>
+              <a:graphicData uri="http://schemas.microsoft.com/office/webextensions/webextension/2010/11">
+                <we:webextensionref xmlns:we="http://schemas.microsoft.com/office/webextensions/webextension/2010/11" xmlns:r="http://schemas.openxmlformats.org/officeDocument/2006/relationships" r:id="rId2"/>
+              </a:graphicData>
+            </a:graphic>
+          </p:graphicFrame>
+        </mc:Choice>
+        <mc:Fallback>
+          <p:pic>
+            <p:nvPicPr>
+              <p:cNvPr id="2" name="Add-in" descr="Contenido de complemento para Microsoft Power BI."/>
+              <p:cNvPicPr>
+                <a:picLocks noGrp="1" noRot="1" noChangeAspect="1" noMove="1" noResize="1" noEditPoints="1" noAdjustHandles="1" noChangeArrowheads="1" noChangeShapeType="1"/>
+              </p:cNvPicPr>
+              <p:nvPr/>
+            </p:nvPicPr>
+            <p:blipFill>
+              <a:blip r:embed="rId3"/>
+              <a:stretch>
+                <a:fillRect/>
+              </a:stretch>
+            </p:blipFill>
+            <p:spPr>
+              <a:xfrm>
+                <a:off x="721012" y="1170879"/>
+                <a:ext cx="10749976" cy="5335725"/>
+              </a:xfrm>
+              <a:prstGeom prst="rect">
+                <a:avLst/>
+              </a:prstGeom>
+            </p:spPr>
+          </p:pic>
+        </mc:Fallback>
+      </mc:AlternateContent>
+      <p:sp>
+        <p:nvSpPr>
+          <p:cNvPr id="5" name="QuadreDeText 3">
+            <a:extLst>
+              <a:ext uri="{FF2B5EF4-FFF2-40B4-BE49-F238E27FC236}">
+                <a16:creationId xmlns:a16="http://schemas.microsoft.com/office/drawing/2014/main" id="{172DED95-FE79-2002-529E-5566CDD8C9CC}"/>
+              </a:ext>
+            </a:extLst>
+          </p:cNvPr>
+          <p:cNvSpPr txBox="1"/>
+          <p:nvPr/>
+        </p:nvSpPr>
+        <p:spPr>
+          <a:xfrm>
+            <a:off x="480894" y="351396"/>
+            <a:ext cx="11230211" cy="461665"/>
+          </a:xfrm>
+          <a:prstGeom prst="rect">
+            <a:avLst/>
+          </a:prstGeom>
+          <a:noFill/>
+        </p:spPr>
+        <p:txBody>
+          <a:bodyPr wrap="square">
+            <a:spAutoFit/>
+          </a:bodyPr>
+          <a:lstStyle/>
+          <a:p>
+            <a:r>
+              <a:rPr lang="es-ES" sz="2400" b="1" dirty="0">
+                <a:solidFill>
+                  <a:schemeClr val="accent3">
+                    <a:lumMod val="50000"/>
+                  </a:schemeClr>
+                </a:solidFill>
+                <a:effectLst/>
+                <a:latin typeface="+mj-lt"/>
+              </a:rPr>
+              <a:t>ANÁLISIS COMPARATIVO: CONCLUSIONES</a:t>
+            </a:r>
+            <a:endParaRPr lang="es-ES" sz="2400" b="1" i="1" dirty="0">
+              <a:solidFill>
+                <a:schemeClr val="accent3">
+                  <a:lumMod val="50000"/>
+                </a:schemeClr>
+              </a:solidFill>
+              <a:effectLst/>
+              <a:latin typeface="+mj-lt"/>
+            </a:endParaRPr>
+          </a:p>
+        </p:txBody>
+      </p:sp>
+      <p:sp>
+        <p:nvSpPr>
+          <p:cNvPr id="3" name="Rectangle 2">
+            <a:extLst>
+              <a:ext uri="{FF2B5EF4-FFF2-40B4-BE49-F238E27FC236}">
+                <a16:creationId xmlns:a16="http://schemas.microsoft.com/office/drawing/2014/main" id="{C252329B-613D-74E5-A1D1-2623726BA5C9}"/>
               </a:ext>
             </a:extLst>
           </p:cNvPr>
@@ -13860,8 +10657,8 @@
         </p:nvSpPr>
         <p:spPr>
           <a:xfrm>
-            <a:off x="0" y="6400800"/>
-            <a:ext cx="2557670" cy="457200"/>
+            <a:off x="10992569" y="519714"/>
+            <a:ext cx="774916" cy="5818572"/>
           </a:xfrm>
           <a:prstGeom prst="rect">
             <a:avLst/>
@@ -13896,16 +10693,16 @@
           <a:lstStyle/>
           <a:p>
             <a:pPr algn="ctr"/>
-            <a:endParaRPr lang="es-ES"/>
-          </a:p>
-        </p:txBody>
-      </p:sp>
-      <p:sp>
-        <p:nvSpPr>
-          <p:cNvPr id="9" name="QuadreDeText 3">
-            <a:extLst>
-              <a:ext uri="{FF2B5EF4-FFF2-40B4-BE49-F238E27FC236}">
-                <a16:creationId xmlns:a16="http://schemas.microsoft.com/office/drawing/2014/main" id="{E3C7FFE1-A797-62BF-BC16-BAA12271AC8E}"/>
+            <a:endParaRPr lang="ca-ES"/>
+          </a:p>
+        </p:txBody>
+      </p:sp>
+      <p:sp>
+        <p:nvSpPr>
+          <p:cNvPr id="4" name="QuadreDeText 16">
+            <a:extLst>
+              <a:ext uri="{FF2B5EF4-FFF2-40B4-BE49-F238E27FC236}">
+                <a16:creationId xmlns:a16="http://schemas.microsoft.com/office/drawing/2014/main" id="{8F917531-9C71-287F-6DC3-B9AFF2BD07B8}"/>
               </a:ext>
             </a:extLst>
           </p:cNvPr>
@@ -13914,59 +10711,8 @@
         </p:nvSpPr>
         <p:spPr>
           <a:xfrm>
-            <a:off x="480894" y="338435"/>
-            <a:ext cx="11230211" cy="461665"/>
-          </a:xfrm>
-          <a:prstGeom prst="rect">
-            <a:avLst/>
-          </a:prstGeom>
-          <a:noFill/>
-        </p:spPr>
-        <p:txBody>
-          <a:bodyPr wrap="square">
-            <a:spAutoFit/>
-          </a:bodyPr>
-          <a:lstStyle/>
-          <a:p>
-            <a:r>
-              <a:rPr lang="es-ES" sz="2400" b="1" dirty="0">
-                <a:solidFill>
-                  <a:schemeClr val="accent3">
-                    <a:lumMod val="50000"/>
-                  </a:schemeClr>
-                </a:solidFill>
-                <a:latin typeface="+mj-lt"/>
-              </a:rPr>
-              <a:t>TASA CONVERSIÓN Y NÚMERO DE LLAMADAS POR DÍA [2 a 17 min] </a:t>
-            </a:r>
-            <a:endParaRPr lang="es-ES" sz="2400" b="1" dirty="0">
-              <a:solidFill>
-                <a:schemeClr val="accent3">
-                  <a:lumMod val="50000"/>
-                </a:schemeClr>
-              </a:solidFill>
-              <a:effectLst/>
-              <a:latin typeface="+mj-lt"/>
-            </a:endParaRPr>
-          </a:p>
-        </p:txBody>
-      </p:sp>
-      <p:sp>
-        <p:nvSpPr>
-          <p:cNvPr id="8" name="QuadreDeText 16">
-            <a:extLst>
-              <a:ext uri="{FF2B5EF4-FFF2-40B4-BE49-F238E27FC236}">
-                <a16:creationId xmlns:a16="http://schemas.microsoft.com/office/drawing/2014/main" id="{A35D8D08-73A8-4B79-4525-ACDE3CACF457}"/>
-              </a:ext>
-            </a:extLst>
-          </p:cNvPr>
-          <p:cNvSpPr txBox="1"/>
-          <p:nvPr/>
-        </p:nvSpPr>
-        <p:spPr>
-          <a:xfrm>
-            <a:off x="437770" y="4833553"/>
-            <a:ext cx="5524881" cy="800219"/>
+            <a:off x="10414862" y="1179385"/>
+            <a:ext cx="1518833" cy="4972288"/>
           </a:xfrm>
           <a:prstGeom prst="roundRect">
             <a:avLst/>
@@ -13994,145 +10740,70 @@
               <a:buChar char="§"/>
             </a:pPr>
             <a:r>
+              <a:rPr lang="es-ES" sz="1400" dirty="0"/>
+              <a:t>De Mayo a Agosto , </a:t>
+            </a:r>
+            <a:r>
               <a:rPr lang="es-ES" sz="1400" b="1" dirty="0"/>
-              <a:t>Sorprendentemente, la tasa de conversión es decreciente, </a:t>
+              <a:t>cuando más se llama</a:t>
             </a:r>
             <a:r>
               <a:rPr lang="es-ES" sz="1400" dirty="0"/>
-              <a:t>estabilizándose a partir del miércoles.</a:t>
-            </a:r>
+              <a:t>, </a:t>
+            </a:r>
+            <a:r>
+              <a:rPr lang="es-ES" sz="1400" b="1" dirty="0"/>
+              <a:t>menor éxito tienen </a:t>
+            </a:r>
+            <a:r>
+              <a:rPr lang="es-ES" sz="1400" dirty="0"/>
+              <a:t>las llamadas.</a:t>
+            </a:r>
+          </a:p>
+          <a:p>
+            <a:endParaRPr lang="es-ES" sz="1400" dirty="0"/>
           </a:p>
           <a:p>
             <a:pPr marL="285750" indent="-285750">
               <a:buFont typeface="Wingdings" panose="05000000000000000000" pitchFamily="2" charset="2"/>
               <a:buChar char="§"/>
             </a:pPr>
-            <a:endParaRPr lang="es-ES" sz="1300" dirty="0"/>
-          </a:p>
-        </p:txBody>
-      </p:sp>
-      <p:sp>
-        <p:nvSpPr>
-          <p:cNvPr id="11" name="QuadreDeText 16">
-            <a:extLst>
-              <a:ext uri="{FF2B5EF4-FFF2-40B4-BE49-F238E27FC236}">
-                <a16:creationId xmlns:a16="http://schemas.microsoft.com/office/drawing/2014/main" id="{5A904658-11A2-903C-C8F4-05F7A988430D}"/>
-              </a:ext>
-            </a:extLst>
-          </p:cNvPr>
-          <p:cNvSpPr txBox="1"/>
-          <p:nvPr/>
-        </p:nvSpPr>
-        <p:spPr>
-          <a:xfrm>
-            <a:off x="6155053" y="4833554"/>
-            <a:ext cx="5556052" cy="817245"/>
-          </a:xfrm>
-          <a:prstGeom prst="roundRect">
-            <a:avLst/>
-          </a:prstGeom>
-          <a:solidFill>
-            <a:schemeClr val="accent5">
-              <a:lumMod val="25000"/>
-              <a:lumOff val="75000"/>
-            </a:schemeClr>
-          </a:solidFill>
-          <a:ln>
-            <a:solidFill>
-              <a:schemeClr val="bg1"/>
-            </a:solidFill>
-          </a:ln>
-        </p:spPr>
-        <p:txBody>
-          <a:bodyPr wrap="square">
-            <a:spAutoFit/>
-          </a:bodyPr>
-          <a:lstStyle/>
-          <a:p>
-            <a:pPr marL="285750" indent="-285750">
-              <a:buFont typeface="Wingdings" panose="05000000000000000000" pitchFamily="2" charset="2"/>
-              <a:buChar char="§"/>
-            </a:pPr>
             <a:r>
               <a:rPr lang="es-ES" sz="1400" dirty="0"/>
-              <a:t>Parece ser que a los clientes que se les llama al lunes, </a:t>
+              <a:t>En Marzo, Abril, Septiembre, Octubre y Diciembre la  </a:t>
             </a:r>
             <a:r>
               <a:rPr lang="es-ES" sz="1400" b="1" dirty="0"/>
-              <a:t>están mucho más predispuestos a contratar un depósito.</a:t>
+              <a:t>tasa de éxito </a:t>
             </a:r>
             <a:r>
               <a:rPr lang="es-ES" sz="1400" dirty="0"/>
-              <a:t> Sorprende el alto número de llamadas en festivos.</a:t>
-            </a:r>
-            <a:endParaRPr lang="es-ES" sz="1300" dirty="0"/>
-          </a:p>
-        </p:txBody>
-      </p:sp>
-      <p:pic>
-        <p:nvPicPr>
-          <p:cNvPr id="12" name="Imagen 11">
-            <a:extLst>
-              <a:ext uri="{FF2B5EF4-FFF2-40B4-BE49-F238E27FC236}">
-                <a16:creationId xmlns:a16="http://schemas.microsoft.com/office/drawing/2014/main" id="{7925A06B-52D4-A4CD-DEB7-D600880C81E5}"/>
-              </a:ext>
-            </a:extLst>
-          </p:cNvPr>
-          <p:cNvPicPr>
-            <a:picLocks noChangeAspect="1"/>
-          </p:cNvPicPr>
-          <p:nvPr/>
-        </p:nvPicPr>
-        <p:blipFill>
-          <a:blip r:embed="rId2"/>
-          <a:stretch>
-            <a:fillRect/>
-          </a:stretch>
-        </p:blipFill>
-        <p:spPr>
-          <a:xfrm>
-            <a:off x="6155054" y="1033079"/>
-            <a:ext cx="5593163" cy="3567496"/>
-          </a:xfrm>
-          <a:prstGeom prst="rect">
-            <a:avLst/>
-          </a:prstGeom>
-        </p:spPr>
-      </p:pic>
-      <p:pic>
-        <p:nvPicPr>
-          <p:cNvPr id="18" name="Imagen 17">
-            <a:extLst>
-              <a:ext uri="{FF2B5EF4-FFF2-40B4-BE49-F238E27FC236}">
-                <a16:creationId xmlns:a16="http://schemas.microsoft.com/office/drawing/2014/main" id="{AD104BFA-9DAF-CD75-3F94-CC0CB67F550F}"/>
-              </a:ext>
-            </a:extLst>
-          </p:cNvPr>
-          <p:cNvPicPr>
-            <a:picLocks noChangeAspect="1"/>
-          </p:cNvPicPr>
-          <p:nvPr/>
-        </p:nvPicPr>
-        <p:blipFill>
-          <a:blip r:embed="rId3"/>
-          <a:stretch>
-            <a:fillRect/>
-          </a:stretch>
-        </p:blipFill>
-        <p:spPr>
-          <a:xfrm>
-            <a:off x="437770" y="1033079"/>
-            <a:ext cx="5524881" cy="3581781"/>
-          </a:xfrm>
-          <a:prstGeom prst="rect">
-            <a:avLst/>
-          </a:prstGeom>
-        </p:spPr>
-      </p:pic>
+              <a:t>está muy </a:t>
+            </a:r>
+            <a:r>
+              <a:rPr lang="es-ES" sz="1400" b="1" dirty="0"/>
+              <a:t>por encima </a:t>
+            </a:r>
+            <a:r>
+              <a:rPr lang="es-ES" sz="1400" dirty="0"/>
+              <a:t>de la media y </a:t>
+            </a:r>
+            <a:r>
+              <a:rPr lang="es-ES" sz="1400" b="1" dirty="0"/>
+              <a:t>es cuando se llama menos </a:t>
+            </a:r>
+            <a:r>
+              <a:rPr lang="es-ES" sz="1400" dirty="0"/>
+              <a:t>(excepto Enero)</a:t>
+            </a:r>
+            <a:endParaRPr lang="es-ES" sz="1400" b="1" dirty="0"/>
+          </a:p>
+        </p:txBody>
+      </p:sp>
     </p:spTree>
     <p:extLst>
       <p:ext uri="{BB962C8B-B14F-4D97-AF65-F5344CB8AC3E}">
-        <p14:creationId xmlns:p14="http://schemas.microsoft.com/office/powerpoint/2010/main" val="3660466295"/>
+        <p14:creationId xmlns:p14="http://schemas.microsoft.com/office/powerpoint/2010/main" val="861357014"/>
       </p:ext>
     </p:extLst>
   </p:cSld>
@@ -14143,576 +10814,6 @@
 </file>
 
 <file path=ppt/slides/slide7.xml><?xml version="1.0" encoding="utf-8"?>
-<p:sld xmlns:a="http://schemas.openxmlformats.org/drawingml/2006/main" xmlns:r="http://schemas.openxmlformats.org/officeDocument/2006/relationships" xmlns:p="http://schemas.openxmlformats.org/presentationml/2006/main">
-  <p:cSld>
-    <p:spTree>
-      <p:nvGrpSpPr>
-        <p:cNvPr id="1" name="">
-          <a:extLst>
-            <a:ext uri="{FF2B5EF4-FFF2-40B4-BE49-F238E27FC236}">
-              <a16:creationId xmlns:a16="http://schemas.microsoft.com/office/drawing/2014/main" id="{2122DA3C-6319-0E9E-C653-C4A5E5E6A806}"/>
-            </a:ext>
-          </a:extLst>
-        </p:cNvPr>
-        <p:cNvGrpSpPr/>
-        <p:nvPr/>
-      </p:nvGrpSpPr>
-      <p:grpSpPr>
-        <a:xfrm>
-          <a:off x="0" y="0"/>
-          <a:ext cx="0" cy="0"/>
-          <a:chOff x="0" y="0"/>
-          <a:chExt cx="0" cy="0"/>
-        </a:xfrm>
-      </p:grpSpPr>
-      <p:sp>
-        <p:nvSpPr>
-          <p:cNvPr id="5" name="Rectángulo 4">
-            <a:extLst>
-              <a:ext uri="{FF2B5EF4-FFF2-40B4-BE49-F238E27FC236}">
-                <a16:creationId xmlns:a16="http://schemas.microsoft.com/office/drawing/2014/main" id="{882A1661-D4E8-303B-BA24-F14D615D13C4}"/>
-              </a:ext>
-            </a:extLst>
-          </p:cNvPr>
-          <p:cNvSpPr/>
-          <p:nvPr/>
-        </p:nvSpPr>
-        <p:spPr>
-          <a:xfrm>
-            <a:off x="0" y="6400800"/>
-            <a:ext cx="2557670" cy="457200"/>
-          </a:xfrm>
-          <a:prstGeom prst="rect">
-            <a:avLst/>
-          </a:prstGeom>
-          <a:solidFill>
-            <a:schemeClr val="bg1">
-              <a:lumMod val="95000"/>
-            </a:schemeClr>
-          </a:solidFill>
-          <a:ln>
-            <a:noFill/>
-          </a:ln>
-        </p:spPr>
-        <p:style>
-          <a:lnRef idx="2">
-            <a:schemeClr val="accent1">
-              <a:shade val="50000"/>
-            </a:schemeClr>
-          </a:lnRef>
-          <a:fillRef idx="1">
-            <a:schemeClr val="accent1"/>
-          </a:fillRef>
-          <a:effectRef idx="0">
-            <a:schemeClr val="accent1"/>
-          </a:effectRef>
-          <a:fontRef idx="minor">
-            <a:schemeClr val="lt1"/>
-          </a:fontRef>
-        </p:style>
-        <p:txBody>
-          <a:bodyPr rtlCol="0" anchor="ctr"/>
-          <a:lstStyle/>
-          <a:p>
-            <a:pPr algn="ctr"/>
-            <a:endParaRPr lang="es-ES"/>
-          </a:p>
-        </p:txBody>
-      </p:sp>
-      <p:sp>
-        <p:nvSpPr>
-          <p:cNvPr id="9" name="QuadreDeText 3">
-            <a:extLst>
-              <a:ext uri="{FF2B5EF4-FFF2-40B4-BE49-F238E27FC236}">
-                <a16:creationId xmlns:a16="http://schemas.microsoft.com/office/drawing/2014/main" id="{E3C7FFE1-A797-62BF-BC16-BAA12271AC8E}"/>
-              </a:ext>
-            </a:extLst>
-          </p:cNvPr>
-          <p:cNvSpPr txBox="1"/>
-          <p:nvPr/>
-        </p:nvSpPr>
-        <p:spPr>
-          <a:xfrm>
-            <a:off x="480894" y="338435"/>
-            <a:ext cx="11230211" cy="461665"/>
-          </a:xfrm>
-          <a:prstGeom prst="rect">
-            <a:avLst/>
-          </a:prstGeom>
-          <a:noFill/>
-        </p:spPr>
-        <p:txBody>
-          <a:bodyPr wrap="square">
-            <a:spAutoFit/>
-          </a:bodyPr>
-          <a:lstStyle/>
-          <a:p>
-            <a:r>
-              <a:rPr lang="es-ES" sz="2400" b="1" dirty="0">
-                <a:solidFill>
-                  <a:schemeClr val="accent3">
-                    <a:lumMod val="50000"/>
-                  </a:schemeClr>
-                </a:solidFill>
-                <a:latin typeface="+mj-lt"/>
-              </a:rPr>
-              <a:t>TASA CONVERSIÓN Y NÚMERO DE LLAMADAS POR DÍA [2 a 17 min] </a:t>
-            </a:r>
-            <a:endParaRPr lang="es-ES" sz="2400" b="1" dirty="0">
-              <a:solidFill>
-                <a:schemeClr val="accent3">
-                  <a:lumMod val="50000"/>
-                </a:schemeClr>
-              </a:solidFill>
-              <a:effectLst/>
-              <a:latin typeface="+mj-lt"/>
-            </a:endParaRPr>
-          </a:p>
-        </p:txBody>
-      </p:sp>
-      <p:sp>
-        <p:nvSpPr>
-          <p:cNvPr id="4" name="QuadreDeText 16">
-            <a:extLst>
-              <a:ext uri="{FF2B5EF4-FFF2-40B4-BE49-F238E27FC236}">
-                <a16:creationId xmlns:a16="http://schemas.microsoft.com/office/drawing/2014/main" id="{E3A16A9E-7472-CE39-9815-5063A5744B85}"/>
-              </a:ext>
-            </a:extLst>
-          </p:cNvPr>
-          <p:cNvSpPr txBox="1"/>
-          <p:nvPr/>
-        </p:nvSpPr>
-        <p:spPr>
-          <a:xfrm>
-            <a:off x="8848446" y="1680779"/>
-            <a:ext cx="3162580" cy="1276945"/>
-          </a:xfrm>
-          <a:prstGeom prst="roundRect">
-            <a:avLst/>
-          </a:prstGeom>
-          <a:solidFill>
-            <a:schemeClr val="accent5">
-              <a:lumMod val="25000"/>
-              <a:lumOff val="75000"/>
-            </a:schemeClr>
-          </a:solidFill>
-          <a:ln>
-            <a:solidFill>
-              <a:schemeClr val="bg1"/>
-            </a:solidFill>
-          </a:ln>
-        </p:spPr>
-        <p:txBody>
-          <a:bodyPr wrap="square">
-            <a:spAutoFit/>
-          </a:bodyPr>
-          <a:lstStyle/>
-          <a:p>
-            <a:pPr marL="285750" indent="-285750">
-              <a:buFont typeface="Wingdings" panose="05000000000000000000" pitchFamily="2" charset="2"/>
-              <a:buChar char="§"/>
-            </a:pPr>
-            <a:r>
-              <a:rPr lang="es-ES" sz="1400" dirty="0"/>
-              <a:t>La edad solo se nota que haga aumentar las tasas de conversión </a:t>
-            </a:r>
-            <a:r>
-              <a:rPr lang="es-ES" sz="1400" b="1" dirty="0"/>
-              <a:t>por encima del rango alto, superior a 45 años</a:t>
-            </a:r>
-            <a:r>
-              <a:rPr lang="es-ES" sz="1400" dirty="0"/>
-              <a:t>. </a:t>
-            </a:r>
-          </a:p>
-          <a:p>
-            <a:endParaRPr lang="es-ES" sz="1300" dirty="0"/>
-          </a:p>
-        </p:txBody>
-      </p:sp>
-      <p:sp>
-        <p:nvSpPr>
-          <p:cNvPr id="7" name="QuadreDeText 16">
-            <a:extLst>
-              <a:ext uri="{FF2B5EF4-FFF2-40B4-BE49-F238E27FC236}">
-                <a16:creationId xmlns:a16="http://schemas.microsoft.com/office/drawing/2014/main" id="{EC8BC701-2627-24B1-2A93-70D667709CDD}"/>
-              </a:ext>
-            </a:extLst>
-          </p:cNvPr>
-          <p:cNvSpPr txBox="1"/>
-          <p:nvPr/>
-        </p:nvSpPr>
-        <p:spPr>
-          <a:xfrm>
-            <a:off x="8848446" y="3997789"/>
-            <a:ext cx="3162580" cy="1515308"/>
-          </a:xfrm>
-          <a:prstGeom prst="roundRect">
-            <a:avLst/>
-          </a:prstGeom>
-          <a:solidFill>
-            <a:schemeClr val="accent5">
-              <a:lumMod val="25000"/>
-              <a:lumOff val="75000"/>
-            </a:schemeClr>
-          </a:solidFill>
-          <a:ln>
-            <a:solidFill>
-              <a:schemeClr val="bg1"/>
-            </a:solidFill>
-          </a:ln>
-        </p:spPr>
-        <p:txBody>
-          <a:bodyPr wrap="square">
-            <a:spAutoFit/>
-          </a:bodyPr>
-          <a:lstStyle/>
-          <a:p>
-            <a:pPr marL="285750" indent="-285750">
-              <a:buFont typeface="Wingdings" panose="05000000000000000000" pitchFamily="2" charset="2"/>
-              <a:buChar char="§"/>
-            </a:pPr>
-            <a:r>
-              <a:rPr lang="es-ES" sz="1400" dirty="0"/>
-              <a:t>También </a:t>
-            </a:r>
-            <a:r>
-              <a:rPr lang="es-ES" sz="1400" b="1" dirty="0"/>
-              <a:t>el aumento de los rangos de balance, hace aumentar la tasa de conversión</a:t>
-            </a:r>
-            <a:r>
-              <a:rPr lang="es-ES" sz="1400" dirty="0"/>
-              <a:t>, exceptuando el lunes, aunque no es un día con muchos registros.</a:t>
-            </a:r>
-          </a:p>
-          <a:p>
-            <a:pPr marL="285750" indent="-285750">
-              <a:buFont typeface="Wingdings" panose="05000000000000000000" pitchFamily="2" charset="2"/>
-              <a:buChar char="§"/>
-            </a:pPr>
-            <a:endParaRPr lang="es-ES" sz="1300" dirty="0"/>
-          </a:p>
-        </p:txBody>
-      </p:sp>
-      <p:pic>
-        <p:nvPicPr>
-          <p:cNvPr id="10" name="Imagen 9">
-            <a:extLst>
-              <a:ext uri="{FF2B5EF4-FFF2-40B4-BE49-F238E27FC236}">
-                <a16:creationId xmlns:a16="http://schemas.microsoft.com/office/drawing/2014/main" id="{FEF002FC-EDD8-5E0A-BCBF-0140E9D5A72F}"/>
-              </a:ext>
-            </a:extLst>
-          </p:cNvPr>
-          <p:cNvPicPr>
-            <a:picLocks noChangeAspect="1"/>
-          </p:cNvPicPr>
-          <p:nvPr/>
-        </p:nvPicPr>
-        <p:blipFill>
-          <a:blip r:embed="rId2"/>
-          <a:srcRect t="-1" r="122" b="33472"/>
-          <a:stretch/>
-        </p:blipFill>
-        <p:spPr>
-          <a:xfrm>
-            <a:off x="611092" y="843174"/>
-            <a:ext cx="8075717" cy="5648448"/>
-          </a:xfrm>
-          <a:prstGeom prst="rect">
-            <a:avLst/>
-          </a:prstGeom>
-        </p:spPr>
-      </p:pic>
-    </p:spTree>
-    <p:extLst>
-      <p:ext uri="{BB962C8B-B14F-4D97-AF65-F5344CB8AC3E}">
-        <p14:creationId xmlns:p14="http://schemas.microsoft.com/office/powerpoint/2010/main" val="1852357334"/>
-      </p:ext>
-    </p:extLst>
-  </p:cSld>
-  <p:clrMapOvr>
-    <a:masterClrMapping/>
-  </p:clrMapOvr>
-</p:sld>
-</file>
-
-<file path=ppt/slides/slide8.xml><?xml version="1.0" encoding="utf-8"?>
-<p:sld xmlns:a="http://schemas.openxmlformats.org/drawingml/2006/main" xmlns:r="http://schemas.openxmlformats.org/officeDocument/2006/relationships" xmlns:p="http://schemas.openxmlformats.org/presentationml/2006/main">
-  <p:cSld>
-    <p:spTree>
-      <p:nvGrpSpPr>
-        <p:cNvPr id="1" name="">
-          <a:extLst>
-            <a:ext uri="{FF2B5EF4-FFF2-40B4-BE49-F238E27FC236}">
-              <a16:creationId xmlns:a16="http://schemas.microsoft.com/office/drawing/2014/main" id="{2122DA3C-6319-0E9E-C653-C4A5E5E6A806}"/>
-            </a:ext>
-          </a:extLst>
-        </p:cNvPr>
-        <p:cNvGrpSpPr/>
-        <p:nvPr/>
-      </p:nvGrpSpPr>
-      <p:grpSpPr>
-        <a:xfrm>
-          <a:off x="0" y="0"/>
-          <a:ext cx="0" cy="0"/>
-          <a:chOff x="0" y="0"/>
-          <a:chExt cx="0" cy="0"/>
-        </a:xfrm>
-      </p:grpSpPr>
-      <p:sp>
-        <p:nvSpPr>
-          <p:cNvPr id="5" name="Rectángulo 4">
-            <a:extLst>
-              <a:ext uri="{FF2B5EF4-FFF2-40B4-BE49-F238E27FC236}">
-                <a16:creationId xmlns:a16="http://schemas.microsoft.com/office/drawing/2014/main" id="{882A1661-D4E8-303B-BA24-F14D615D13C4}"/>
-              </a:ext>
-            </a:extLst>
-          </p:cNvPr>
-          <p:cNvSpPr/>
-          <p:nvPr/>
-        </p:nvSpPr>
-        <p:spPr>
-          <a:xfrm>
-            <a:off x="0" y="6400800"/>
-            <a:ext cx="2557670" cy="457200"/>
-          </a:xfrm>
-          <a:prstGeom prst="rect">
-            <a:avLst/>
-          </a:prstGeom>
-          <a:solidFill>
-            <a:schemeClr val="bg1">
-              <a:lumMod val="95000"/>
-            </a:schemeClr>
-          </a:solidFill>
-          <a:ln>
-            <a:noFill/>
-          </a:ln>
-        </p:spPr>
-        <p:style>
-          <a:lnRef idx="2">
-            <a:schemeClr val="accent1">
-              <a:shade val="50000"/>
-            </a:schemeClr>
-          </a:lnRef>
-          <a:fillRef idx="1">
-            <a:schemeClr val="accent1"/>
-          </a:fillRef>
-          <a:effectRef idx="0">
-            <a:schemeClr val="accent1"/>
-          </a:effectRef>
-          <a:fontRef idx="minor">
-            <a:schemeClr val="lt1"/>
-          </a:fontRef>
-        </p:style>
-        <p:txBody>
-          <a:bodyPr rtlCol="0" anchor="ctr"/>
-          <a:lstStyle/>
-          <a:p>
-            <a:pPr algn="ctr"/>
-            <a:endParaRPr lang="es-ES"/>
-          </a:p>
-        </p:txBody>
-      </p:sp>
-      <p:sp>
-        <p:nvSpPr>
-          <p:cNvPr id="9" name="QuadreDeText 3">
-            <a:extLst>
-              <a:ext uri="{FF2B5EF4-FFF2-40B4-BE49-F238E27FC236}">
-                <a16:creationId xmlns:a16="http://schemas.microsoft.com/office/drawing/2014/main" id="{E3C7FFE1-A797-62BF-BC16-BAA12271AC8E}"/>
-              </a:ext>
-            </a:extLst>
-          </p:cNvPr>
-          <p:cNvSpPr txBox="1"/>
-          <p:nvPr/>
-        </p:nvSpPr>
-        <p:spPr>
-          <a:xfrm>
-            <a:off x="480894" y="338435"/>
-            <a:ext cx="11230211" cy="461665"/>
-          </a:xfrm>
-          <a:prstGeom prst="rect">
-            <a:avLst/>
-          </a:prstGeom>
-          <a:noFill/>
-        </p:spPr>
-        <p:txBody>
-          <a:bodyPr wrap="square">
-            <a:spAutoFit/>
-          </a:bodyPr>
-          <a:lstStyle/>
-          <a:p>
-            <a:r>
-              <a:rPr lang="es-ES" sz="2400" b="1" dirty="0">
-                <a:solidFill>
-                  <a:schemeClr val="accent3">
-                    <a:lumMod val="50000"/>
-                  </a:schemeClr>
-                </a:solidFill>
-                <a:latin typeface="+mj-lt"/>
-              </a:rPr>
-              <a:t>TASA CONVERSIÓN Y NÚMERO DE LLAMADAS POR DÍA [2 a 17 min] </a:t>
-            </a:r>
-            <a:endParaRPr lang="es-ES" sz="2400" b="1" dirty="0">
-              <a:solidFill>
-                <a:schemeClr val="accent3">
-                  <a:lumMod val="50000"/>
-                </a:schemeClr>
-              </a:solidFill>
-              <a:effectLst/>
-              <a:latin typeface="+mj-lt"/>
-            </a:endParaRPr>
-          </a:p>
-        </p:txBody>
-      </p:sp>
-      <p:sp>
-        <p:nvSpPr>
-          <p:cNvPr id="7" name="QuadreDeText 16">
-            <a:extLst>
-              <a:ext uri="{FF2B5EF4-FFF2-40B4-BE49-F238E27FC236}">
-                <a16:creationId xmlns:a16="http://schemas.microsoft.com/office/drawing/2014/main" id="{EC8BC701-2627-24B1-2A93-70D667709CDD}"/>
-              </a:ext>
-            </a:extLst>
-          </p:cNvPr>
-          <p:cNvSpPr txBox="1"/>
-          <p:nvPr/>
-        </p:nvSpPr>
-        <p:spPr>
-          <a:xfrm>
-            <a:off x="4968901" y="4528815"/>
-            <a:ext cx="6742203" cy="1055608"/>
-          </a:xfrm>
-          <a:prstGeom prst="roundRect">
-            <a:avLst/>
-          </a:prstGeom>
-          <a:solidFill>
-            <a:schemeClr val="accent5">
-              <a:lumMod val="25000"/>
-              <a:lumOff val="75000"/>
-            </a:schemeClr>
-          </a:solidFill>
-          <a:ln>
-            <a:solidFill>
-              <a:schemeClr val="bg1"/>
-            </a:solidFill>
-          </a:ln>
-        </p:spPr>
-        <p:txBody>
-          <a:bodyPr wrap="square">
-            <a:spAutoFit/>
-          </a:bodyPr>
-          <a:lstStyle/>
-          <a:p>
-            <a:pPr marL="285750" indent="-285750">
-              <a:buFont typeface="Wingdings" panose="05000000000000000000" pitchFamily="2" charset="2"/>
-              <a:buChar char="§"/>
-            </a:pPr>
-            <a:r>
-              <a:rPr lang="es-ES" sz="1400" b="1" dirty="0"/>
-              <a:t>Se debería priorizar llamar en invierno y primavera</a:t>
-            </a:r>
-            <a:r>
-              <a:rPr lang="es-ES" sz="1400" dirty="0"/>
-              <a:t>, pues son las estaciones con más tasa de conversión.</a:t>
-            </a:r>
-          </a:p>
-          <a:p>
-            <a:endParaRPr lang="es-ES" sz="1400" dirty="0"/>
-          </a:p>
-          <a:p>
-            <a:pPr marL="285750" indent="-285750">
-              <a:buFont typeface="Wingdings" panose="05000000000000000000" pitchFamily="2" charset="2"/>
-              <a:buChar char="§"/>
-            </a:pPr>
-            <a:r>
-              <a:rPr lang="es-ES" sz="1400" dirty="0"/>
-              <a:t>Sorprende que además en estas estaciones, </a:t>
-            </a:r>
-            <a:r>
-              <a:rPr lang="es-ES" sz="1400" b="1" dirty="0"/>
-              <a:t>el domingo nunca se llame a los clientes</a:t>
-            </a:r>
-            <a:r>
-              <a:rPr lang="es-ES" sz="1400" dirty="0"/>
-              <a:t>.</a:t>
-            </a:r>
-            <a:endParaRPr lang="es-ES" sz="1300" dirty="0"/>
-          </a:p>
-        </p:txBody>
-      </p:sp>
-      <p:pic>
-        <p:nvPicPr>
-          <p:cNvPr id="10" name="Imagen 9">
-            <a:extLst>
-              <a:ext uri="{FF2B5EF4-FFF2-40B4-BE49-F238E27FC236}">
-                <a16:creationId xmlns:a16="http://schemas.microsoft.com/office/drawing/2014/main" id="{C9172344-E746-BFCF-E2C0-283EAC6CDEA3}"/>
-              </a:ext>
-            </a:extLst>
-          </p:cNvPr>
-          <p:cNvPicPr>
-            <a:picLocks noChangeAspect="1"/>
-          </p:cNvPicPr>
-          <p:nvPr/>
-        </p:nvPicPr>
-        <p:blipFill>
-          <a:blip r:embed="rId2"/>
-          <a:stretch>
-            <a:fillRect/>
-          </a:stretch>
-        </p:blipFill>
-        <p:spPr>
-          <a:xfrm>
-            <a:off x="414217" y="4526770"/>
-            <a:ext cx="3879545" cy="1556329"/>
-          </a:xfrm>
-          <a:prstGeom prst="rect">
-            <a:avLst/>
-          </a:prstGeom>
-        </p:spPr>
-      </p:pic>
-      <p:pic>
-        <p:nvPicPr>
-          <p:cNvPr id="12" name="Imagen 11">
-            <a:extLst>
-              <a:ext uri="{FF2B5EF4-FFF2-40B4-BE49-F238E27FC236}">
-                <a16:creationId xmlns:a16="http://schemas.microsoft.com/office/drawing/2014/main" id="{5C8ACBC2-6907-837C-405D-9A096D53DFD6}"/>
-              </a:ext>
-            </a:extLst>
-          </p:cNvPr>
-          <p:cNvPicPr>
-            <a:picLocks noChangeAspect="1"/>
-          </p:cNvPicPr>
-          <p:nvPr/>
-        </p:nvPicPr>
-        <p:blipFill>
-          <a:blip r:embed="rId3"/>
-          <a:stretch>
-            <a:fillRect/>
-          </a:stretch>
-        </p:blipFill>
-        <p:spPr>
-          <a:xfrm>
-            <a:off x="480894" y="1174951"/>
-            <a:ext cx="11136630" cy="2911031"/>
-          </a:xfrm>
-          <a:prstGeom prst="rect">
-            <a:avLst/>
-          </a:prstGeom>
-        </p:spPr>
-      </p:pic>
-    </p:spTree>
-    <p:extLst>
-      <p:ext uri="{BB962C8B-B14F-4D97-AF65-F5344CB8AC3E}">
-        <p14:creationId xmlns:p14="http://schemas.microsoft.com/office/powerpoint/2010/main" val="1850503899"/>
-      </p:ext>
-    </p:extLst>
-  </p:cSld>
-  <p:clrMapOvr>
-    <a:masterClrMapping/>
-  </p:clrMapOvr>
-</p:sld>
-</file>
-
-<file path=ppt/slides/slide9.xml><?xml version="1.0" encoding="utf-8"?>
 <p:sld xmlns:a="http://schemas.openxmlformats.org/drawingml/2006/main" xmlns:r="http://schemas.openxmlformats.org/officeDocument/2006/relationships" xmlns:p="http://schemas.openxmlformats.org/presentationml/2006/main">
   <p:cSld>
     <p:spTree>
@@ -14803,8 +10904,8 @@
         </p:nvSpPr>
         <p:spPr>
           <a:xfrm>
-            <a:off x="455833" y="1625256"/>
-            <a:ext cx="5344932" cy="4803820"/>
+            <a:off x="342589" y="1239841"/>
+            <a:ext cx="5344932" cy="4843095"/>
           </a:xfrm>
           <a:prstGeom prst="roundRect">
             <a:avLst>
@@ -14857,8 +10958,8 @@
         </p:nvSpPr>
         <p:spPr>
           <a:xfrm>
-            <a:off x="505958" y="250347"/>
-            <a:ext cx="11230211" cy="707886"/>
+            <a:off x="538960" y="254957"/>
+            <a:ext cx="11230211" cy="984885"/>
           </a:xfrm>
           <a:prstGeom prst="rect">
             <a:avLst/>
@@ -14881,28 +10982,22 @@
                 <a:effectLst/>
                 <a:latin typeface="+mj-lt"/>
               </a:rPr>
-              <a:t>PROPUESTAS </a:t>
-            </a:r>
-            <a:r>
-              <a:rPr lang="es-ES" sz="2400" b="1" dirty="0">
+              <a:t>CONCLUSION Y PROPUESTAS</a:t>
+            </a:r>
+          </a:p>
+          <a:p>
+            <a:r>
+              <a:rPr lang="es-ES" dirty="0">
                 <a:solidFill>
                   <a:schemeClr val="accent3">
                     <a:lumMod val="50000"/>
                   </a:schemeClr>
                 </a:solidFill>
+                <a:effectLst/>
                 <a:latin typeface="+mj-lt"/>
               </a:rPr>
-              <a:t>DE PRIORIZACIÓN DE DÍAS DE LA SEMANA </a:t>
-            </a:r>
-            <a:endParaRPr lang="es-ES" sz="2400" b="1" dirty="0">
-              <a:solidFill>
-                <a:schemeClr val="accent3">
-                  <a:lumMod val="50000"/>
-                </a:schemeClr>
-              </a:solidFill>
-              <a:effectLst/>
-              <a:latin typeface="+mj-lt"/>
-            </a:endParaRPr>
+              <a:t>Meses del año y eficacia de las llamadas</a:t>
+            </a:r>
           </a:p>
           <a:p>
             <a:endParaRPr lang="es-ES" sz="1600" b="1" dirty="0"/>
@@ -14923,8 +11018,8 @@
         </p:nvSpPr>
         <p:spPr>
           <a:xfrm>
-            <a:off x="825135" y="2523781"/>
-            <a:ext cx="4365989" cy="2230398"/>
+            <a:off x="832060" y="3299196"/>
+            <a:ext cx="4365989" cy="1855827"/>
           </a:xfrm>
           <a:prstGeom prst="roundRect">
             <a:avLst/>
@@ -14951,20 +11046,28 @@
               <a:buChar char="•"/>
             </a:pPr>
             <a:r>
-              <a:rPr lang="es-ES" sz="1200" b="1" dirty="0"/>
-              <a:t>Sin realizar ninguna segmentación (excepto rango duración)</a:t>
-            </a:r>
-            <a:r>
-              <a:rPr lang="es-ES" sz="1200" dirty="0"/>
-              <a:t>, la tasa de conversión empieza muy alta y </a:t>
-            </a:r>
-            <a:r>
-              <a:rPr lang="es-ES" sz="1200" b="1" dirty="0"/>
-              <a:t>decrece a lo largo de la semana</a:t>
-            </a:r>
-            <a:r>
-              <a:rPr lang="es-ES" sz="1200" dirty="0"/>
-              <a:t>.</a:t>
+              <a:rPr lang="es-ES" sz="1400" b="1" dirty="0"/>
+              <a:t>En</a:t>
+            </a:r>
+            <a:r>
+              <a:rPr lang="es-ES" sz="1400" dirty="0"/>
+              <a:t> Mayo, Junio, Julio y Agosto, que son </a:t>
+            </a:r>
+            <a:r>
+              <a:rPr lang="es-ES" sz="1400" b="1" dirty="0"/>
+              <a:t>los meses que más se llama</a:t>
+            </a:r>
+            <a:r>
+              <a:rPr lang="es-ES" sz="1400" dirty="0"/>
+              <a:t>, es en los que </a:t>
+            </a:r>
+            <a:r>
+              <a:rPr lang="es-ES" sz="1400" b="1" dirty="0"/>
+              <a:t>menos tasa de éxito </a:t>
+            </a:r>
+            <a:r>
+              <a:rPr lang="es-ES" sz="1400" dirty="0"/>
+              <a:t>tienen las llamadas.</a:t>
             </a:r>
           </a:p>
           <a:p>
@@ -14975,30 +11078,7 @@
               <a:buFont typeface="Arial" panose="020B0604020202020204" pitchFamily="34" charset="0"/>
               <a:buChar char="•"/>
             </a:pPr>
-            <a:r>
-              <a:rPr lang="es-ES" sz="1200" b="1" dirty="0"/>
-              <a:t>Segmentando por tres rangos de edad y tres rangos balance</a:t>
-            </a:r>
-            <a:r>
-              <a:rPr lang="es-ES" sz="1200" dirty="0"/>
-              <a:t>, para </a:t>
-            </a:r>
-            <a:r>
-              <a:rPr lang="es-ES" sz="1200" b="1" dirty="0"/>
-              <a:t>edades inferiores a 34 años</a:t>
-            </a:r>
-            <a:r>
-              <a:rPr lang="es-ES" sz="1200" dirty="0"/>
-              <a:t>, las tasas de conversión siguen el patrón anterior, pero </a:t>
-            </a:r>
-            <a:r>
-              <a:rPr lang="es-ES" sz="1200" b="1" dirty="0"/>
-              <a:t>el jueves hacen un pequeño repunte</a:t>
-            </a:r>
-            <a:r>
-              <a:rPr lang="es-ES" sz="1200" dirty="0"/>
-              <a:t>. </a:t>
-            </a:r>
+            <a:endParaRPr lang="es-ES" sz="1400" dirty="0"/>
           </a:p>
           <a:p>
             <a:pPr marL="171450" indent="-171450" algn="just">
@@ -15009,18 +11089,21 @@
               <a:buChar char="•"/>
             </a:pPr>
             <a:r>
-              <a:rPr lang="es-ES" sz="1200" b="1" dirty="0"/>
-              <a:t>Segmentando por estaciones del año, </a:t>
-            </a:r>
-            <a:r>
-              <a:rPr lang="es-ES" sz="1200" dirty="0"/>
-              <a:t>las curvas difieren del comportamiento promedio, aunque se mantiene el lunes como el día de más tasa de conversión, </a:t>
-            </a:r>
-            <a:r>
-              <a:rPr lang="es-ES" sz="1200" b="1" dirty="0"/>
-              <a:t>por encima del 0,78. </a:t>
-            </a:r>
-            <a:endParaRPr lang="es-ES" sz="1200" dirty="0"/>
+              <a:rPr lang="es-ES" sz="1400" b="1" dirty="0"/>
+              <a:t>En los </a:t>
+            </a:r>
+            <a:r>
+              <a:rPr lang="es-ES" sz="1400" dirty="0"/>
+              <a:t>meses </a:t>
+            </a:r>
+            <a:r>
+              <a:rPr lang="es-ES" sz="1400" b="1" dirty="0"/>
+              <a:t>que se llama menos </a:t>
+            </a:r>
+            <a:r>
+              <a:rPr lang="es-ES" sz="1400" dirty="0"/>
+              <a:t>hay una mejor tasa de éxito de llamadas especialmente en Marzo, Abril, Septiembre, Octubre y Diciembre.</a:t>
+            </a:r>
           </a:p>
         </p:txBody>
       </p:sp>
@@ -15038,8 +11121,8 @@
         </p:nvSpPr>
         <p:spPr>
           <a:xfrm>
-            <a:off x="6371770" y="1625256"/>
-            <a:ext cx="5344932" cy="4803820"/>
+            <a:off x="5962801" y="1239842"/>
+            <a:ext cx="4952849" cy="4953140"/>
           </a:xfrm>
           <a:prstGeom prst="roundRect">
             <a:avLst>
@@ -15080,55 +11163,6 @@
       </p:sp>
       <p:sp>
         <p:nvSpPr>
-          <p:cNvPr id="2" name="CuadroTexto 1">
-            <a:extLst>
-              <a:ext uri="{FF2B5EF4-FFF2-40B4-BE49-F238E27FC236}">
-                <a16:creationId xmlns:a16="http://schemas.microsoft.com/office/drawing/2014/main" id="{FB4A5B90-D21B-B193-A37A-573840257D21}"/>
-              </a:ext>
-            </a:extLst>
-          </p:cNvPr>
-          <p:cNvSpPr txBox="1"/>
-          <p:nvPr/>
-        </p:nvSpPr>
-        <p:spPr>
-          <a:xfrm>
-            <a:off x="551431" y="776446"/>
-            <a:ext cx="11184738" cy="584775"/>
-          </a:xfrm>
-          <a:prstGeom prst="rect">
-            <a:avLst/>
-          </a:prstGeom>
-          <a:noFill/>
-        </p:spPr>
-        <p:txBody>
-          <a:bodyPr wrap="square" rtlCol="0">
-            <a:spAutoFit/>
-          </a:bodyPr>
-          <a:lstStyle/>
-          <a:p>
-            <a:r>
-              <a:rPr lang="es-ES" sz="1600" b="1" dirty="0"/>
-              <a:t>Enfoque 1</a:t>
-            </a:r>
-            <a:r>
-              <a:rPr lang="es-ES" sz="1600" dirty="0"/>
-              <a:t>: Nos enfocaríamos a los rangos con más tasas de conversión, </a:t>
-            </a:r>
-            <a:r>
-              <a:rPr lang="es-ES" sz="1600" b="1" dirty="0"/>
-              <a:t>entre duraciones 2 a 17 min, </a:t>
-            </a:r>
-          </a:p>
-          <a:p>
-            <a:r>
-              <a:rPr lang="es-ES" sz="1600" dirty="0"/>
-              <a:t>y a los clientes que les han llamado en 2010.</a:t>
-            </a:r>
-          </a:p>
-        </p:txBody>
-      </p:sp>
-      <p:sp>
-        <p:nvSpPr>
           <p:cNvPr id="9" name="Rectángulo: esquinas redondeadas 8">
             <a:extLst>
               <a:ext uri="{FF2B5EF4-FFF2-40B4-BE49-F238E27FC236}">
@@ -15141,8 +11175,8 @@
         </p:nvSpPr>
         <p:spPr>
           <a:xfrm>
-            <a:off x="825135" y="1887320"/>
-            <a:ext cx="4127865" cy="449964"/>
+            <a:off x="951123" y="1588975"/>
+            <a:ext cx="4127865" cy="964435"/>
           </a:xfrm>
           <a:prstGeom prst="roundRect">
             <a:avLst>
@@ -15179,30 +11213,30 @@
           <a:lstStyle/>
           <a:p>
             <a:pPr algn="ctr"/>
-            <a:r>
-              <a:rPr lang="es-ES" sz="1400" dirty="0">
+            <a:endParaRPr lang="es-ES" sz="1600" dirty="0">
+              <a:solidFill>
+                <a:schemeClr val="tx1"/>
+              </a:solidFill>
+            </a:endParaRPr>
+          </a:p>
+          <a:p>
+            <a:pPr algn="ctr"/>
+            <a:r>
+              <a:rPr lang="es-ES" sz="1600" dirty="0">
                 <a:solidFill>
                   <a:schemeClr val="tx1"/>
                 </a:solidFill>
               </a:rPr>
-              <a:t>¿Cómo influyen los días de la semana en la efectividad de nuestras campañas de </a:t>
-            </a:r>
-            <a:r>
-              <a:rPr lang="es-ES" sz="1400" dirty="0" err="1">
-                <a:solidFill>
-                  <a:schemeClr val="tx1"/>
-                </a:solidFill>
-              </a:rPr>
-              <a:t>marqueting</a:t>
-            </a:r>
-            <a:r>
-              <a:rPr lang="es-ES" sz="1400" dirty="0">
-                <a:solidFill>
-                  <a:schemeClr val="tx1"/>
-                </a:solidFill>
-              </a:rPr>
-              <a:t>?</a:t>
-            </a:r>
+              <a:t>¿Qué impacto tiene el mes del año en la eficacia de nuestras campañas de marketing?</a:t>
+            </a:r>
+          </a:p>
+          <a:p>
+            <a:pPr algn="ctr"/>
+            <a:endParaRPr lang="es-ES" sz="1400" dirty="0">
+              <a:solidFill>
+                <a:schemeClr val="tx1"/>
+              </a:solidFill>
+            </a:endParaRPr>
           </a:p>
         </p:txBody>
       </p:sp>
@@ -15220,8 +11254,8 @@
         </p:nvSpPr>
         <p:spPr>
           <a:xfrm>
-            <a:off x="6863984" y="1908876"/>
-            <a:ext cx="4051666" cy="454599"/>
+            <a:off x="6413392" y="1573992"/>
+            <a:ext cx="4051666" cy="979418"/>
           </a:xfrm>
           <a:prstGeom prst="roundRect">
             <a:avLst>
@@ -15259,12 +11293,12 @@
           <a:p>
             <a:pPr algn="ctr"/>
             <a:r>
-              <a:rPr lang="es-ES" sz="1400" dirty="0">
+              <a:rPr lang="es-ES" sz="1600" dirty="0">
                 <a:solidFill>
                   <a:schemeClr val="tx1"/>
                 </a:solidFill>
               </a:rPr>
-              <a:t>¿Qué días deberían priorizarse para maximizar nuestras estrategias de contacto?</a:t>
+              <a:t>¿Cómo podemos adaptar nuestras estrategias de marketing para aprovechar los períodos más efectivos del año?</a:t>
             </a:r>
           </a:p>
         </p:txBody>
@@ -15283,8 +11317,8 @@
         </p:nvSpPr>
         <p:spPr>
           <a:xfrm>
-            <a:off x="6861242" y="2561460"/>
-            <a:ext cx="4051666" cy="3337084"/>
+            <a:off x="6413392" y="2712801"/>
+            <a:ext cx="4051666" cy="3328571"/>
           </a:xfrm>
           <a:prstGeom prst="roundRect">
             <a:avLst/>
@@ -15311,20 +11345,16 @@
               <a:buChar char="•"/>
             </a:pPr>
             <a:r>
-              <a:rPr lang="es-ES" sz="1200" b="1" dirty="0"/>
-              <a:t>Primavera e invierno deberían centrar el peso de las campañas, </a:t>
-            </a:r>
-            <a:r>
-              <a:rPr lang="es-ES" sz="1200" dirty="0"/>
-              <a:t>al tener tasas de conversión más favorables que otras estaciones, </a:t>
-            </a:r>
-            <a:r>
-              <a:rPr lang="es-ES" sz="1200" b="1" dirty="0"/>
-              <a:t>con un 25%  de incremento en tasa de conversión</a:t>
-            </a:r>
-            <a:r>
-              <a:rPr lang="es-ES" sz="1200" dirty="0"/>
-              <a:t> (0,65) frente al verano (0,49).</a:t>
+              <a:rPr lang="es-ES" sz="1400" dirty="0"/>
+              <a:t>Hay que </a:t>
+            </a:r>
+            <a:r>
+              <a:rPr lang="es-ES" sz="1400" b="1" dirty="0"/>
+              <a:t>llamar menos de Mayo a Agosto</a:t>
+            </a:r>
+            <a:r>
+              <a:rPr lang="es-ES" sz="1400" dirty="0"/>
+              <a:t>.</a:t>
             </a:r>
           </a:p>
           <a:p>
@@ -15336,12 +11366,24 @@
               <a:buChar char="•"/>
             </a:pPr>
             <a:r>
-              <a:rPr lang="es-ES" sz="1200" b="1" dirty="0"/>
-              <a:t>Los días más favorables para llamar en invierno, serían lunes y miércoles</a:t>
-            </a:r>
-            <a:r>
-              <a:rPr lang="es-ES" sz="1200" dirty="0"/>
-              <a:t>, y no llamaríamos en domingo, respetando el día de descanso de los clientes. </a:t>
+              <a:rPr lang="es-ES" sz="1400" dirty="0"/>
+              <a:t>Hay que </a:t>
+            </a:r>
+            <a:r>
+              <a:rPr lang="es-ES" sz="1400" b="1" dirty="0"/>
+              <a:t>llamar más de Septiembre </a:t>
+            </a:r>
+            <a:r>
+              <a:rPr lang="es-ES" sz="1400" dirty="0"/>
+              <a:t>a</a:t>
+            </a:r>
+            <a:r>
+              <a:rPr lang="es-ES" sz="1400" b="1" dirty="0"/>
+              <a:t> Abril, </a:t>
+            </a:r>
+            <a:r>
+              <a:rPr lang="es-ES" sz="1400" dirty="0"/>
+              <a:t>excepto en Enero.</a:t>
             </a:r>
           </a:p>
           <a:p>
@@ -15353,12 +11395,16 @@
               <a:buChar char="•"/>
             </a:pPr>
             <a:r>
-              <a:rPr lang="es-ES" sz="1200" b="1" dirty="0"/>
-              <a:t>Los días más favorables para llamar en primavera serían los lunes</a:t>
-            </a:r>
-            <a:r>
-              <a:rPr lang="es-ES" sz="1200" dirty="0"/>
-              <a:t>, aunque cualquier día tiene una tasa de conversión similar a la media del mes de 0,65, excepto el sábado, que es más baja. Tampoco se llamará el domingo.</a:t>
+              <a:rPr lang="es-ES" sz="1400" dirty="0"/>
+              <a:t>Hay que </a:t>
+            </a:r>
+            <a:r>
+              <a:rPr lang="es-ES" sz="1400" b="1" dirty="0"/>
+              <a:t>organizar las campañas de marketing telefónico de manera diferente</a:t>
+            </a:r>
+            <a:r>
+              <a:rPr lang="es-ES" sz="1400" dirty="0"/>
+              <a:t> a nivel de contratación de personal interno o de externalización del servicio, para que el grueso de llamadas se realice en los meses en que es patente que estas son más eficaces.</a:t>
             </a:r>
           </a:p>
           <a:p>
@@ -15370,25 +11416,21 @@
               <a:buChar char="•"/>
             </a:pPr>
             <a:r>
-              <a:rPr lang="es-ES" sz="1200" dirty="0"/>
-              <a:t>Para el resto de las estaciones del año </a:t>
-            </a:r>
-            <a:r>
-              <a:rPr lang="es-ES" sz="1200" b="1" dirty="0"/>
-              <a:t>se priorizará llamar los lunes y martes</a:t>
-            </a:r>
-            <a:r>
-              <a:rPr lang="es-ES" sz="1200" dirty="0"/>
-              <a:t>.</a:t>
-            </a:r>
-          </a:p>
-          <a:p>
-            <a:pPr algn="just">
-              <a:spcBef>
-                <a:spcPts val="300"/>
-              </a:spcBef>
-            </a:pPr>
-            <a:endParaRPr lang="es-ES" sz="1200" dirty="0"/>
+              <a:rPr lang="es-ES" sz="1400" b="1" dirty="0"/>
+              <a:t>Si no </a:t>
+            </a:r>
+            <a:r>
+              <a:rPr lang="es-ES" sz="1400" dirty="0"/>
+              <a:t>se opta por concentrar las campañas en los mejores meses, hay que realizar ofertas y </a:t>
+            </a:r>
+            <a:r>
+              <a:rPr lang="es-ES" sz="1400" b="1" dirty="0"/>
+              <a:t>promociones en los meses de menor eficacia </a:t>
+            </a:r>
+            <a:r>
+              <a:rPr lang="es-ES" sz="1400" dirty="0"/>
+              <a:t>de las llamadas.</a:t>
+            </a:r>
           </a:p>
         </p:txBody>
       </p:sp>
@@ -15396,6 +11438,579 @@
     <p:extLst>
       <p:ext uri="{BB962C8B-B14F-4D97-AF65-F5344CB8AC3E}">
         <p14:creationId xmlns:p14="http://schemas.microsoft.com/office/powerpoint/2010/main" val="4066954278"/>
+      </p:ext>
+    </p:extLst>
+  </p:cSld>
+  <p:clrMapOvr>
+    <a:masterClrMapping/>
+  </p:clrMapOvr>
+</p:sld>
+</file>
+
+<file path=ppt/slides/slide8.xml><?xml version="1.0" encoding="utf-8"?>
+<p:sld xmlns:a="http://schemas.openxmlformats.org/drawingml/2006/main" xmlns:r="http://schemas.openxmlformats.org/officeDocument/2006/relationships" xmlns:p="http://schemas.openxmlformats.org/presentationml/2006/main">
+  <p:cSld>
+    <p:bg>
+      <p:bgPr>
+        <a:blipFill dpi="0" rotWithShape="1">
+          <a:blip r:embed="rId3">
+            <a:alphaModFix amt="55000"/>
+            <a:lum/>
+          </a:blip>
+          <a:srcRect/>
+          <a:stretch>
+            <a:fillRect l="-1000" r="-1000"/>
+          </a:stretch>
+        </a:blipFill>
+        <a:effectLst/>
+      </p:bgPr>
+    </p:bg>
+    <p:spTree>
+      <p:nvGrpSpPr>
+        <p:cNvPr id="1" name="">
+          <a:extLst>
+            <a:ext uri="{FF2B5EF4-FFF2-40B4-BE49-F238E27FC236}">
+              <a16:creationId xmlns:a16="http://schemas.microsoft.com/office/drawing/2014/main" id="{6328BC4E-7759-9905-955A-26B25D46A5DA}"/>
+            </a:ext>
+          </a:extLst>
+        </p:cNvPr>
+        <p:cNvGrpSpPr/>
+        <p:nvPr/>
+      </p:nvGrpSpPr>
+      <p:grpSpPr>
+        <a:xfrm>
+          <a:off x="0" y="0"/>
+          <a:ext cx="0" cy="0"/>
+          <a:chOff x="0" y="0"/>
+          <a:chExt cx="0" cy="0"/>
+        </a:xfrm>
+      </p:grpSpPr>
+      <p:sp>
+        <p:nvSpPr>
+          <p:cNvPr id="4" name="Elipse 3">
+            <a:extLst>
+              <a:ext uri="{FF2B5EF4-FFF2-40B4-BE49-F238E27FC236}">
+                <a16:creationId xmlns:a16="http://schemas.microsoft.com/office/drawing/2014/main" id="{E3B3E10B-BE40-7FB4-64E3-01D4B99CC32F}"/>
+              </a:ext>
+              <a:ext uri="{C183D7F6-B498-43B3-948B-1728B52AA6E4}">
+                <adec:decorative xmlns:adec="http://schemas.microsoft.com/office/drawing/2017/decorative" val="1"/>
+              </a:ext>
+            </a:extLst>
+          </p:cNvPr>
+          <p:cNvSpPr/>
+          <p:nvPr/>
+        </p:nvSpPr>
+        <p:spPr>
+          <a:xfrm>
+            <a:off x="3338400" y="671564"/>
+            <a:ext cx="5515200" cy="5514872"/>
+          </a:xfrm>
+          <a:prstGeom prst="ellipse">
+            <a:avLst/>
+          </a:prstGeom>
+          <a:solidFill>
+            <a:schemeClr val="bg1">
+              <a:alpha val="87000"/>
+            </a:schemeClr>
+          </a:solidFill>
+          <a:ln w="63500">
+            <a:solidFill>
+              <a:schemeClr val="bg1">
+                <a:alpha val="95000"/>
+              </a:schemeClr>
+            </a:solidFill>
+          </a:ln>
+        </p:spPr>
+        <p:style>
+          <a:lnRef idx="2">
+            <a:schemeClr val="accent1">
+              <a:shade val="50000"/>
+            </a:schemeClr>
+          </a:lnRef>
+          <a:fillRef idx="1">
+            <a:schemeClr val="accent1"/>
+          </a:fillRef>
+          <a:effectRef idx="0">
+            <a:schemeClr val="accent1"/>
+          </a:effectRef>
+          <a:fontRef idx="minor">
+            <a:schemeClr val="lt1"/>
+          </a:fontRef>
+        </p:style>
+        <p:txBody>
+          <a:bodyPr rtlCol="0" anchor="ctr"/>
+          <a:lstStyle/>
+          <a:p>
+            <a:pPr algn="ctr" rtl="0"/>
+            <a:endParaRPr lang="es-ES" dirty="0"/>
+          </a:p>
+        </p:txBody>
+      </p:sp>
+      <p:sp>
+        <p:nvSpPr>
+          <p:cNvPr id="11" name="Marcador de texto 10">
+            <a:extLst>
+              <a:ext uri="{FF2B5EF4-FFF2-40B4-BE49-F238E27FC236}">
+                <a16:creationId xmlns:a16="http://schemas.microsoft.com/office/drawing/2014/main" id="{46718A37-9DF7-2026-66B5-3556F420B5AB}"/>
+              </a:ext>
+            </a:extLst>
+          </p:cNvPr>
+          <p:cNvSpPr>
+            <a:spLocks noGrp="1"/>
+          </p:cNvSpPr>
+          <p:nvPr>
+            <p:ph type="body" sz="quarter" idx="11"/>
+          </p:nvPr>
+        </p:nvSpPr>
+        <p:spPr>
+          <a:xfrm>
+            <a:off x="4503545" y="3433864"/>
+            <a:ext cx="3184910" cy="2411431"/>
+          </a:xfrm>
+        </p:spPr>
+        <p:txBody>
+          <a:bodyPr rtlCol="0"/>
+          <a:lstStyle/>
+          <a:p>
+            <a:pPr algn="ctr" rtl="0"/>
+            <a:r>
+              <a:rPr lang="es-ES" sz="2800" b="1" dirty="0">
+                <a:solidFill>
+                  <a:schemeClr val="accent4">
+                    <a:lumMod val="75000"/>
+                  </a:schemeClr>
+                </a:solidFill>
+                <a:latin typeface="Calibri" panose="020F0502020204030204" pitchFamily="34" charset="0"/>
+                <a:cs typeface="Calibri" panose="020F0502020204030204" pitchFamily="34" charset="0"/>
+              </a:rPr>
+              <a:t>Equipo B</a:t>
+            </a:r>
+          </a:p>
+          <a:p>
+            <a:pPr algn="ctr" rtl="0"/>
+            <a:r>
+              <a:rPr lang="es-ES" sz="1800" b="1" dirty="0">
+                <a:solidFill>
+                  <a:schemeClr val="accent4">
+                    <a:lumMod val="50000"/>
+                  </a:schemeClr>
+                </a:solidFill>
+              </a:rPr>
+              <a:t>Gorka </a:t>
+            </a:r>
+            <a:r>
+              <a:rPr lang="es-ES" sz="1800" b="1" dirty="0" err="1">
+                <a:solidFill>
+                  <a:schemeClr val="accent4">
+                    <a:lumMod val="50000"/>
+                  </a:schemeClr>
+                </a:solidFill>
+              </a:rPr>
+              <a:t>Bonals</a:t>
+            </a:r>
+            <a:r>
+              <a:rPr lang="es-ES" sz="1800" b="1" dirty="0">
+                <a:solidFill>
+                  <a:schemeClr val="accent4">
+                    <a:lumMod val="50000"/>
+                  </a:schemeClr>
+                </a:solidFill>
+              </a:rPr>
+              <a:t> Sastre</a:t>
+            </a:r>
+          </a:p>
+          <a:p>
+            <a:pPr algn="ctr" rtl="0"/>
+            <a:r>
+              <a:rPr lang="es-ES" sz="1800" b="1" dirty="0">
+                <a:solidFill>
+                  <a:schemeClr val="accent4">
+                    <a:lumMod val="50000"/>
+                  </a:schemeClr>
+                </a:solidFill>
+              </a:rPr>
+              <a:t>Pau Fernández Ripollès</a:t>
+            </a:r>
+          </a:p>
+          <a:p>
+            <a:pPr algn="ctr" rtl="0"/>
+            <a:r>
+              <a:rPr lang="es-ES" sz="1800" b="1" dirty="0">
+                <a:solidFill>
+                  <a:schemeClr val="accent4">
+                    <a:lumMod val="50000"/>
+                  </a:schemeClr>
+                </a:solidFill>
+              </a:rPr>
+              <a:t>German </a:t>
+            </a:r>
+            <a:r>
+              <a:rPr lang="es-ES" sz="1800" b="1" dirty="0" err="1">
+                <a:solidFill>
+                  <a:schemeClr val="accent4">
+                    <a:lumMod val="50000"/>
+                  </a:schemeClr>
+                </a:solidFill>
+              </a:rPr>
+              <a:t>Lizarraga</a:t>
+            </a:r>
+            <a:r>
+              <a:rPr lang="es-ES" sz="1800" b="1" dirty="0">
+                <a:solidFill>
+                  <a:schemeClr val="accent4">
+                    <a:lumMod val="50000"/>
+                  </a:schemeClr>
+                </a:solidFill>
+              </a:rPr>
+              <a:t> Pereira</a:t>
+            </a:r>
+          </a:p>
+          <a:p>
+            <a:pPr algn="ctr" rtl="0"/>
+            <a:r>
+              <a:rPr lang="es-ES" sz="1800" b="1" dirty="0">
+                <a:solidFill>
+                  <a:schemeClr val="accent4">
+                    <a:lumMod val="50000"/>
+                  </a:schemeClr>
+                </a:solidFill>
+              </a:rPr>
+              <a:t>Carla </a:t>
+            </a:r>
+            <a:r>
+              <a:rPr lang="es-ES" sz="1800" b="1" dirty="0" err="1">
+                <a:solidFill>
+                  <a:schemeClr val="accent4">
+                    <a:lumMod val="50000"/>
+                  </a:schemeClr>
+                </a:solidFill>
+              </a:rPr>
+              <a:t>Lupión</a:t>
+            </a:r>
+            <a:r>
+              <a:rPr lang="es-ES" sz="1800" b="1" dirty="0">
+                <a:solidFill>
+                  <a:schemeClr val="accent4">
+                    <a:lumMod val="50000"/>
+                  </a:schemeClr>
+                </a:solidFill>
+              </a:rPr>
+              <a:t> </a:t>
+            </a:r>
+            <a:r>
+              <a:rPr lang="es-ES" sz="1800" b="1" dirty="0" err="1">
+                <a:solidFill>
+                  <a:schemeClr val="accent4">
+                    <a:lumMod val="50000"/>
+                  </a:schemeClr>
+                </a:solidFill>
+              </a:rPr>
+              <a:t>Saez</a:t>
+            </a:r>
+            <a:endParaRPr lang="es-ES" sz="1800" b="1" dirty="0">
+              <a:solidFill>
+                <a:schemeClr val="accent4">
+                  <a:lumMod val="50000"/>
+                </a:schemeClr>
+              </a:solidFill>
+            </a:endParaRPr>
+          </a:p>
+          <a:p>
+            <a:pPr algn="ctr" rtl="0"/>
+            <a:r>
+              <a:rPr lang="es-ES" sz="1800" dirty="0">
+                <a:solidFill>
+                  <a:schemeClr val="accent4">
+                    <a:lumMod val="50000"/>
+                  </a:schemeClr>
+                </a:solidFill>
+              </a:rPr>
+              <a:t>Natalya Martyn</a:t>
+            </a:r>
+            <a:endParaRPr lang="es-ES" sz="1800" b="1" dirty="0">
+              <a:solidFill>
+                <a:schemeClr val="accent4">
+                  <a:lumMod val="50000"/>
+                </a:schemeClr>
+              </a:solidFill>
+            </a:endParaRPr>
+          </a:p>
+        </p:txBody>
+      </p:sp>
+      <p:sp>
+        <p:nvSpPr>
+          <p:cNvPr id="5" name="Título 6">
+            <a:extLst>
+              <a:ext uri="{FF2B5EF4-FFF2-40B4-BE49-F238E27FC236}">
+                <a16:creationId xmlns:a16="http://schemas.microsoft.com/office/drawing/2014/main" id="{CBB28900-0BB1-AA00-1977-8D9EF3376E65}"/>
+              </a:ext>
+            </a:extLst>
+          </p:cNvPr>
+          <p:cNvSpPr>
+            <a:spLocks noGrp="1"/>
+          </p:cNvSpPr>
+          <p:nvPr>
+            <p:ph type="title"/>
+          </p:nvPr>
+        </p:nvSpPr>
+        <p:spPr>
+          <a:xfrm>
+            <a:off x="3825528" y="1705316"/>
+            <a:ext cx="4540944" cy="1627235"/>
+          </a:xfrm>
+          <a:noFill/>
+        </p:spPr>
+        <p:txBody>
+          <a:bodyPr rtlCol="0"/>
+          <a:lstStyle/>
+          <a:p>
+            <a:pPr algn="ctr" rtl="0"/>
+            <a:r>
+              <a:rPr lang="es-ES" sz="5400" b="1" dirty="0">
+                <a:solidFill>
+                  <a:schemeClr val="accent5">
+                    <a:lumMod val="90000"/>
+                    <a:lumOff val="10000"/>
+                  </a:schemeClr>
+                </a:solidFill>
+                <a:effectLst>
+                  <a:outerShdw blurRad="38100" dist="38100" dir="2700000" algn="tl">
+                    <a:srgbClr val="000000">
+                      <a:alpha val="43137"/>
+                    </a:srgbClr>
+                  </a:outerShdw>
+                </a:effectLst>
+                <a:latin typeface="+mj-lt"/>
+              </a:rPr>
+              <a:t>¡MUCHAS GRACIAS!</a:t>
+            </a:r>
+          </a:p>
+        </p:txBody>
+      </p:sp>
+      <p:sp>
+        <p:nvSpPr>
+          <p:cNvPr id="21" name="Hexágono 20">
+            <a:extLst>
+              <a:ext uri="{FF2B5EF4-FFF2-40B4-BE49-F238E27FC236}">
+                <a16:creationId xmlns:a16="http://schemas.microsoft.com/office/drawing/2014/main" id="{6F3DB436-FBEB-55AC-C5CC-9F7A17DC7191}"/>
+              </a:ext>
+              <a:ext uri="{C183D7F6-B498-43B3-948B-1728B52AA6E4}">
+                <adec:decorative xmlns:adec="http://schemas.microsoft.com/office/drawing/2017/decorative" val="1"/>
+              </a:ext>
+            </a:extLst>
+          </p:cNvPr>
+          <p:cNvSpPr/>
+          <p:nvPr/>
+        </p:nvSpPr>
+        <p:spPr>
+          <a:xfrm>
+            <a:off x="7974278" y="5753530"/>
+            <a:ext cx="651613" cy="561736"/>
+          </a:xfrm>
+          <a:prstGeom prst="hexagon">
+            <a:avLst/>
+          </a:prstGeom>
+          <a:solidFill>
+            <a:schemeClr val="accent2"/>
+          </a:solidFill>
+          <a:ln>
+            <a:noFill/>
+          </a:ln>
+        </p:spPr>
+        <p:style>
+          <a:lnRef idx="2">
+            <a:schemeClr val="accent1">
+              <a:shade val="50000"/>
+            </a:schemeClr>
+          </a:lnRef>
+          <a:fillRef idx="1">
+            <a:schemeClr val="accent1"/>
+          </a:fillRef>
+          <a:effectRef idx="0">
+            <a:schemeClr val="accent1"/>
+          </a:effectRef>
+          <a:fontRef idx="minor">
+            <a:schemeClr val="lt1"/>
+          </a:fontRef>
+        </p:style>
+        <p:txBody>
+          <a:bodyPr rtlCol="0" anchor="ctr"/>
+          <a:lstStyle/>
+          <a:p>
+            <a:pPr algn="ctr" rtl="0"/>
+            <a:endParaRPr lang="es-ES"/>
+          </a:p>
+        </p:txBody>
+      </p:sp>
+      <p:sp>
+        <p:nvSpPr>
+          <p:cNvPr id="16" name="Hexágono 15">
+            <a:extLst>
+              <a:ext uri="{FF2B5EF4-FFF2-40B4-BE49-F238E27FC236}">
+                <a16:creationId xmlns:a16="http://schemas.microsoft.com/office/drawing/2014/main" id="{17C8D1FA-2883-6EC6-566A-01779AB826C5}"/>
+              </a:ext>
+              <a:ext uri="{C183D7F6-B498-43B3-948B-1728B52AA6E4}">
+                <adec:decorative xmlns:adec="http://schemas.microsoft.com/office/drawing/2017/decorative" val="1"/>
+              </a:ext>
+            </a:extLst>
+          </p:cNvPr>
+          <p:cNvSpPr/>
+          <p:nvPr/>
+        </p:nvSpPr>
+        <p:spPr>
+          <a:xfrm>
+            <a:off x="2255521" y="2751804"/>
+            <a:ext cx="785546" cy="677196"/>
+          </a:xfrm>
+          <a:prstGeom prst="hexagon">
+            <a:avLst/>
+          </a:prstGeom>
+          <a:solidFill>
+            <a:schemeClr val="accent1"/>
+          </a:solidFill>
+          <a:ln>
+            <a:noFill/>
+          </a:ln>
+        </p:spPr>
+        <p:style>
+          <a:lnRef idx="2">
+            <a:schemeClr val="accent1">
+              <a:shade val="50000"/>
+            </a:schemeClr>
+          </a:lnRef>
+          <a:fillRef idx="1">
+            <a:schemeClr val="accent1"/>
+          </a:fillRef>
+          <a:effectRef idx="0">
+            <a:schemeClr val="accent1"/>
+          </a:effectRef>
+          <a:fontRef idx="minor">
+            <a:schemeClr val="lt1"/>
+          </a:fontRef>
+        </p:style>
+        <p:txBody>
+          <a:bodyPr rtlCol="0" anchor="ctr"/>
+          <a:lstStyle/>
+          <a:p>
+            <a:pPr algn="ctr" rtl="0"/>
+            <a:endParaRPr lang="es-ES"/>
+          </a:p>
+        </p:txBody>
+      </p:sp>
+      <p:sp>
+        <p:nvSpPr>
+          <p:cNvPr id="18" name="Hexágono 17">
+            <a:extLst>
+              <a:ext uri="{FF2B5EF4-FFF2-40B4-BE49-F238E27FC236}">
+                <a16:creationId xmlns:a16="http://schemas.microsoft.com/office/drawing/2014/main" id="{B185CD2A-E082-D884-4D39-49A4C37046A2}"/>
+              </a:ext>
+              <a:ext uri="{C183D7F6-B498-43B3-948B-1728B52AA6E4}">
+                <adec:decorative xmlns:adec="http://schemas.microsoft.com/office/drawing/2017/decorative" val="1"/>
+              </a:ext>
+            </a:extLst>
+          </p:cNvPr>
+          <p:cNvSpPr/>
+          <p:nvPr/>
+        </p:nvSpPr>
+        <p:spPr>
+          <a:xfrm>
+            <a:off x="8021783" y="671564"/>
+            <a:ext cx="392774" cy="338599"/>
+          </a:xfrm>
+          <a:prstGeom prst="hexagon">
+            <a:avLst/>
+          </a:prstGeom>
+          <a:solidFill>
+            <a:schemeClr val="bg2"/>
+          </a:solidFill>
+          <a:ln>
+            <a:noFill/>
+          </a:ln>
+        </p:spPr>
+        <p:style>
+          <a:lnRef idx="2">
+            <a:schemeClr val="accent1">
+              <a:shade val="50000"/>
+            </a:schemeClr>
+          </a:lnRef>
+          <a:fillRef idx="1">
+            <a:schemeClr val="accent1"/>
+          </a:fillRef>
+          <a:effectRef idx="0">
+            <a:schemeClr val="accent1"/>
+          </a:effectRef>
+          <a:fontRef idx="minor">
+            <a:schemeClr val="lt1"/>
+          </a:fontRef>
+        </p:style>
+        <p:txBody>
+          <a:bodyPr rtlCol="0" anchor="ctr"/>
+          <a:lstStyle/>
+          <a:p>
+            <a:pPr algn="ctr" rtl="0"/>
+            <a:endParaRPr lang="es-ES"/>
+          </a:p>
+        </p:txBody>
+      </p:sp>
+      <p:sp>
+        <p:nvSpPr>
+          <p:cNvPr id="2" name="Hexágono 1">
+            <a:extLst>
+              <a:ext uri="{FF2B5EF4-FFF2-40B4-BE49-F238E27FC236}">
+                <a16:creationId xmlns:a16="http://schemas.microsoft.com/office/drawing/2014/main" id="{0E86CC62-03FB-901F-2CF9-338DFBD20986}"/>
+              </a:ext>
+              <a:ext uri="{C183D7F6-B498-43B3-948B-1728B52AA6E4}">
+                <adec:decorative xmlns:adec="http://schemas.microsoft.com/office/drawing/2017/decorative" val="1"/>
+              </a:ext>
+            </a:extLst>
+          </p:cNvPr>
+          <p:cNvSpPr/>
+          <p:nvPr/>
+        </p:nvSpPr>
+        <p:spPr>
+          <a:xfrm>
+            <a:off x="2035398" y="3344350"/>
+            <a:ext cx="196388" cy="169300"/>
+          </a:xfrm>
+          <a:prstGeom prst="hexagon">
+            <a:avLst/>
+          </a:prstGeom>
+          <a:solidFill>
+            <a:schemeClr val="accent4"/>
+          </a:solidFill>
+          <a:ln>
+            <a:noFill/>
+          </a:ln>
+        </p:spPr>
+        <p:style>
+          <a:lnRef idx="2">
+            <a:schemeClr val="accent1">
+              <a:shade val="50000"/>
+            </a:schemeClr>
+          </a:lnRef>
+          <a:fillRef idx="1">
+            <a:schemeClr val="accent1"/>
+          </a:fillRef>
+          <a:effectRef idx="0">
+            <a:schemeClr val="accent1"/>
+          </a:effectRef>
+          <a:fontRef idx="minor">
+            <a:schemeClr val="lt1"/>
+          </a:fontRef>
+        </p:style>
+        <p:txBody>
+          <a:bodyPr rtlCol="0" anchor="ctr"/>
+          <a:lstStyle/>
+          <a:p>
+            <a:pPr algn="ctr" rtl="0"/>
+            <a:endParaRPr lang="es-ES"/>
+          </a:p>
+        </p:txBody>
+      </p:sp>
+    </p:spTree>
+    <p:extLst>
+      <p:ext uri="{BB962C8B-B14F-4D97-AF65-F5344CB8AC3E}">
+        <p14:creationId xmlns:p14="http://schemas.microsoft.com/office/powerpoint/2010/main" val="2673088943"/>
       </p:ext>
     </p:extLst>
   </p:cSld>
@@ -16233,8 +12848,8 @@
   <we:properties>
     <we:property name="Microsoft.Office.CampaignId" value="&quot;none&quot;"/>
     <we:property name="artifactViewState" value="&quot;live&quot;"/>
-    <we:property name="backgroundColor" value="&quot;#FFFFFF&quot;"/>
-    <we:property name="bookmark" value="&quot;H4sIAAAAAAAAA+VVTW8TMRD9K5UvXFZos9l8kFsTihBqUURRLqiqZu3ZrVvHXmxvaKjye+DOT8gfY+zd0NJGajkgKnGK/eZl5s34eX3DhHS1gvV7WCKbsENhcfsNDsQLqT3a7Xd30GMJ0220z/OyHMIgzbLeaAB5nqVIUVN7abRjkxvmwVboF9I1oEJKAj+dJQyUmkMVdiUohwmr0TqjQcmv2JIp5G2Dm4Thda2MhZDy1IPHkHZFdNqThN7LPlUE7uUKT5H7Fh2Pijwr+/0RFr1UpMVwNASiuZYQle2lhNSx/MxoD1JTmYBlPC9KIUYi7WVp0efjvEgDXkrlO0qxPrquLXVHPa/rMJwZaa2MlRwUi11YdK3oG/ZWogXLL9bHuEIVkKP98YehuTU0LL9egJXtUExjOT4ktvgHLGNIe+kpG5uCvjo/AXuFXuqKbWjA3VHHhFxuf5DaXRGCRRh5oN3RxN6F5edGkjHwIDBcpHTdsJNuf2G+zCxSWLBJukl+jeZQrEBzQu/P5bCqLFbgu+3vDc2MapZ78Cc3eqcrDssaZKUj/qbRnXHS561aint6Bw/1nhHi6L+qu0i3nv7YtsFV48i1KKZgZxdgfbixxSVdjWDkze4yUdnLO9elc/M6Ovy/sO/ZJmD9cS56OCiQ80IMhrnIX+GjV//fO0VgbZz059osC4uPuyZ50mfrLyv8QyMLoxu/18HGCrTT1quvpd09C1lyT/ezOY5otoDetsGWSE9nWJjGuxo4zkFjbKluE0uMPDoi0CLMLK5t+D2WZM52ZAtQTZhWfGhZLBOL/QR4bXd86gcAAA==&quot;"/>
+    <we:property name="backgroundColor" value="&quot;#F2F2F2&quot;"/>
+    <we:property name="bookmark" value="&quot;H4sIAAAAAAAAA+VVTU8bMRD9K8iXXlbVJpsPyI2kVFUFFSpVLhVCY3uyGBx7a3tTUpTfQ+/9CfljHXs3hZJI0ENVpJ7WfvMy82b8HN8yqXylYfkB5shG7FA6XN/BnnylTEC3/u73OixjpolKxC7MunlRdPgAD+hbcIraKihrPBvdsgCuxDBVvgYdUxL4+TxjoPUplHE3A+0xYxU6bw1o9Q0bMoWCq3GVMbyptHUQU54FCBjTLohOe5LQeV1QRRBBLfAMRWjQ/SHvdWdFMUTeyWXOB8MBEM03hKRsJyWmTuUn1gRQhspErCt6fCblUOadbs4Lsd/jecRnSoeWwpdHN5Wj7qjnZRWHMyGtpXVKgGapC4e+EX3L3il04MTl8hgXqCNytDu+HTp1loYVllNwqhmKrZ3AbWKDf8RZCpmgAmVjYzDXFyfgrjEoU7IVDbg96pRQqPUPUrspEs84jjzSHmhi7+PyS63IGLgXGT5R2m7YSbu/tF8nDiks2ShfZb9GcygXYAShj+dyWJYOSwjt9veGJlbX8x34sxt90JWAeQWqNAl/W5vWOPnLVq3kI739bb3nhHj6rW4v0r2nPzVtCF17ci3KMbjJJbgQbyy/oqsRjbzaXCYqe/XgurRuXiaH/xf2PV9FrNjvyQ72OQrBZX/Qk70DfPLq/3unSKysV+HC2Dl3+LRrsmf9bf1lhX9oZGlNHXY62DqJbtx49Y1ym2ehmz3S/WKOI5ktovdtsDnS0xkXtg6+AoGnYDC1VDWJFSYeHREYGWeW1i5+jxWZsxnZFHQdp5UeWpbKpGI/ATdJS1zqBwAA&quot;"/>
     <we:property name="creatorSessionId" value="&quot;62b41dc1-11db-451b-85a1-63ef87e73882&quot;"/>
     <we:property name="creatorTenantId" value="&quot;aec762e4-3d54-495e-a8fe-4287dce6fe69&quot;"/>
     <we:property name="creatorUserId" value="&quot;10032001F803F05B&quot;"/>
@@ -16242,6 +12857,7 @@
     <we:property name="embedUrl" value="&quot;/reportEmbed?reportId=0291a0b9-e473-4f76-84fa-242acbf3fdfe&amp;config=eyJjbHVzdGVyVXJsIjoiaHR0cHM6Ly9XQUJJLU5PUlRILUVVUk9QRS1HLVBSSU1BUlktcmVkaXJlY3QuYW5hbHlzaXMud2luZG93cy5uZXQiLCJlbWJlZEZlYXR1cmVzIjp7InVzYWdlTWV0cmljc1ZOZXh0Ijp0cnVlfX0%3D&amp;disableSensitivityBanner=true&quot;"/>
     <we:property name="initialStateBookmark" value="&quot;H4sIAAAAAAAAA+VVTU8bMRD9K8iXXlbV5gOScgspVVUIRFBxqaJobE8Wg2NvbW/KFuX3tPf+BP5Yx96lUIgEPVRF6in2m9mZN8/P8TWTypca6iNYIttlI+nw5htsyVfKBHQ33/1Wh2XMNNG94+ODyejkYH40muwTbMugrPFs95oFcAWGM+Ur0LEWgZ9mGQOtp1DE3QK0x4yV6Lw1oNVXbJIpFFyF64zhVamtg1jyNEDAWHZF6bSn3p3XPeoIIqgVnqIIDToc8H530esNkHdymfOdwQ5Qmm8SErONKbF0aj+2JoAy1CZiXdHnCykHMu90c94Twz7PI75QOrQpvN6/Kh1NRzPXZVRlTFwL65QAzdIUDn1D+pq9V+jAifP6EFeoI7K/Of44NHWWxAr1GTjViGIrJ/BxYoOf4CKFTFChjmcF5nI+AXeJQZmCrUng9oxTQaFufhDb2yYEyyh5TLvHiX2Iy8+VIkfgVszwKaWdhk3a/bn9MnZIYcl283X2S5qRXIERhD7UZVQUDgsI7fb3gcZWV8sN+LMHvTeVgGUJqjAJf1eZ1jj5y2at5AO+24/5zgjx9K1uL9Kdpz82YwhdeXItyj1w43NwId5YfkFXIxp5fXuZqO3FvevSurlODv8v7DtbR6w37MsObnMUgsvtnb7sv8Enr/6/d4rE0noV5sYuucOnXZM962/rLzP8QyNLa6qw0cHWSXR7jVffKnf7LHSzB7xfzHEks0X0bgy2RHo648JWwZcgcAoG00hlU1hhyqMjAiOjZmnt4u+hInM2kp2BrqJa6aFlqQmpqLjGJz6Izy9LtBK5n/khxywTCAAA&quot;"/>
     <we:property name="isFiltersActionButtonVisible" value="true"/>
+    <we:property name="isFooterCollapsed" value="true"/>
     <we:property name="isVisualContainerHeaderHidden" value="false"/>
     <we:property name="pageDisplayName" value="&quot;EDA&quot;"/>
     <we:property name="pageName" value="&quot;87b42f337eb10d0b676a&quot;"/>
@@ -16262,12 +12878,13 @@
   <we:properties>
     <we:property name="Microsoft.Office.CampaignId" value="&quot;none&quot;"/>
     <we:property name="artifactViewState" value="&quot;live&quot;"/>
-    <we:property name="backgroundColor" value="&quot;#FFFFFF&quot;"/>
-    <we:property name="bookmark" value="&quot;H4sIAAAAAAAAA+1WTYvbMBD9K0GXXkKxEztxctuaLaXsltCUXMpSJtLE0a4iu5Kcbhrye9p7f0L+WEey9yNkSwq9LHQhEGnmMfPm6Ul4y4S0lYLNB1ghG7MzYXD/AzrildQOzf6n7cSsy3STTbIUU94f9eN+xJNhgtFwTtmycrLUlo23zIEp0M2krUH5khT8fNVloNQECr9bgLLYZRUaW2pQ8js2YEo5U+Ouy/C2UqUBX3LqwKEvuyY47YlC/LpPHYE7ucYpctdEh2KU9qK0P+IZH8VxAilEBLMNIDB7EuJLh/Z5qR1ITW18LII4W4hFlkEvyRIxGgwGqY8vpHItZL45v60MTUczb6pGujVojoKFEQzahvGWnRWFwQJcuz0/SOalqldPxKdlbTh+xEVIaSfdhnq8AX3z5RLMDTqpC7YjuSamJDFDVmBVWulC+G2tW3FSv12W33KDpKZg42jXvSedU6gojeSgjni/k2jA8OXmAteojine549Td6RmYGRzkmGcfxiz9WcoyOX+Fzuc3PvEwx5xYu/98mstyc3Y8QgbIO007LLdH0pzRRFLTVXryweLfGoU4+HA8iUY560/vyaPeUfs7lxJtK4f+a5VeBOs8l9IerXzsRR7QL8oizlEwxjEIElO3qEXO/7xpj7X5yV63qQ5rCqQhT7N+vTNV7Ul66LIX56Av3gCwivwIA5bIX0a+EVZO1sBxwloDJJUTUuJAUdGAS38mYS18f8XkoRvjmQGqvacw4cEC21Ct99tac4ayggAAA==&quot;"/>
+    <we:property name="backgroundColor" value="&quot;#F2F2F2&quot;"/>
+    <we:property name="bookmark" value="&quot;H4sIAAAAAAAAA+1WXW/TMBT9K5VfeKlQ0iVd2rdSDSG0oYqhvqAK3do3qTfXCbZTFqr+HvbOT+gf49rJWKEV4oEHpE2qVPvco/txfGxly4S0lYLmHayRjdlEGNx/g554IbVDs7+3vZj1mW6jg4Tng5gPRwBLHiccM5FStKycLLVl4y1zYAp0c2lrUD4lgR8XfQZKzaDwuxyUxT6r0NhSg5JfsSVTyJkad32Gd5UqDfiU1w4c+rQbotOeWohfnlFF4E5u8Bq5a9FzMUoHUXo24hkfxXECKUREsy0hdHaS4lOH8tNSO5CayngsgjjLRZ5lMEiyRIyGw2Hq8Vwq11GWzcVdZWg6mrmpvDhT6rUojeSgWJjCoG2b3rI3Eg0YvmoucYPKIxen48ehmSlJLNfMwchWlLI2HI+JLf4e8xDSTjrKxl6Bvv10BeYWndQF25HA3VGHhFzuv1O3D0UIFl5yTzvoib31y8+1JGNgzzNsoHTTsKtuvyq/TA1SWLBxtOv/lGYiNqA5ob/rMikKgwW4bvvrQNNS1esT+F8PejgVVqWVLsCva935JjpuekGIpQSq8+WjRT60syzBTFdgnPf98oYM5u2we7Aklbw5MF3niSb45EmYYLHzWIoDoF+UxRyi8xjEMEmeL9CTuED/U9Mc1hXIQv+Da89Vbcm6KNr+np+APz8B4RV4FIetkb4L/KKsna2A4ww0BkmqtqTEwCOjgBb+TMLa+P9LScK3RzIHVfuew1cEC2VCtR+8mqoaxwgAAA==&quot;"/>
     <we:property name="creatorSessionId" value="&quot;64f68b58-b350-4f25-a152-2e59f57578c0&quot;"/>
     <we:property name="creatorTenantId" value="&quot;aec762e4-3d54-495e-a8fe-4287dce6fe69&quot;"/>
     <we:property name="creatorUserId" value="&quot;10032001F803F05B&quot;"/>
     <we:property name="datasetId" value="&quot;746d61e6-386b-426d-bacc-967e57730bba&quot;"/>
+    <we:property name="design" value="{&quot;border&quot;:{&quot;isActive&quot;:false,&quot;color&quot;:&quot;#808080&quot;,&quot;width&quot;:1,&quot;transparency&quot;:0,&quot;dash&quot;:&quot;solid&quot;}}"/>
     <we:property name="embedUrl" value="&quot;/reportEmbed?reportId=0291a0b9-e473-4f76-84fa-242acbf3fdfe&amp;config=eyJjbHVzdGVyVXJsIjoiaHR0cHM6Ly9XQUJJLU5PUlRILUVVUk9QRS1HLVBSSU1BUlktcmVkaXJlY3QuYW5hbHlzaXMud2luZG93cy5uZXQiLCJlbWJlZEZlYXR1cmVzIjp7InVzYWdlTWV0cmljc1ZOZXh0Ijp0cnVlfX0%3D&amp;disableSensitivityBanner=true&quot;"/>
     <we:property name="initialStateBookmark" value="&quot;H4sIAAAAAAAAA+1WzW4aMRB+FeRLL6jaJSxZuNEVVdWEBIWKS4WiwTssTox3a3tpKOJ50nsfgRfr2Lv5QaSiUi+RGgkJz8/OfPP5s+UNS4UpJKwvYImsx/qpxt09NNJ3QlnUu5+mEbImU1X0w+Xl2bB/dXZ90R8OyJ0XVuTKsN6GWdAZ2okwJUhXi5xfp00GUo4gc9YcpMEmK1CbXIEUP7BKppDVJW6bDO8KmWtwJccWLLqyK0onm3qH70+oI3ArVjhGbivvadqNWkF00uUx74ZhGyIIKM1UCR7ZiymutG+f5MqCUNTG+QII43k6j2NoteN22u10OpHzz4W0dcpsPbgrNE1HM6+LirMVKI4p8yNoNBXiDetnmcYMbG0O9oJJLsvlC/5xXmqOVzj3IWWFXTvmQd1eD0HfohUqY1uia6RzItNHUyxyI6x3fyxVTU7kzEX+PdFIbKasF2ybj6ATcmW5FhzkAe5PAjVovlif4wrlIcTH+GHoAdQEtKh20o/zD2PWwvQFudj9YvuTO524tGeY2Ge3/FYKkjE2XIbxKfU0bFjb+9RMyWOoqax1+SSRLxVj3G9YsgBtnfRnN6Qxp4jtgyoJ1s0z3dUMr71U/gtKp1vni7AF9AvikENwGkLaabePnqE3Of7xpL7W6yV43aA5LAsQmTqO+vjJl6Uh6WKavF0Bf3EF+FvgiRy2RHoauEVeWlMAxxEo9JQUVUuBPo+EAip1e+LX2v2fCyK+2pIJyNJh9g8J5pvQLomZxCMfuOcF87A8ut+U7tru8wgAAA==&quot;"/>
     <we:property name="isFiltersActionButtonVisible" value="true"/>
@@ -16278,7 +12895,7 @@
     <we:property name="reportName" value="&quot;S4_Marketing_P&quot;"/>
     <we:property name="reportState" value="&quot;CONNECTED&quot;"/>
     <we:property name="reportUrl" value="&quot;/groups/me/reports/0291a0b9-e473-4f76-84fa-242acbf3fdfe/7d9520539c8c9114a5a0?fromEntryPoint=export&quot;"/>
-    <we:property name="design" value="{&quot;border&quot;:{&quot;isActive&quot;:false,&quot;color&quot;:&quot;#808080&quot;,&quot;width&quot;:1,&quot;transparency&quot;:0,&quot;dash&quot;:&quot;solid&quot;}}"/>
+    <we:property name="isFooterCollapsed" value="true"/>
   </we:properties>
   <we:bindings/>
   <we:snapshot xmlns:r="http://schemas.openxmlformats.org/officeDocument/2006/relationships"/>
@@ -16291,23 +12908,54 @@
   <we:alternateReferences/>
   <we:properties>
     <we:property name="Microsoft.Office.CampaignId" value="&quot;none&quot;"/>
-    <we:property name="reportUrl" value="&quot;/groups/me/reports/0291a0b9-e473-4f76-84fa-242acbf3fdfe/a5af1b07209307901984?fromEntryPoint=export&quot;"/>
-    <we:property name="reportState" value="&quot;CONNECTED&quot;"/>
     <we:property name="artifactViewState" value="&quot;live&quot;"/>
-    <we:property name="reportEmbeddedTime" value="&quot;2024-10-30T11:35:03.869Z&quot;"/>
+    <we:property name="backgroundColor" value="&quot;#F2F2F2&quot;"/>
+    <we:property name="bookmark" value="&quot;H4sIAAAAAAAAA+1XwU7cMBD9FeRLL6sq3iSbDbcSkKoKKlQQlwqhiT27GLJxajvb3aL9nvbeT+DHOnaWAruUHqCCtpzieCb2vDfPz8oFk8o2FczfwwTZJnsjDV5+hQ35StUOzeU3u8FZj9VdNBskMIp4nCU5DPscxAAyiurGKV1btnnBHJgxuiNlW6j8kjT58bjHoKr2YezfRlBZ7LEGjdU1VOoLdskUcqbFRY/hrKm0Ab/kgQOHftkppdM7lcBfx7QjCKemeIDCdbOQwoiXUdaP8jjK8ojnw4TSbJcQKrszxS8dti907UDVtI2fS6MkLofIswhjOcwSWRJOmh+pyi1TyvnOrDGEjjDPm466KdQCJQsQDNqu4gu2h2BbE3Ds3Aoc6NYI/ICjEKqdcnNaZwvq85M9MOfoVD1mC6Jk32giLEQPwcLJzkw5fbJbwQQkhIxT/bkwSGxJthktjmnG0sfVktxrnIddrQKMr1OXZ8SQx0MfaCPRbM0DpG1lrrjt91aq/vNwqH7KytJ+ng/SOBYRH/BhwiG+pwlLhaYyH45QiliQVPM4BpARAV22qCCCxtooQZSsdqnQVTupHweV8GoSbq0zfNF7OrkUlUI60x3N+l9RzRqqTjx9mYySDBMuorIcyASyMv/tCb5PHm8VGjDidL6LU6zWYfyMr4euCj8CozpbC5AfQMXSrMOCQl1+Z7fYkd40fdqNmtg7P/zUKrJ23PAZNqQs0VB77B2KeM5qfcLaHmC8Fd0xRdVaEiHKznIKPSl1cQrGrZ6t7pajGs5u3GNLkXYn7r9QJR1omkslT8uy5CgTTCIR9yMZP5M7eQ+lgitV2Nk2NtqSTv5qi/01ps5gU86l4OUwSRIJZSzSlMOLwT53g31Mpa642IuB3WtgwcOuyWETpB8lP9Ctsw0I3IcaAyVNt6XCkEdigFr6noSx8c9dRcR3LTmCqvU1h98qFrYJu/0ANjrHSdgNAAA=&quot;"/>
     <we:property name="creatorSessionId" value="&quot;f9ce13d7-f350-47b8-a9c9-1532f3fe1965&quot;"/>
+    <we:property name="creatorTenantId" value="&quot;aec762e4-3d54-495e-a8fe-4287dce6fe69&quot;"/>
     <we:property name="creatorUserId" value="&quot;10032001F803F05B&quot;"/>
-    <we:property name="creatorTenantId" value="&quot;aec762e4-3d54-495e-a8fe-4287dce6fe69&quot;"/>
-    <we:property name="pageDisplayName" value="&quot;Página 1&quot;"/>
-    <we:property name="pageName" value="&quot;a5af1b07209307901984&quot;"/>
-    <we:property name="reportName" value="&quot;S4_Marketing_P&quot;"/>
-    <we:property name="isVisualContainerHeaderHidden" value="false"/>
-    <we:property name="isFiltersActionButtonVisible" value="true"/>
-    <we:property name="initialStateBookmark" value="&quot;H4sIAAAAAAAAA+1XzU7bQBB+FbSXXqLKju045gYhUlUIIEBcKhSNdydh6cZ2d9dpUpTnae99BF6ss+tQfkJBFVTQlpPXM7M7833z7Vg+Z0KaSsF8FybI1tmG0HjxFdbEG1lY1BffzFrIWqxovJt7e9uDjYPt4e7GoE/msrKyLAxbP2cW9BjtsTQ1KHcWGT+ctBgotQ9j9zYCZbDFKtSmLEDJL9gEk8vqGhcthrNKlRrckYcWLLpjpxRO75Q7fBtRRuBWTvEQuW2skMAozIO0HWRRkGZBmHVjCjNNgK/szhB3tE/fKwsLsqA0zpYEcZR3MUwDjEQ3jUUOqbOPpLLLkHzen1Wa0BHmedVwNoWCo2AegkbTVHzOBgim1h5H/4bjsKw1xwMceVdhpZ07dqH4OByA/ohWFmO2IEr2dUmEee8RGBj2Z9KWwx0FExDgI07Lzz2NxJZg68HihCyGNqsluVc4j5paOWhXZ5mfEUMOD20otUC9OfeQtqS+5LbdulX1n4dD9VNUmrSzrJNEEQ/CTtiNQ4juacJSmonIuiMUPOKdGLIoAhABAV22qEcEjUstOVFyu0u9UtWT4mlQcacmblc6Ey5azyeXnpJIl7mhufxXVLOCqhFPW8SjOMU45EGed0QMaZ49eIPvk8c7iRo0P53v4BTVKoyf/lXXZeHHoGUz1jzkR1CxnNL+QC4vvrMb7Ag3NF3YtZrYe7f8VEua6bjmIowPWaKh9pg7FPGS1fqMtT1m8KrakABRNOOmdwra3r5SzceNUp9d+3wttdlctP9CjHSPyZaIMMnzPEQRYxzwqB2I6IV8igcoJFyKwcy2sCoNyeOvnqy/xtTM1SQMBQ/zbhzHAvKIJ0kIr3P1pc/Vp1Tq6wD7nQHmZ9gVOWyC9H/kFmVtTQUc96FAT0nVpJTo40gMUAjXE7/W7rkjifimJcegalez/5tiPgl1SeYKH9jg/rGYL8tX9wM96E2N+A0AAA==&quot;"/>
-    <we:property name="bookmark" value="&quot;H4sIAAAAAAAAA+1X207cMBD9FeSXvqyqOJfdDW9lQaoqqFCpeKkQmtiziyEbp7az3S3ie9r3fgI/1rG9lMtSqgoqaMtTEs/EM+fM8YlyyqSybQ2LtzBFts5eSYPnX2BNvlCNQ3P+1a5x1mNNjKZVWlSFyFOUZcaHfewLQVHdOqUby9ZPmQMzQbevbAe135IWPxz0GNT1Lkz80xhqiz3WorG6gVp9xphMIWc6POsxnLe1NuC33HPg0G87o3R6phb4y4wqgnBqhnsoXFyFAsa8SgZpUmbJoEx4OcwpzcaE0NmtKX7rUH6kGweqoTJ+rUjyrBoiHySYyeEglxUM/PpY1W6ZUi225q0hdIR50UbqZtAIlCxAMGhjx6dsB8F2JuDYuhbY050R+A7HIdQ45Ra0zwY0J4c7YE7QqWbCzoiSXaOJsBB9DxYOt+bK6cPtGqYgIWQc6U8jg8SWZOvJ2QGtWHq5XpJ7ifN97FWA8X3q6pgY8njoBW0kmo1FgLSpzAW3ae9G138eDvVPWYMiLct+kWUi4X0+zDlkdwxhqdBClsMxSpGJfg5llgHIhIAuRzQigibaKEGU3JzSSNfdtHkYVMKrSbiVyfCz3uPJZVQrpDMdadb/impWUEXxpDIf5wPMuUiqqi9zGFTlL0/wXfJ4rdCAEUeLbZxhvQrjR3w1dNH4PhgVbS1AvgcVS7MOGwp1/o1dY0d60/RpV3pib/ztx06RteOaz7AhZYmGxmNvUcRTVusj9nYf4607SwJEGe1mdATG3TxS8eNGpY+vfL6W2owH7b8QI51jWiskL6qq4ihzzBORpYnMnsineAelggsx2PkmttqSPP5qZ/05puirBedS8GqY57mEKhNFweHZV5+6rz6kUp8N7HcMLHjYJTlsivR/5G9052wLAnehwUBJG0sqDHkkBmikn0m4N/66rYj4OJJ9qDvfc/ibYqFMqPYdgBiy388NAAA=&quot;"/>
     <we:property name="datasetId" value="&quot;746d61e6-386b-426d-bacc-967e57730bba&quot;"/>
     <we:property name="embedUrl" value="&quot;/reportEmbed?reportId=0291a0b9-e473-4f76-84fa-242acbf3fdfe&amp;config=eyJjbHVzdGVyVXJsIjoiaHR0cHM6Ly9XQUJJLU5PUlRILUVVUk9QRS1HLVBSSU1BUlktcmVkaXJlY3QuYW5hbHlzaXMud2luZG93cy5uZXQiLCJlbWJlZEZlYXR1cmVzIjp7InVzYWdlTWV0cmljc1ZOZXh0Ijp0cnVlfX0%3D&amp;disableSensitivityBanner=true&quot;"/>
-    <we:property name="backgroundColor" value="&quot;#FFFFFF&quot;"/>
+    <we:property name="initialStateBookmark" value="&quot;H4sIAAAAAAAAA+1XzU7bQBB+FbSXXqLKju045gYhUlUIIEBcKhSNdydh6cZ2d9dpUpTnae99BF6ss+tQfkJBFVTQlpPXM7M7833z7Vg+Z0KaSsF8FybI1tmG0HjxFdbEG1lY1BffzFrIWqxovJt7e9uDjYPt4e7GoE/msrKyLAxbP2cW9BjtsTQ1KHcWGT+ctBgotQ9j9zYCZbDFKtSmLEDJL9gEk8vqGhcthrNKlRrckYcWLLpjpxRO75Q7fBtRRuBWTvEQuW2skMAozIO0HWRRkGZBmHVjCjNNgK/szhB3tE/fKwsLsqA0zpYEcZR3MUwDjEQ3jUUOqbOPpLLLkHzen1Wa0BHmedVwNoWCo2AegkbTVHzOBgim1h5H/4bjsKw1xwMceVdhpZ07dqH4OByA/ohWFmO2IEr2dUmEee8RGBj2Z9KWwx0FExDgI07Lzz2NxJZg68HihCyGNqsluVc4j5paOWhXZ5mfEUMOD20otUC9OfeQtqS+5LbdulX1n4dD9VNUmrSzrJNEEQ/CTtiNQ4juacJSmonIuiMUPOKdGLIoAhABAV22qEcEjUstOVFyu0u9UtWT4mlQcacmblc6Ey5azyeXnpJIl7mhufxXVLOCqhFPW8SjOMU45EGed0QMaZ49eIPvk8c7iRo0P53v4BTVKoyf/lXXZeHHoGUz1jzkR1CxnNL+QC4vvrMb7Ag3NF3YtZrYe7f8VEua6bjmIowPWaKh9pg7FPGS1fqMtT1m8KrakABRNOOmdwra3r5SzceNUp9d+3wttdlctP9CjHSPyZaIMMnzPEQRYxzwqB2I6IV8igcoJFyKwcy2sCoNyeOvnqy/xtTM1SQMBQ/zbhzHAvKIJ0kIr3P1pc/Vp1Tq6wD7nQHmZ9gVOWyC9H/kFmVtTQUc96FAT0nVpJTo40gMUAjXE7/W7rkjifimJcegalez/5tiPgl1SeYKH9jg/rGYL8tX9wM96E2N+A0AAA==&quot;"/>
+    <we:property name="isFiltersActionButtonVisible" value="true"/>
+    <we:property name="isFooterCollapsed" value="true"/>
+    <we:property name="isVisualContainerHeaderHidden" value="false"/>
+    <we:property name="pageDisplayName" value="&quot;ANÁLISIS 2&quot;"/>
+    <we:property name="pageName" value="&quot;a5af1b07209307901984&quot;"/>
+    <we:property name="reportEmbeddedTime" value="&quot;2024-10-30T11:35:03.869Z&quot;"/>
+    <we:property name="reportName" value="&quot;S4_Marketing_P&quot;"/>
+    <we:property name="reportState" value="&quot;CONNECTED&quot;"/>
+    <we:property name="reportUrl" value="&quot;/groups/me/reports/0291a0b9-e473-4f76-84fa-242acbf3fdfe/a5af1b07209307901984?fromEntryPoint=export&quot;"/>
+  </we:properties>
+  <we:bindings/>
+  <we:snapshot xmlns:r="http://schemas.openxmlformats.org/officeDocument/2006/relationships"/>
+</we:webextension>
+</file>
+
+<file path=ppt/webextensions/webextension4.xml><?xml version="1.0" encoding="utf-8"?>
+<we:webextension xmlns:we="http://schemas.microsoft.com/office/webextensions/webextension/2010/11" id="{a02deacd-16fd-4bd5-ab80-09720709b459}">
+  <we:reference id="WA200003233" version="2.0.0.3" store="es-ES" storeType="OMEX"/>
+  <we:alternateReferences/>
+  <we:properties>
+    <we:property name="Microsoft.Office.CampaignId" value="&quot;none&quot;"/>
+    <we:property name="artifactViewState" value="&quot;live&quot;"/>
+    <we:property name="backgroundColor" value="&quot;#F2F2F2&quot;"/>
+    <we:property name="bookmark" value="&quot;H4sIAAAAAAAAA91VzW4aMRB+FeRLL6jiH5JbuqWqKqhQibhUCM3aw+LE2FvbS6ERz9Pe+wi8WMfeTUsEpYdWPWQva8+MPd98Hn9+YEK6XMHuPayRXbMbYfHwFWrihdQe7eGbqzVZnenSy/tN3hapQIGIA2wg55y8JvfSaMeuH5gHm6GfSVeACluS8SNbDrp90Uu7rXaj1+j0+p2wbF5noNQEshCzBOWwznK0zmhQ8guWW5DL2wL3dYbbXBkLIdHUg8eQbEPhNCdgzZdtwgHcyw1OkfvS2uhg2hl0+q1mt5G2B62rKwzFuDIg4j0bEraO6ROjPUhNaYLtbBnBLpWvQtLdcJtbqpmY2OUloRvQHAWLJVh0JeIHdpNlFjPw1XT4xJkYVazP2KemsBw/4DK6tJd+Rzlegb5fjMHeo5c6Y3uia2INkRm9HNY5yExH+5tCV+w0wnRlPicWiU4RDPU/ox4juMLiv0F2Cw4Ww630ZjFSsAYB7BKohEyZsZKDOsH1VqIFy1e7EW5QncL76T91PQKagZVlf8VS/qLE6i7FDbk8fGdPqhahe0PYESb2Lgw/FZJuHtZChIshVTVEu7tIzW/P65nz8lpebpn/08djFBIWVTdfaOU5WRytV5W6/RKa2xKuIq1JVOFITlCUGpCYdWqSFVgfhDa9I+0KSrN/VDuCcXekZ9Ud2UUJeuaHX16K+T5+x+SwNdIrFAam8C4HjhPQGCnJy5QSYxz1BGgRDieObfiPJLFfns0MVBEwx9eJxTQx2w9ZYH5xNQcAAA==&quot;"/>
+    <we:property name="creatorSessionId" value="&quot;8586d26d-8929-4c2a-9349-c68660ce0db9&quot;"/>
+    <we:property name="creatorTenantId" value="&quot;aec762e4-3d54-495e-a8fe-4287dce6fe69&quot;"/>
+    <we:property name="creatorUserId" value="&quot;10032001F803F05B&quot;"/>
+    <we:property name="datasetId" value="&quot;746d61e6-386b-426d-bacc-967e57730bba&quot;"/>
+    <we:property name="embedUrl" value="&quot;/reportEmbed?reportId=0291a0b9-e473-4f76-84fa-242acbf3fdfe&amp;config=eyJjbHVzdGVyVXJsIjoiaHR0cHM6Ly9XQUJJLU5PUlRILUVVUk9QRS1HLVBSSU1BUlktcmVkaXJlY3QuYW5hbHlzaXMud2luZG93cy5uZXQiLCJlbWJlZEZlYXR1cmVzIjp7InVzYWdlTWV0cmljc1ZOZXh0Ijp0cnVlfX0%3D&amp;disableSensitivityBanner=true&quot;"/>
+    <we:property name="initialStateBookmark" value="&quot;H4sIAAAAAAAAA91VzXLaMBB+FUaXXpgO/5DcqEun00DChAyXDsOs7cUokSVXkikuw/O09z4CL9aV7LRkoMmhPcUXS9+utd9+2l3vWMxNJqC4hhTZJRvGGg/foRa/4dKiPvwwtSarM1la393cXE2Gt1fL6+FkRLDKLFfSsMsds6ATtHNuchDuLAI/L+oMhJhC4nYrEAbrLENtlATBv2HpTCarc9zXGW4zoTS4I2cWLLpjN+ROe4rdfNumiBBZvsEZRrZEGx0MO4NOv9XsNsL2oHVxgY6vKR08s7Mu7mgfPlDSApcUxmGrQbcf98Juq93oNTq9fieKIo9zYSuXsBhtM03ZUc5FVmq2ARlhzHwKGk3JeMeGSaIxAVttR0+MgRJ5egafqVxHeIsrb5KW28IpD/JhOQH9gJbLhO1JrqlWJKa3RpBmwBPp8Q+5rNRpuO1afQ00kpyxA+ovs54gmFzj/2F2BwaWoy23ajkWkEIM7DlSAUGJ0jwCccLrI0cNOloXY9ygOKX3235qeiQ0B83L+vKp/EOKVbv4AyN++MmeZB276nVuR5zYJ7f8knNqLqw5D+NdqmxIdvOsNH+9r1euy3t+rmQWhBgKKqop8qeh70q5BPV0IHJDbYtx2WuBSkMVrEFbN7rCe5oRrqP3j1OFiN4fzY2qFgvf6q9c5LL4Fnv/HIvDUqS57hYqtyaDCKcg0UuSlSE5ej+qSZCxuxy/1u495qR+eTdzELnj7P8CzAeh6+KhwBc+cP8G5ml5dr8A9YgL+bAGAAA=&quot;"/>
+    <we:property name="isFiltersActionButtonVisible" value="true"/>
+    <we:property name="isVisualContainerHeaderHidden" value="false"/>
+    <we:property name="pageDisplayName" value="&quot;CONCLUSIONES&quot;"/>
+    <we:property name="pageName" value="&quot;04eb48472150b38299e1&quot;"/>
+    <we:property name="reportEmbeddedTime" value="&quot;2024-10-31T11:50:18.525Z&quot;"/>
+    <we:property name="reportName" value="&quot;S4_Marketing_P&quot;"/>
+    <we:property name="reportState" value="&quot;CONNECTED&quot;"/>
+    <we:property name="reportUrl" value="&quot;/groups/me/reports/0291a0b9-e473-4f76-84fa-242acbf3fdfe/04eb48472150b38299e1?fromEntryPoint=export&quot;"/>
+    <we:property name="isFooterCollapsed" value="true"/>
   </we:properties>
   <we:bindings/>
   <we:snapshot xmlns:r="http://schemas.openxmlformats.org/officeDocument/2006/relationships"/>

--- a/Equip_B/results/S4_Presentacion_Marketing.pptx
+++ b/Equip_B/results/S4_Presentacion_Marketing.pptx
@@ -250,7 +250,7 @@
             <a:pPr rtl="0"/>
             <a:fld id="{75725A15-8D86-497D-8EAD-2EB1176C54F6}" type="datetime1">
               <a:rPr lang="es-ES" smtClean="0"/>
-              <a:t>31/10/2024</a:t>
+              <a:t>03/11/2024</a:t>
             </a:fld>
             <a:endParaRPr lang="es-ES"/>
           </a:p>
@@ -432,7 +432,7 @@
             <a:fld id="{B958D509-07EE-4A09-900B-403023880868}" type="datetime1">
               <a:rPr lang="es-ES" smtClean="0"/>
               <a:pPr/>
-              <a:t>31/10/2024</a:t>
+              <a:t>03/11/2024</a:t>
             </a:fld>
             <a:endParaRPr lang="es-ES" dirty="0"/>
           </a:p>
@@ -3775,7 +3775,7 @@
           <a:p>
             <a:fld id="{37A2730A-859E-B540-ADF3-E97069AD1FDB}" type="datetimeFigureOut">
               <a:rPr lang="en-US" smtClean="0"/>
-              <a:t>10/31/2024</a:t>
+              <a:t>11/3/2024</a:t>
             </a:fld>
             <a:endParaRPr lang="en-US"/>
           </a:p>
@@ -8129,7 +8129,7 @@
                   <a:schemeClr val="accent2"/>
                 </a:solidFill>
               </a:rPr>
-              <a:t>31/10/2024</a:t>
+              <a:t>03/11/2024</a:t>
             </a:fld>
             <a:endParaRPr lang="es-ES" sz="1100" noProof="0" dirty="0">
               <a:solidFill>
@@ -9632,10 +9632,10 @@
       </p:sp>
       <p:sp>
         <p:nvSpPr>
-          <p:cNvPr id="8" name="QuadreDeText 16">
-            <a:extLst>
-              <a:ext uri="{FF2B5EF4-FFF2-40B4-BE49-F238E27FC236}">
-                <a16:creationId xmlns:a16="http://schemas.microsoft.com/office/drawing/2014/main" id="{5E04916C-4252-54E3-0212-ABCCE6756CEC}"/>
+          <p:cNvPr id="9" name="QuadreDeText 16">
+            <a:extLst>
+              <a:ext uri="{FF2B5EF4-FFF2-40B4-BE49-F238E27FC236}">
+                <a16:creationId xmlns:a16="http://schemas.microsoft.com/office/drawing/2014/main" id="{963C19EA-D5B7-8DD6-C402-703E229DE18F}"/>
               </a:ext>
             </a:extLst>
           </p:cNvPr>
@@ -9644,68 +9644,7 @@
         </p:nvSpPr>
         <p:spPr>
           <a:xfrm>
-            <a:off x="9463861" y="4719814"/>
-            <a:ext cx="1569604" cy="1739741"/>
-          </a:xfrm>
-          <a:prstGeom prst="roundRect">
-            <a:avLst/>
-          </a:prstGeom>
-          <a:solidFill>
-            <a:schemeClr val="accent5">
-              <a:lumMod val="25000"/>
-              <a:lumOff val="75000"/>
-            </a:schemeClr>
-          </a:solidFill>
-          <a:ln>
-            <a:solidFill>
-              <a:schemeClr val="bg1"/>
-            </a:solidFill>
-          </a:ln>
-        </p:spPr>
-        <p:txBody>
-          <a:bodyPr wrap="square">
-            <a:spAutoFit/>
-          </a:bodyPr>
-          <a:lstStyle/>
-          <a:p>
-            <a:pPr marL="285750" indent="-285750">
-              <a:buFont typeface="Wingdings" panose="05000000000000000000" pitchFamily="2" charset="2"/>
-              <a:buChar char="§"/>
-            </a:pPr>
-            <a:r>
-              <a:rPr lang="es-ES" sz="1400" dirty="0"/>
-              <a:t>La </a:t>
-            </a:r>
-            <a:r>
-              <a:rPr lang="es-ES" sz="1400" b="1" dirty="0"/>
-              <a:t>distribución</a:t>
-            </a:r>
-            <a:r>
-              <a:rPr lang="es-ES" sz="1400" dirty="0"/>
-              <a:t> de Depósitos en clientes Llamados está </a:t>
-            </a:r>
-            <a:r>
-              <a:rPr lang="es-ES" sz="1400" b="1" dirty="0"/>
-              <a:t>muy igualada</a:t>
-            </a:r>
-          </a:p>
-        </p:txBody>
-      </p:sp>
-      <p:sp>
-        <p:nvSpPr>
-          <p:cNvPr id="9" name="QuadreDeText 16">
-            <a:extLst>
-              <a:ext uri="{FF2B5EF4-FFF2-40B4-BE49-F238E27FC236}">
-                <a16:creationId xmlns:a16="http://schemas.microsoft.com/office/drawing/2014/main" id="{963C19EA-D5B7-8DD6-C402-703E229DE18F}"/>
-              </a:ext>
-            </a:extLst>
-          </p:cNvPr>
-          <p:cNvSpPr txBox="1"/>
-          <p:nvPr/>
-        </p:nvSpPr>
-        <p:spPr>
-          <a:xfrm>
-            <a:off x="2728139" y="4927221"/>
+            <a:off x="2841831" y="4384780"/>
             <a:ext cx="2913244" cy="1532334"/>
           </a:xfrm>
           <a:prstGeom prst="roundRect">
@@ -9833,6 +9772,67 @@
           <a:p>
             <a:pPr algn="ctr"/>
             <a:endParaRPr lang="ca-ES"/>
+          </a:p>
+        </p:txBody>
+      </p:sp>
+      <p:sp>
+        <p:nvSpPr>
+          <p:cNvPr id="8" name="QuadreDeText 16">
+            <a:extLst>
+              <a:ext uri="{FF2B5EF4-FFF2-40B4-BE49-F238E27FC236}">
+                <a16:creationId xmlns:a16="http://schemas.microsoft.com/office/drawing/2014/main" id="{5E04916C-4252-54E3-0212-ABCCE6756CEC}"/>
+              </a:ext>
+            </a:extLst>
+          </p:cNvPr>
+          <p:cNvSpPr txBox="1"/>
+          <p:nvPr/>
+        </p:nvSpPr>
+        <p:spPr>
+          <a:xfrm>
+            <a:off x="9912485" y="4176133"/>
+            <a:ext cx="1569604" cy="1739741"/>
+          </a:xfrm>
+          <a:prstGeom prst="roundRect">
+            <a:avLst/>
+          </a:prstGeom>
+          <a:solidFill>
+            <a:schemeClr val="accent5">
+              <a:lumMod val="25000"/>
+              <a:lumOff val="75000"/>
+            </a:schemeClr>
+          </a:solidFill>
+          <a:ln>
+            <a:solidFill>
+              <a:schemeClr val="bg1"/>
+            </a:solidFill>
+          </a:ln>
+        </p:spPr>
+        <p:txBody>
+          <a:bodyPr wrap="square">
+            <a:spAutoFit/>
+          </a:bodyPr>
+          <a:lstStyle/>
+          <a:p>
+            <a:pPr marL="285750" indent="-285750">
+              <a:buFont typeface="Wingdings" panose="05000000000000000000" pitchFamily="2" charset="2"/>
+              <a:buChar char="§"/>
+            </a:pPr>
+            <a:r>
+              <a:rPr lang="es-ES" sz="1400" dirty="0"/>
+              <a:t>La </a:t>
+            </a:r>
+            <a:r>
+              <a:rPr lang="es-ES" sz="1400" b="1" dirty="0"/>
+              <a:t>distribución</a:t>
+            </a:r>
+            <a:r>
+              <a:rPr lang="es-ES" sz="1400" dirty="0"/>
+              <a:t> de Depósitos en clientes Llamados está </a:t>
+            </a:r>
+            <a:r>
+              <a:rPr lang="es-ES" sz="1400" b="1" dirty="0"/>
+              <a:t>muy igualada</a:t>
+            </a:r>
           </a:p>
         </p:txBody>
       </p:sp>
@@ -12849,7 +12849,7 @@
     <we:property name="Microsoft.Office.CampaignId" value="&quot;none&quot;"/>
     <we:property name="artifactViewState" value="&quot;live&quot;"/>
     <we:property name="backgroundColor" value="&quot;#F2F2F2&quot;"/>
-    <we:property name="bookmark" value="&quot;H4sIAAAAAAAAA+VVTU8bMRD9K8iXXlbVJpsPyI2kVFUFFSpVLhVCY3uyGBx7a3tTUpTfQ+/9CfljHXs3hZJI0ENVpJ7WfvMy82b8HN8yqXylYfkB5shG7FA6XN/BnnylTEC3/u73OixjpolKxC7MunlRdPgAD+hbcIraKihrPBvdsgCuxDBVvgYdUxL4+TxjoPUplHE3A+0xYxU6bw1o9Q0bMoWCq3GVMbyptHUQU54FCBjTLohOe5LQeV1QRRBBLfAMRWjQ/SHvdWdFMUTeyWXOB8MBEM03hKRsJyWmTuUn1gRQhspErCt6fCblUOadbs4Lsd/jecRnSoeWwpdHN5Wj7qjnZRWHMyGtpXVKgGapC4e+EX3L3il04MTl8hgXqCNytDu+HTp1loYVllNwqhmKrZ3AbWKDf8RZCpmgAmVjYzDXFyfgrjEoU7IVDbg96pRQqPUPUrspEs84jjzSHmhi7+PyS63IGLgXGT5R2m7YSbu/tF8nDiks2ShfZb9GcygXYAShj+dyWJYOSwjt9veGJlbX8x34sxt90JWAeQWqNAl/W5vWOPnLVq3kI739bb3nhHj6rW4v0r2nPzVtCF17ci3KMbjJJbgQbyy/oqsRjbzaXCYqe/XgurRuXiaH/xf2PV9FrNjvyQ72OQrBZX/Qk70DfPLq/3unSKysV+HC2Dl3+LRrsmf9bf1lhX9oZGlNHXY62DqJbtx49Y1ym2ehmz3S/WKOI5ktovdtsDnS0xkXtg6+AoGnYDC1VDWJFSYeHREYGWeW1i5+jxWZsxnZFHQdp5UeWpbKpGI/ATdJS1zqBwAA&quot;"/>
+    <we:property name="bookmark" value="&quot;H4sIAAAAAAAAA+VVwW4TMRD9lcoXLiu0m2yTkFsbihBqUURRLqiqxvZk49axF9sbGqp8D9z5hPwYY++WljZSywFRidPab15m3oyf42smla81rN/DEtmYHUiH22+wJ18oE9Btv/u9gmXMtNFC8GJelLnsl7wYlYOcvhS1dVDWeDa+ZgFchWGmfAM6piTw01nGQOspVHE3B+0xYzU6bw1o9RVbMoWCa3CTMbyqtXUQU54GCBjTrohO+yjhZZ8qgghqhacoQouOhrzszfv9IfIilzkfDAdANN8SkrKdlJg6lZ9YE0AZKhOxnij5XMqhzItezvtiVPI84nOlQ0fh66Or2lF31PO6jsOZkNbKOiVAs9SFQ9+KvmZvFTpwYrE+xhXqiBztjj8MTZ2lYYX1DJxqh2IbJ/AhscU/4DyFTFCBsrFDMJfnJ+AuMShTsQ0NuDvqlFCo7Q9Se1OEYBlHHml3NLF3cfm5UWQM3IsMnyhdN+yk2y/sl4lDCks2zjfZr9EcyBUYQej9uRxUlcMKQrf9vaGJ1c1yB/7kRu90JWBZg6pMwt80pjNO/rxVK3lP7/5DvWeEePqt7i7Srac/tm0I3XhyLcpDcJMFuBBvLL+gqxGNvLm5TFT24s516dy8Tg7/L+x7tolYf1TKAvc5CsHl/qCU5St89Or/e6dIrK1X4dzYJXf4uGuyJ/1t/WWFf2hkaU0TdjrYOonusPXqa+VunoVedk/3szmOZLaI3rbBlkhPZ1zYJvgaBE7BYGqpbhMrTDw6IjAyziytXfweKzJnO7IZ6CZOKz20LJVJxX4CWT4a+OoHAAA=&quot;"/>
     <we:property name="creatorSessionId" value="&quot;62b41dc1-11db-451b-85a1-63ef87e73882&quot;"/>
     <we:property name="creatorTenantId" value="&quot;aec762e4-3d54-495e-a8fe-4287dce6fe69&quot;"/>
     <we:property name="creatorUserId" value="&quot;10032001F803F05B&quot;"/>
@@ -12879,7 +12879,7 @@
     <we:property name="Microsoft.Office.CampaignId" value="&quot;none&quot;"/>
     <we:property name="artifactViewState" value="&quot;live&quot;"/>
     <we:property name="backgroundColor" value="&quot;#F2F2F2&quot;"/>
-    <we:property name="bookmark" value="&quot;H4sIAAAAAAAAA+1WXW/TMBT9K5VfeKlQ0iVd2rdSDSG0oYqhvqAK3do3qTfXCbZTFqr+HvbOT+gf49rJWKEV4oEHpE2qVPvco/txfGxly4S0lYLmHayRjdlEGNx/g554IbVDs7+3vZj1mW6jg4Tng5gPRwBLHiccM5FStKycLLVl4y1zYAp0c2lrUD4lgR8XfQZKzaDwuxyUxT6r0NhSg5JfsSVTyJkad32Gd5UqDfiU1w4c+rQbotOeWohfnlFF4E5u8Bq5a9FzMUoHUXo24hkfxXECKUREsy0hdHaS4lOH8tNSO5CayngsgjjLRZ5lMEiyRIyGw2Hq8Vwq11GWzcVdZWg6mrmpvDhT6rUojeSgWJjCoG2b3rI3Eg0YvmoucYPKIxen48ehmSlJLNfMwchWlLI2HI+JLf4e8xDSTjrKxl6Bvv10BeYWndQF25HA3VGHhFzuv1O3D0UIFl5yTzvoib31y8+1JGNgzzNsoHTTsKtuvyq/TA1SWLBxtOv/lGYiNqA5ob/rMikKgwW4bvvrQNNS1esT+F8PejgVVqWVLsCva935JjpuekGIpQSq8+WjRT60syzBTFdgnPf98oYM5u2we7Aklbw5MF3niSb45EmYYLHzWIoDoF+UxRyi8xjEMEmeL9CTuED/U9Mc1hXIQv+Da89Vbcm6KNr+np+APz8B4RV4FIetkb4L/KKsna2A4ww0BkmqtqTEwCOjgBb+TMLa+P9LScK3RzIHVfuew1cEC2VCtR+8mqoaxwgAAA==&quot;"/>
+    <we:property name="bookmark" value="&quot;H4sIAAAAAAAAA+1Wy4rbMBT9laBNN6HYiZ042aVhSikzJXRKNiWUa+nGoxlFdiU5HTfke9p9PyE/1ivZ00lJKF10UZiBQKRzD/dxdCS8Y0LaSkHzDjbIpmwmDB6+QU+8kNqhOXy3vZj1mW6jWcqjPIY0y/NonAzjhA8ERcvKyVJbNt0xB6ZAt5S2BuVTEvhx1Weg1AIKv1uDsthnFRpbalDyK7ZkCjlT477P8L5SpQGf8tqBQ592S3TaUwvxyyFVBO7kFq+RuxYdi0k6iNLhhGd8EscJpBARzbaE0NlZik8dys9L7UBqKuOxCOJsLdZZBoMkS8RkNBqlHl9L5TpK3lzcV4amo5mbyoszp16L0kgOioUpDNq26R17I9GA4TfNJW5ReeTifPw0tDAlieWaJRjZilLWhuMpscXf4zqEtJOOsrFXoO8+XYG5Qyd1wfYkcHfUISGXhx/U7UMRgoWX3NOOemJv/fJzLckY2PMMGyjdNOyq29+UX+YGKSzYNNr3f0kzE1vQHMWJLrOiMFiA67a/DzQvVb05g//1oMdTYVVa6QL8utadb6LTpleEWEqgOl8+WuRDO0sOZn4Dxnnf57dkMG+H/YMlqeTtkek6TzTBJ0/CBKu9x1IcAP2iLOYQjWMQoyR5vkBP4gL9T01z2FQgC/0Prj1XtSXromj7e34C/vwEhFfgURy2Qfou8IuydrYCjgvQGCSp2pISA4+MAlr4Mwlr4/8vJQnfHskSVO17Dl8RLJQJ1X4CZDFbYMcIAAA=&quot;"/>
     <we:property name="creatorSessionId" value="&quot;64f68b58-b350-4f25-a152-2e59f57578c0&quot;"/>
     <we:property name="creatorTenantId" value="&quot;aec762e4-3d54-495e-a8fe-4287dce6fe69&quot;"/>
     <we:property name="creatorUserId" value="&quot;10032001F803F05B&quot;"/>
@@ -12888,6 +12888,7 @@
     <we:property name="embedUrl" value="&quot;/reportEmbed?reportId=0291a0b9-e473-4f76-84fa-242acbf3fdfe&amp;config=eyJjbHVzdGVyVXJsIjoiaHR0cHM6Ly9XQUJJLU5PUlRILUVVUk9QRS1HLVBSSU1BUlktcmVkaXJlY3QuYW5hbHlzaXMud2luZG93cy5uZXQiLCJlbWJlZEZlYXR1cmVzIjp7InVzYWdlTWV0cmljc1ZOZXh0Ijp0cnVlfX0%3D&amp;disableSensitivityBanner=true&quot;"/>
     <we:property name="initialStateBookmark" value="&quot;H4sIAAAAAAAAA+1WzW4aMRB+FeRLL6jaJSxZuNEVVdWEBIWKS4WiwTssTox3a3tpKOJ50nsfgRfr2Lv5QaSiUi+RGgkJz8/OfPP5s+UNS4UpJKwvYImsx/qpxt09NNJ3QlnUu5+mEbImU1X0w+Xl2bB/dXZ90R8OyJ0XVuTKsN6GWdAZ2okwJUhXi5xfp00GUo4gc9YcpMEmK1CbXIEUP7BKppDVJW6bDO8KmWtwJccWLLqyK0onm3qH70+oI3ArVjhGbivvadqNWkF00uUx74ZhGyIIKM1UCR7ZiymutG+f5MqCUNTG+QII43k6j2NoteN22u10OpHzz4W0dcpsPbgrNE1HM6+LirMVKI4p8yNoNBXiDetnmcYMbG0O9oJJLsvlC/5xXmqOVzj3IWWFXTvmQd1eD0HfohUqY1uia6RzItNHUyxyI6x3fyxVTU7kzEX+PdFIbKasF2ybj6ATcmW5FhzkAe5PAjVovlif4wrlIcTH+GHoAdQEtKh20o/zD2PWwvQFudj9YvuTO524tGeY2Ge3/FYKkjE2XIbxKfU0bFjb+9RMyWOoqax1+SSRLxVj3G9YsgBtnfRnN6Qxp4jtgyoJ1s0z3dUMr71U/gtKp1vni7AF9AvikENwGkLaabePnqE3Of7xpL7W6yV43aA5LAsQmTqO+vjJl6Uh6WKavF0Bf3EF+FvgiRy2RHoauEVeWlMAxxEo9JQUVUuBPo+EAip1e+LX2v2fCyK+2pIJyNJh9g8J5pvQLomZxCMfuOcF87A8ut+U7tru8wgAAA==&quot;"/>
     <we:property name="isFiltersActionButtonVisible" value="true"/>
+    <we:property name="isFooterCollapsed" value="true"/>
     <we:property name="isVisualContainerHeaderHidden" value="false"/>
     <we:property name="pageDisplayName" value="&quot;ANÁLISIS&quot;"/>
     <we:property name="pageName" value="&quot;7d9520539c8c9114a5a0&quot;"/>
@@ -12895,7 +12896,6 @@
     <we:property name="reportName" value="&quot;S4_Marketing_P&quot;"/>
     <we:property name="reportState" value="&quot;CONNECTED&quot;"/>
     <we:property name="reportUrl" value="&quot;/groups/me/reports/0291a0b9-e473-4f76-84fa-242acbf3fdfe/7d9520539c8c9114a5a0?fromEntryPoint=export&quot;"/>
-    <we:property name="isFooterCollapsed" value="true"/>
   </we:properties>
   <we:bindings/>
   <we:snapshot xmlns:r="http://schemas.openxmlformats.org/officeDocument/2006/relationships"/>
@@ -12910,7 +12910,7 @@
     <we:property name="Microsoft.Office.CampaignId" value="&quot;none&quot;"/>
     <we:property name="artifactViewState" value="&quot;live&quot;"/>
     <we:property name="backgroundColor" value="&quot;#F2F2F2&quot;"/>
-    <we:property name="bookmark" value="&quot;H4sIAAAAAAAAA+1XwU7cMBD9FeRLL6sq3iSbDbcSkKoKKlQQlwqhiT27GLJxajvb3aL9nvbeT+DHOnaWAruUHqCCtpzieCb2vDfPz8oFk8o2FczfwwTZJnsjDV5+hQ35StUOzeU3u8FZj9VdNBskMIp4nCU5DPscxAAyiurGKV1btnnBHJgxuiNlW6j8kjT58bjHoKr2YezfRlBZ7LEGjdU1VOoLdskUcqbFRY/hrKm0Ab/kgQOHftkppdM7lcBfx7QjCKemeIDCdbOQwoiXUdaP8jjK8ojnw4TSbJcQKrszxS8dti907UDVtI2fS6MkLofIswhjOcwSWRJOmh+pyi1TyvnOrDGEjjDPm466KdQCJQsQDNqu4gu2h2BbE3Ds3Aoc6NYI/ICjEKqdcnNaZwvq85M9MOfoVD1mC6Jk32giLEQPwcLJzkw5fbJbwQQkhIxT/bkwSGxJthktjmnG0sfVktxrnIddrQKMr1OXZ8SQx0MfaCPRbM0DpG1lrrjt91aq/vNwqH7KytJ+ng/SOBYRH/BhwiG+pwlLhaYyH45QiliQVPM4BpARAV22qCCCxtooQZSsdqnQVTupHweV8GoSbq0zfNF7OrkUlUI60x3N+l9RzRqqTjx9mYySDBMuorIcyASyMv/tCb5PHm8VGjDidL6LU6zWYfyMr4euCj8CozpbC5AfQMXSrMOCQl1+Z7fYkd40fdqNmtg7P/zUKrJ23PAZNqQs0VB77B2KeM5qfcLaHmC8Fd0xRdVaEiHKznIKPSl1cQrGrZ6t7pajGs5u3GNLkXYn7r9QJR1omkslT8uy5CgTTCIR9yMZP5M7eQ+lgitV2Nk2NtqSTv5qi/01ps5gU86l4OUwSRIJZSzSlMOLwT53g31Mpa642IuB3WtgwcOuyWETpB8lP9Ctsw0I3IcaAyVNt6XCkEdigFr6noSx8c9dRcR3LTmCqvU1h98qFrYJu/0ANjrHSdgNAAA=&quot;"/>
+    <we:property name="bookmark" value="&quot;H4sIAAAAAAAAA+1XwU7cMBD9FeRLL6sq3iSbDbcSkKoKKlQQlwqhiT27GLJxajvb3aL9nvbeT+DHOnaWAruUHqCCtpzieCb2vDfPz8oFk8o2FczfwwTZJnsjDV5+hQ35StUOzeU3u8FZj9VdFPsDnkopU8CIA4/zKC4pqhundG3Z5gVzYMbojpRtofJL0uTH4x6DqtqHsX8bQWWxxxo0VtdQqS/YJVPImRYXPYazptIG/JIHDhz6ZaeUTu9UAn8d044gnJriAQrXzUIKI15GWT/K4yjLI54PE0qzXUKo7M4Uv3TYvtC1A1XTNn4ujZK4HCLPIozlMEtkCZmfH6nKLVPK+c6sMYSOMM+bjrop1AIlCxAM2q7iC7aHYFsTcOzcChzo1gj8gKMQqp1yc1pnC+rzkz0w5+hUPWYLomTfaCIsRA/BwsnOTDl9slvBBCSEjFP9uTBIbEm2GS2OacbSx9WS3Guch12tAoyvU5dnxJDHQx9oI9FszQOkbWWuuO33Vqr+83CofsrK0n6eD9I4FhEf8GHCIb6nCUuFpjIfjlCKWAwSyOMYQEYEdNmigggaa6MEUbLapUJX7aR+HFTCq0m4tc7wRe/p5FJUCulMdzTrf0U1a6g68fRlMkoyTLiIynIgE8jK/Lcn+D55vFVowIjT+S5OsVqH8TO+Hroq/AiM6mwtQH4AFUuzDgsKdfmd3WJHetP0aTdqYu/88FOryNpxw2fYkLJEQ+2xdyjiOav1CWt7gPFWdMcUVWtJhCg7yyn0pNTFKRi3era6W45qOLtxjy1F2p24/0KVdKBpLpU8LcuSo0wwiUTcj2T8TO7kPZQKrlRhZ9vYaEs6+ast9teYOoNNOZeCl8MkSSSUsUhTDi8G+9wN9jGVuuJiLwZ2r4EFD7smh02QfpT8QLfONiBwH2oMlDTdlgpDHokBaul7EsbGP3cVEd+15Aiq1tccfqtY2Cbs9gOznkDE2A0AAA==&quot;"/>
     <we:property name="creatorSessionId" value="&quot;f9ce13d7-f350-47b8-a9c9-1532f3fe1965&quot;"/>
     <we:property name="creatorTenantId" value="&quot;aec762e4-3d54-495e-a8fe-4287dce6fe69&quot;"/>
     <we:property name="creatorUserId" value="&quot;10032001F803F05B&quot;"/>
@@ -12940,7 +12940,7 @@
     <we:property name="Microsoft.Office.CampaignId" value="&quot;none&quot;"/>
     <we:property name="artifactViewState" value="&quot;live&quot;"/>
     <we:property name="backgroundColor" value="&quot;#F2F2F2&quot;"/>
-    <we:property name="bookmark" value="&quot;H4sIAAAAAAAAA91VzW4aMRB+FeRLL6jiH5JbuqWqKqhQibhUCM3aw+LE2FvbS6ERz9Pe+wi8WMfeTUsEpYdWPWQva8+MPd98Hn9+YEK6XMHuPayRXbMbYfHwFWrihdQe7eGbqzVZnenSy/tN3hapQIGIA2wg55y8JvfSaMeuH5gHm6GfSVeACluS8SNbDrp90Uu7rXaj1+j0+p2wbF5noNQEshCzBOWwznK0zmhQ8guWW5DL2wL3dYbbXBkLIdHUg8eQbEPhNCdgzZdtwgHcyw1OkfvS2uhg2hl0+q1mt5G2B62rKwzFuDIg4j0bEraO6ROjPUhNaYLtbBnBLpWvQtLdcJtbqpmY2OUloRvQHAWLJVh0JeIHdpNlFjPw1XT4xJkYVazP2KemsBw/4DK6tJd+Rzlegb5fjMHeo5c6Y3uia2INkRm9HNY5yExH+5tCV+w0wnRlPicWiU4RDPU/ox4juMLiv0F2Cw4Ww630ZjFSsAYB7BKohEyZsZKDOsH1VqIFy1e7EW5QncL76T91PQKagZVlf8VS/qLE6i7FDbk8fGdPqhahe0PYESb2Lgw/FZJuHtZChIshVTVEu7tIzW/P65nz8lpebpn/08djFBIWVTdfaOU5WRytV5W6/RKa2xKuIq1JVOFITlCUGpCYdWqSFVgfhDa9I+0KSrN/VDuCcXekZ9Ud2UUJeuaHX16K+T5+x+SwNdIrFAam8C4HjhPQGCnJy5QSYxz1BGgRDieObfiPJLFfns0MVBEwx9eJxTQx2w9ZYH5xNQcAAA==&quot;"/>
+    <we:property name="bookmark" value="&quot;H4sIAAAAAAAAA91VzY7aMBB+FeRLL6jiJ/ztbZtSVRVUqKy4VAhNnCF419ip7VAo4nnaex+BF+vYybasoPTQqofNJfbMxPPN55kve5YKm0vYvYc1sht2mxo8foVa+kIoh+b4zdaarM5U6W01lxE2WoOoncAAgPex3SWvzp3QyrKbPXNgMnQzYQuQ/kgyfmTLfqeXdpNOq93oNqJuL+Kcs3mdgZQTyHzMEqTFOsvRWK1Aii9YHkEuZwo81Bluc6kN+ERTBw59sg2F056ANV+2CQdwJzY4Re5KayPCJOpHvVaz00ja/dZggL4YWwYEvBdD/NEhfayVA6EojbddLMPbhXRVSLIbbnNDNRMTu7wkdAOKY8pCCQZtiXjPbrPMYAau2g6fOGMti/UF+1QXhuMHXAaXcsLtKMcrUA+LMZgHdEJl7EB0TYwmMoOXwzoHkalgf1Ooip2G367059gg0Zl6Q/3PqMcItjD4b5DdgYXFcCucXowkrCEFdg1UTKZMG8FBnuF6K9CA4avdCDcoz+H99J+7HgHNwIiyv0Ipf1FiNUvhQC6O39mTqlPfvT7sBBN755efCkGThzUfYUNIVQ3Rbq9S89v7eua8vBbXW+b/9PEYUwGLqpuvtPKcLJa+l5W6/RKauxKuJK2JZWFJTjAtNSDW60THKzDOC21yT9rllebwqHYE4/5Ez6oZ2QUJeuaXXw7F/BCeU3LYGukv5Be6cDYHjhNQGCjJy5QCQxz1BKjUX05YG/8eCWK/vJsZyMJjDn8nFtKEbD8AhHLF/zUHAAA=&quot;"/>
     <we:property name="creatorSessionId" value="&quot;8586d26d-8929-4c2a-9349-c68660ce0db9&quot;"/>
     <we:property name="creatorTenantId" value="&quot;aec762e4-3d54-495e-a8fe-4287dce6fe69&quot;"/>
     <we:property name="creatorUserId" value="&quot;10032001F803F05B&quot;"/>
@@ -12948,6 +12948,7 @@
     <we:property name="embedUrl" value="&quot;/reportEmbed?reportId=0291a0b9-e473-4f76-84fa-242acbf3fdfe&amp;config=eyJjbHVzdGVyVXJsIjoiaHR0cHM6Ly9XQUJJLU5PUlRILUVVUk9QRS1HLVBSSU1BUlktcmVkaXJlY3QuYW5hbHlzaXMud2luZG93cy5uZXQiLCJlbWJlZEZlYXR1cmVzIjp7InVzYWdlTWV0cmljc1ZOZXh0Ijp0cnVlfX0%3D&amp;disableSensitivityBanner=true&quot;"/>
     <we:property name="initialStateBookmark" value="&quot;H4sIAAAAAAAAA91VzXLaMBB+FUaXXpgO/5DcqEun00DChAyXDsOs7cUokSVXkikuw/O09z4CL9aV7LRkoMmhPcUXS9+utd9+2l3vWMxNJqC4hhTZJRvGGg/foRa/4dKiPvwwtSarM1la393cXE2Gt1fL6+FkRLDKLFfSsMsds6ATtHNuchDuLAI/L+oMhJhC4nYrEAbrLENtlATBv2HpTCarc9zXGW4zoTS4I2cWLLpjN+ROe4rdfNumiBBZvsEZRrZEGx0MO4NOv9XsNsL2oHVxgY6vKR08s7Mu7mgfPlDSApcUxmGrQbcf98Juq93oNTq9fieKIo9zYSuXsBhtM03ZUc5FVmq2ARlhzHwKGk3JeMeGSaIxAVttR0+MgRJ5egafqVxHeIsrb5KW28IpD/JhOQH9gJbLhO1JrqlWJKa3RpBmwBPp8Q+5rNRpuO1afQ00kpyxA+ovs54gmFzj/2F2BwaWoy23ajkWkEIM7DlSAUGJ0jwCccLrI0cNOloXY9ygOKX3235qeiQ0B83L+vKp/EOKVbv4AyN++MmeZB276nVuR5zYJ7f8knNqLqw5D+NdqmxIdvOsNH+9r1euy3t+rmQWhBgKKqop8qeh70q5BPV0IHJDbYtx2WuBSkMVrEFbN7rCe5oRrqP3j1OFiN4fzY2qFgvf6q9c5LL4Fnv/HIvDUqS57hYqtyaDCKcg0UuSlSE5ej+qSZCxuxy/1u495qR+eTdzELnj7P8CzAeh6+KhwBc+cP8G5ml5dr8A9YgL+bAGAAA=&quot;"/>
     <we:property name="isFiltersActionButtonVisible" value="true"/>
+    <we:property name="isFooterCollapsed" value="true"/>
     <we:property name="isVisualContainerHeaderHidden" value="false"/>
     <we:property name="pageDisplayName" value="&quot;CONCLUSIONES&quot;"/>
     <we:property name="pageName" value="&quot;04eb48472150b38299e1&quot;"/>
@@ -12955,7 +12956,6 @@
     <we:property name="reportName" value="&quot;S4_Marketing_P&quot;"/>
     <we:property name="reportState" value="&quot;CONNECTED&quot;"/>
     <we:property name="reportUrl" value="&quot;/groups/me/reports/0291a0b9-e473-4f76-84fa-242acbf3fdfe/04eb48472150b38299e1?fromEntryPoint=export&quot;"/>
-    <we:property name="isFooterCollapsed" value="true"/>
   </we:properties>
   <we:bindings/>
   <we:snapshot xmlns:r="http://schemas.openxmlformats.org/officeDocument/2006/relationships"/>
@@ -12963,6 +12963,15 @@
 </file>
 
 <file path=customXml/item1.xml><?xml version="1.0" encoding="utf-8"?>
+<p:properties xmlns:p="http://schemas.microsoft.com/office/2006/metadata/properties" xmlns:xsi="http://www.w3.org/2001/XMLSchema-instance" xmlns:pc="http://schemas.microsoft.com/office/infopath/2007/PartnerControls">
+  <documentManagement>
+    <Status xmlns="71af3243-3dd4-4a8d-8c0d-dd76da1f02a5">Not started</Status>
+    <MediaServiceKeyPoints xmlns="71af3243-3dd4-4a8d-8c0d-dd76da1f02a5" xsi:nil="true"/>
+  </documentManagement>
+</p:properties>
+</file>
+
+<file path=customXml/item2.xml><?xml version="1.0" encoding="utf-8"?>
 <ct:contentTypeSchema xmlns:ct="http://schemas.microsoft.com/office/2006/metadata/contentType" xmlns:ma="http://schemas.microsoft.com/office/2006/metadata/properties/metaAttributes" ct:_="" ma:_="" ma:contentTypeName="Document" ma:contentTypeID="0x01010079F111ED35F8CC479449609E8A0923A6" ma:contentTypeVersion="12" ma:contentTypeDescription="Create a new document." ma:contentTypeScope="" ma:versionID="426e97fa315356fffbdcd9876fe988c2">
   <xsd:schema xmlns:xsd="http://www.w3.org/2001/XMLSchema" xmlns:xs="http://www.w3.org/2001/XMLSchema" xmlns:p="http://schemas.microsoft.com/office/2006/metadata/properties" xmlns:ns2="71af3243-3dd4-4a8d-8c0d-dd76da1f02a5" xmlns:ns3="16c05727-aa75-4e4a-9b5f-8a80a1165891" targetNamespace="http://schemas.microsoft.com/office/2006/metadata/properties" ma:root="true" ma:fieldsID="14b8f0def80e6d70ce3def20c90759ae" ns2:_="" ns3:_="">
     <xsd:import namespace="71af3243-3dd4-4a8d-8c0d-dd76da1f02a5"/>
@@ -13183,15 +13192,6 @@
 </ct:contentTypeSchema>
 </file>
 
-<file path=customXml/item2.xml><?xml version="1.0" encoding="utf-8"?>
-<p:properties xmlns:p="http://schemas.microsoft.com/office/2006/metadata/properties" xmlns:xsi="http://www.w3.org/2001/XMLSchema-instance" xmlns:pc="http://schemas.microsoft.com/office/infopath/2007/PartnerControls">
-  <documentManagement>
-    <Status xmlns="71af3243-3dd4-4a8d-8c0d-dd76da1f02a5">Not started</Status>
-    <MediaServiceKeyPoints xmlns="71af3243-3dd4-4a8d-8c0d-dd76da1f02a5" xsi:nil="true"/>
-  </documentManagement>
-</p:properties>
-</file>
-
 <file path=customXml/item3.xml><?xml version="1.0" encoding="utf-8"?>
 <?mso-contentType ?>
 <FormTemplates xmlns="http://schemas.microsoft.com/sharepoint/v3/contenttype/forms">
@@ -13202,6 +13202,16 @@
 </file>
 
 <file path=customXml/itemProps1.xml><?xml version="1.0" encoding="utf-8"?>
+<ds:datastoreItem xmlns:ds="http://schemas.openxmlformats.org/officeDocument/2006/customXml" ds:itemID="{4DEA9014-ED64-4558-B1E1-D03F0EE32BEB}">
+  <ds:schemaRefs>
+    <ds:schemaRef ds:uri="http://schemas.microsoft.com/office/2006/metadata/properties"/>
+    <ds:schemaRef ds:uri="http://schemas.microsoft.com/office/infopath/2007/PartnerControls"/>
+    <ds:schemaRef ds:uri="71af3243-3dd4-4a8d-8c0d-dd76da1f02a5"/>
+  </ds:schemaRefs>
+</ds:datastoreItem>
+</file>
+
+<file path=customXml/itemProps2.xml><?xml version="1.0" encoding="utf-8"?>
 <ds:datastoreItem xmlns:ds="http://schemas.openxmlformats.org/officeDocument/2006/customXml" ds:itemID="{B19EB750-A6DA-4BE8-B87B-FC499FE73360}">
   <ds:schemaRefs>
     <ds:schemaRef ds:uri="http://schemas.microsoft.com/office/2006/metadata/contentType"/>
@@ -13220,16 +13230,6 @@
 </ds:datastoreItem>
 </file>
 
-<file path=customXml/itemProps2.xml><?xml version="1.0" encoding="utf-8"?>
-<ds:datastoreItem xmlns:ds="http://schemas.openxmlformats.org/officeDocument/2006/customXml" ds:itemID="{4DEA9014-ED64-4558-B1E1-D03F0EE32BEB}">
-  <ds:schemaRefs>
-    <ds:schemaRef ds:uri="http://schemas.microsoft.com/office/2006/metadata/properties"/>
-    <ds:schemaRef ds:uri="http://schemas.microsoft.com/office/infopath/2007/PartnerControls"/>
-    <ds:schemaRef ds:uri="71af3243-3dd4-4a8d-8c0d-dd76da1f02a5"/>
-  </ds:schemaRefs>
-</ds:datastoreItem>
-</file>
-
 <file path=customXml/itemProps3.xml><?xml version="1.0" encoding="utf-8"?>
 <ds:datastoreItem xmlns:ds="http://schemas.openxmlformats.org/officeDocument/2006/customXml" ds:itemID="{05D99ABA-76CE-4A8E-B5F0-C051B96628DE}">
   <ds:schemaRefs>

--- a/Equip_B/results/S4_Presentacion_Marketing.pptx
+++ b/Equip_B/results/S4_Presentacion_Marketing.pptx
@@ -250,7 +250,7 @@
             <a:pPr rtl="0"/>
             <a:fld id="{75725A15-8D86-497D-8EAD-2EB1176C54F6}" type="datetime1">
               <a:rPr lang="es-ES" smtClean="0"/>
-              <a:t>03/11/2024</a:t>
+              <a:t>04/11/2024</a:t>
             </a:fld>
             <a:endParaRPr lang="es-ES"/>
           </a:p>
@@ -432,7 +432,7 @@
             <a:fld id="{B958D509-07EE-4A09-900B-403023880868}" type="datetime1">
               <a:rPr lang="es-ES" smtClean="0"/>
               <a:pPr/>
-              <a:t>03/11/2024</a:t>
+              <a:t>04/11/2024</a:t>
             </a:fld>
             <a:endParaRPr lang="es-ES" dirty="0"/>
           </a:p>
@@ -3775,7 +3775,7 @@
           <a:p>
             <a:fld id="{37A2730A-859E-B540-ADF3-E97069AD1FDB}" type="datetimeFigureOut">
               <a:rPr lang="en-US" smtClean="0"/>
-              <a:t>11/3/2024</a:t>
+              <a:t>11/4/2024</a:t>
             </a:fld>
             <a:endParaRPr lang="en-US"/>
           </a:p>
@@ -8129,7 +8129,7 @@
                   <a:schemeClr val="accent2"/>
                 </a:solidFill>
               </a:rPr>
-              <a:t>03/11/2024</a:t>
+              <a:t>04/11/2024</a:t>
             </a:fld>
             <a:endParaRPr lang="es-ES" sz="1100" noProof="0" dirty="0">
               <a:solidFill>
@@ -12849,7 +12849,7 @@
     <we:property name="Microsoft.Office.CampaignId" value="&quot;none&quot;"/>
     <we:property name="artifactViewState" value="&quot;live&quot;"/>
     <we:property name="backgroundColor" value="&quot;#F2F2F2&quot;"/>
-    <we:property name="bookmark" value="&quot;H4sIAAAAAAAAA+VVwW4TMRD9lcoXLiu0m2yTkFsbihBqUURRLqiqxvZk49axF9sbGqp8D9z5hPwYY++WljZSywFRidPab15m3oyf42smla81rN/DEtmYHUiH22+wJ18oE9Btv/u9gmXMtNFC8GJelLnsl7wYlYOcvhS1dVDWeDa+ZgFchWGmfAM6piTw01nGQOspVHE3B+0xYzU6bw1o9RVbMoWCa3CTMbyqtXUQU54GCBjTrohO+yjhZZ8qgghqhacoQouOhrzszfv9IfIilzkfDAdANN8SkrKdlJg6lZ9YE0AZKhOxnij5XMqhzItezvtiVPI84nOlQ0fh66Or2lF31PO6jsOZkNbKOiVAs9SFQ9+KvmZvFTpwYrE+xhXqiBztjj8MTZ2lYYX1DJxqh2IbJ/AhscU/4DyFTFCBsrFDMJfnJ+AuMShTsQ0NuDvqlFCo7Q9Se1OEYBlHHml3NLF3cfm5UWQM3IsMnyhdN+yk2y/sl4lDCks2zjfZr9EcyBUYQej9uRxUlcMKQrf9vaGJ1c1yB/7kRu90JWBZg6pMwt80pjNO/rxVK3lP7/5DvWeEePqt7i7Srac/tm0I3XhyLcpDcJMFuBBvLL+gqxGNvLm5TFT24s516dy8Tg7/L+x7tolYf1TKAvc5CsHl/qCU5St89Or/e6dIrK1X4dzYJXf4uGuyJ/1t/WWFf2hkaU0TdjrYOonusPXqa+VunoVedk/3szmOZLaI3rbBlkhPZ1zYJvgaBE7BYGqpbhMrTDw6IjAyziytXfweKzJnO7IZ6CZOKz20LJVJxX4CWT4a+OoHAAA=&quot;"/>
+    <we:property name="bookmark" value="&quot;H4sIAAAAAAAAA+VVwW7TQBD9lWovXCzkxHZcektCEUItqijqBVXVeHfibrvZNbvr0FDle+DOJ/THmF07NDSRWg6ISpyyfvMy82b8xnvLhHSNguV7mCM7YGNh8e4b7IkXUnu0d9/d3oAlTHdRXqRFkZdDFCMuijwrORcUNY2XRjt2cMs82Br9mXQtqJCSwE9syPNqJkQp0sEwrTK+n1cpO08YKHUCdeDMQDlMWIPWGQ1KfsUuBYW8bXGVMLxplLEQCp168BiKLYhOzyRs8DIjHcC9XOApct+h+2WVD2dZVmI1SEVajcoREM11hKh3JyWkjuWnRnuQmsoEbGcbhM+k8j2lWh7eNJZ6pkksmzCyKWmtjZUcFItdWHSd6Fv2VqIFyy+XR7hAFZDD3fHt0Ik1NCy/PAMru6GY1nLcJnb4B5zFkPbSUzY2AX19cQz2Gr3UNVvRgHsDxIRc3v0gtesiBIsw8kDb0MTehePnVpJdcC8wXKT03bDj/vnSfJlapLBgB+kq+TWasViA5ii25jKua4s1+P7x94amRrXzHfiTG93oisO8AVnriL9pdW+c9HmrluKB3mJb7zkhjv6r+kW69/THrg2uWkeuRTEBO70E68MeV1e0GsHIq/UyUdmrjXXp3byMDv8v7Hu+Cli2n4sBFhVyXolilIv8FT66+v/eKQIb46S/0GZeWXzcNcmTPlt/WeEfGlkY3fqdDjZWoJ10Xn0t7fpaGCYPdD+b1xHNFtD7Ntgc6UINB9N61wDHE9AYW2q6xBIjj14RaBFmFs82/B5JMmc3sjNQbZhWvGhZLBOL/QRJ9/bmAAgAAA==&quot;"/>
     <we:property name="creatorSessionId" value="&quot;62b41dc1-11db-451b-85a1-63ef87e73882&quot;"/>
     <we:property name="creatorTenantId" value="&quot;aec762e4-3d54-495e-a8fe-4287dce6fe69&quot;"/>
     <we:property name="creatorUserId" value="&quot;10032001F803F05B&quot;"/>
@@ -12879,7 +12879,7 @@
     <we:property name="Microsoft.Office.CampaignId" value="&quot;none&quot;"/>
     <we:property name="artifactViewState" value="&quot;live&quot;"/>
     <we:property name="backgroundColor" value="&quot;#F2F2F2&quot;"/>
-    <we:property name="bookmark" value="&quot;H4sIAAAAAAAAA+1Wy4rbMBT9laBNN6HYiZ042aVhSikzJXRKNiWUa+nGoxlFdiU5HTfke9p9PyE/1ivZ00lJKF10UZiBQKRzD/dxdCS8Y0LaSkHzDjbIpmwmDB6+QU+8kNqhOXy3vZj1mW6jWcqjPIY0y/NonAzjhA8ERcvKyVJbNt0xB6ZAt5S2BuVTEvhx1Weg1AIKv1uDsthnFRpbalDyK7ZkCjlT477P8L5SpQGf8tqBQ592S3TaUwvxyyFVBO7kFq+RuxYdi0k6iNLhhGd8EscJpBARzbaE0NlZik8dys9L7UBqKuOxCOJsLdZZBoMkS8RkNBqlHl9L5TpK3lzcV4amo5mbyoszp16L0kgOioUpDNq26R17I9GA4TfNJW5ReeTifPw0tDAlieWaJRjZilLWhuMpscXf4zqEtJOOsrFXoO8+XYG5Qyd1wfYkcHfUISGXhx/U7UMRgoWX3NOOemJv/fJzLckY2PMMGyjdNOyq29+UX+YGKSzYNNr3f0kzE1vQHMWJLrOiMFiA67a/DzQvVb05g//1oMdTYVVa6QL8utadb6LTpleEWEqgOl8+WuRDO0sOZn4Dxnnf57dkMG+H/YMlqeTtkek6TzTBJ0/CBKu9x1IcAP2iLOYQjWMQoyR5vkBP4gL9T01z2FQgC/0Prj1XtSXromj7e34C/vwEhFfgURy2Qfou8IuydrYCjgvQGCSp2pISA4+MAlr4Mwlr4/8vJQnfHskSVO17Dl8RLJQJ1X4CZDFbYMcIAAA=&quot;"/>
+    <we:property name="bookmark" value="&quot;H4sIAAAAAAAAA+1WwW4aMRD9FeRLL6jahQUWbhSlqqqkQk2VS4WqwZ5dnBh7a3tpKOJ72ns/gR/r2LtpaIOaHislEhLrN08zb8bzVrtjQrpKwfYdrJFN2FRYPHyDjnghtUd7+O46Kesy3UT7uShQjLPRMslBjKCH+ZCipvLSaMcmO+bBluivpKtBhZQEflx0GSg1hzKcClAOu6xC64wGJb9iQ6aQtzXuuwxvK2UshJSXHjyGtBui05kkpC/7VBG4lxu8RO4bdCTGg14y6I95zsdpmsEAEqK5hhCVnaSE1LH8zGgPUlOZgA2wB/RL8pRDMkpBDLMs4IVUvqUst2e3laXuqOdtFYYzI62lsZKDYrELi64RvWNvJFqwfLU9xw2qgJydjj8Mza2hYfntFVjZDMXUluNDYoO/xyKGtJeesrFXoG8+XYC9QS91yfY04PaqY0IuDz9I7V0RgkUYeaAdaWJvw+PnWtJiYCcwXKS03bCL9rwyX2YWKSzYJNl3f41mKjagOaF/zmValhZL8O3x94ZmRtXrE/g/N3rcFVbGSR/h17Vu9yb5v0VzWFcgS/246gUhjjKo1k33i/2haYar2tHqomj0zVZgfXDu8posEhZ6f2cqqn99ZJt2q7dx05/EGi/2AUsgzQtR5Dn0sjwT4+FwOHh+BTyJV8CjZlqCfTbQ3w0UPXQ/HLZG+i4ID6b2rgKOc9AYR1I1JSVGHu0GaBHuIT7b8H8uyXHNNVyBqoPm+BXBYplY7SeTaOHPxwgAAA==&quot;"/>
     <we:property name="creatorSessionId" value="&quot;64f68b58-b350-4f25-a152-2e59f57578c0&quot;"/>
     <we:property name="creatorTenantId" value="&quot;aec762e4-3d54-495e-a8fe-4287dce6fe69&quot;"/>
     <we:property name="creatorUserId" value="&quot;10032001F803F05B&quot;"/>
@@ -12910,7 +12910,7 @@
     <we:property name="Microsoft.Office.CampaignId" value="&quot;none&quot;"/>
     <we:property name="artifactViewState" value="&quot;live&quot;"/>
     <we:property name="backgroundColor" value="&quot;#F2F2F2&quot;"/>
-    <we:property name="bookmark" value="&quot;H4sIAAAAAAAAA+1XwU7cMBD9FeRLL6sq3iSbDbcSkKoKKlQQlwqhiT27GLJxajvb3aL9nvbeT+DHOnaWAruUHqCCtpzieCb2vDfPz8oFk8o2FczfwwTZJnsjDV5+hQ35StUOzeU3u8FZj9VdFPsDnkopU8CIA4/zKC4pqhundG3Z5gVzYMbojpRtofJL0uTH4x6DqtqHsX8bQWWxxxo0VtdQqS/YJVPImRYXPYazptIG/JIHDhz6ZaeUTu9UAn8d044gnJriAQrXzUIKI15GWT/K4yjLI54PE0qzXUKo7M4Uv3TYvtC1A1XTNn4ujZK4HCLPIozlMEtkCZmfH6nKLVPK+c6sMYSOMM+bjrop1AIlCxAM2q7iC7aHYFsTcOzcChzo1gj8gKMQqp1yc1pnC+rzkz0w5+hUPWYLomTfaCIsRA/BwsnOTDl9slvBBCSEjFP9uTBIbEm2GS2OacbSx9WS3Guch12tAoyvU5dnxJDHQx9oI9FszQOkbWWuuO33Vqr+83CofsrK0n6eD9I4FhEf8GHCIb6nCUuFpjIfjlCKWAwSyOMYQEYEdNmigggaa6MEUbLapUJX7aR+HFTCq0m4tc7wRe/p5FJUCulMdzTrf0U1a6g68fRlMkoyTLiIynIgE8jK/Lcn+D55vFVowIjT+S5OsVqH8TO+Hroq/AiM6mwtQH4AFUuzDgsKdfmd3WJHetP0aTdqYu/88FOryNpxw2fYkLJEQ+2xdyjiOav1CWt7gPFWdMcUVWtJhCg7yyn0pNTFKRi3era6W45qOLtxjy1F2p24/0KVdKBpLpU8LcuSo0wwiUTcj2T8TO7kPZQKrlRhZ9vYaEs6+ast9teYOoNNOZeCl8MkSSSUsUhTDi8G+9wN9jGVuuJiLwZ2r4EFD7smh02QfpT8QLfONiBwH2oMlDTdlgpDHokBaul7EsbGP3cVEd+15Aiq1tccfqtY2Cbs9gOznkDE2A0AAA==&quot;"/>
+    <we:property name="bookmark" value="&quot;H4sIAAAAAAAAA+1XwU7cMBD9FeRLL6sq2SSbDbcSkKoKKlQQlwqhiT27GLJxajvb3aL9nvbeT+DHOraXAruUHqCCtpzieCb2vDfPz8oFE9K0NczfwwTZJnsjNF5+hQ3xSjYW9eU3sxGzHmtCFNMiEmlUFQOBGIksEryiqGqtVI1hmxfMgh6jPZKmg9otSZMfj3sM6nofxu5tBLXBHmtRG9VALb9gSKaQ1R0uegxnba00uCUPLFh0y04pnd6phPh1QjsCt3KKB8htmIUMRnEV5f2oSKK8iOJimFKaCQm+sjtT3NJ++1I1FmRD27i5LEqTaohxHmEihnkqKsjd/EjWdplSzXdmrSZ0hHneBuqm0HAUzEPQaELFF2wPwXTa49i5FThQneb4AUc+1Fhp57TOFjTnJ3ugz9HKZswWRMm+VkSYjx6CgZOdmbTqZLeGCQjwGafqc6mR2BJsM1oc04yhj+sludc4D0OtHLSrU1VnxJDDQx8oLVBvzT2kbamvuO33Vqr+83CofsrKs35RDLIk4VE8iIdpDMk9TVgqNBPFcISCJ3yQQpEkACIioMsWlUTQWGnJiZLVLpWq7ibN46DiTk3crnUmXvSeTi5lLZHOdKBZ/SuqWUMVxNMX6SjNMY15VFUDkUJeFb89wffJ461EDZqfzndxivU6jJ/x9dBV4UegZbA1D/kBVCzN2i/I5eV3dosd4UzTpd2oib1zw0+dJGvHDZdhfMoSDbXH3KGI56zWJ6ztAcZb0x1T1p0hEaIIllOqSaXKU9B29WyFW45qOLtxjy1FGk7cf6FKOtA0l4k4q6oqRpFiGvGkH4nkmdzJeygkXKnCzLaxVYZ08ldb7K8xBYPN4ljwuBqmaSqgSniWxfBisM/dYB9TqSsu9mJg9xqY97BrctgE6UfJDVRnTQsc96FBT0kbtpTo80gM0AjXEz/W7rkrifjQkiOoO1ez/61ifhu/2w8m6ufx2A0AAA==&quot;"/>
     <we:property name="creatorSessionId" value="&quot;f9ce13d7-f350-47b8-a9c9-1532f3fe1965&quot;"/>
     <we:property name="creatorTenantId" value="&quot;aec762e4-3d54-495e-a8fe-4287dce6fe69&quot;"/>
     <we:property name="creatorUserId" value="&quot;10032001F803F05B&quot;"/>
@@ -12963,15 +12963,6 @@
 </file>
 
 <file path=customXml/item1.xml><?xml version="1.0" encoding="utf-8"?>
-<p:properties xmlns:p="http://schemas.microsoft.com/office/2006/metadata/properties" xmlns:xsi="http://www.w3.org/2001/XMLSchema-instance" xmlns:pc="http://schemas.microsoft.com/office/infopath/2007/PartnerControls">
-  <documentManagement>
-    <Status xmlns="71af3243-3dd4-4a8d-8c0d-dd76da1f02a5">Not started</Status>
-    <MediaServiceKeyPoints xmlns="71af3243-3dd4-4a8d-8c0d-dd76da1f02a5" xsi:nil="true"/>
-  </documentManagement>
-</p:properties>
-</file>
-
-<file path=customXml/item2.xml><?xml version="1.0" encoding="utf-8"?>
 <ct:contentTypeSchema xmlns:ct="http://schemas.microsoft.com/office/2006/metadata/contentType" xmlns:ma="http://schemas.microsoft.com/office/2006/metadata/properties/metaAttributes" ct:_="" ma:_="" ma:contentTypeName="Document" ma:contentTypeID="0x01010079F111ED35F8CC479449609E8A0923A6" ma:contentTypeVersion="12" ma:contentTypeDescription="Create a new document." ma:contentTypeScope="" ma:versionID="426e97fa315356fffbdcd9876fe988c2">
   <xsd:schema xmlns:xsd="http://www.w3.org/2001/XMLSchema" xmlns:xs="http://www.w3.org/2001/XMLSchema" xmlns:p="http://schemas.microsoft.com/office/2006/metadata/properties" xmlns:ns2="71af3243-3dd4-4a8d-8c0d-dd76da1f02a5" xmlns:ns3="16c05727-aa75-4e4a-9b5f-8a80a1165891" targetNamespace="http://schemas.microsoft.com/office/2006/metadata/properties" ma:root="true" ma:fieldsID="14b8f0def80e6d70ce3def20c90759ae" ns2:_="" ns3:_="">
     <xsd:import namespace="71af3243-3dd4-4a8d-8c0d-dd76da1f02a5"/>
@@ -13192,6 +13183,15 @@
 </ct:contentTypeSchema>
 </file>
 
+<file path=customXml/item2.xml><?xml version="1.0" encoding="utf-8"?>
+<p:properties xmlns:p="http://schemas.microsoft.com/office/2006/metadata/properties" xmlns:xsi="http://www.w3.org/2001/XMLSchema-instance" xmlns:pc="http://schemas.microsoft.com/office/infopath/2007/PartnerControls">
+  <documentManagement>
+    <Status xmlns="71af3243-3dd4-4a8d-8c0d-dd76da1f02a5">Not started</Status>
+    <MediaServiceKeyPoints xmlns="71af3243-3dd4-4a8d-8c0d-dd76da1f02a5" xsi:nil="true"/>
+  </documentManagement>
+</p:properties>
+</file>
+
 <file path=customXml/item3.xml><?xml version="1.0" encoding="utf-8"?>
 <?mso-contentType ?>
 <FormTemplates xmlns="http://schemas.microsoft.com/sharepoint/v3/contenttype/forms">
@@ -13202,16 +13202,6 @@
 </file>
 
 <file path=customXml/itemProps1.xml><?xml version="1.0" encoding="utf-8"?>
-<ds:datastoreItem xmlns:ds="http://schemas.openxmlformats.org/officeDocument/2006/customXml" ds:itemID="{4DEA9014-ED64-4558-B1E1-D03F0EE32BEB}">
-  <ds:schemaRefs>
-    <ds:schemaRef ds:uri="http://schemas.microsoft.com/office/2006/metadata/properties"/>
-    <ds:schemaRef ds:uri="http://schemas.microsoft.com/office/infopath/2007/PartnerControls"/>
-    <ds:schemaRef ds:uri="71af3243-3dd4-4a8d-8c0d-dd76da1f02a5"/>
-  </ds:schemaRefs>
-</ds:datastoreItem>
-</file>
-
-<file path=customXml/itemProps2.xml><?xml version="1.0" encoding="utf-8"?>
 <ds:datastoreItem xmlns:ds="http://schemas.openxmlformats.org/officeDocument/2006/customXml" ds:itemID="{B19EB750-A6DA-4BE8-B87B-FC499FE73360}">
   <ds:schemaRefs>
     <ds:schemaRef ds:uri="http://schemas.microsoft.com/office/2006/metadata/contentType"/>
@@ -13230,6 +13220,16 @@
 </ds:datastoreItem>
 </file>
 
+<file path=customXml/itemProps2.xml><?xml version="1.0" encoding="utf-8"?>
+<ds:datastoreItem xmlns:ds="http://schemas.openxmlformats.org/officeDocument/2006/customXml" ds:itemID="{4DEA9014-ED64-4558-B1E1-D03F0EE32BEB}">
+  <ds:schemaRefs>
+    <ds:schemaRef ds:uri="http://schemas.microsoft.com/office/2006/metadata/properties"/>
+    <ds:schemaRef ds:uri="http://schemas.microsoft.com/office/infopath/2007/PartnerControls"/>
+    <ds:schemaRef ds:uri="71af3243-3dd4-4a8d-8c0d-dd76da1f02a5"/>
+  </ds:schemaRefs>
+</ds:datastoreItem>
+</file>
+
 <file path=customXml/itemProps3.xml><?xml version="1.0" encoding="utf-8"?>
 <ds:datastoreItem xmlns:ds="http://schemas.openxmlformats.org/officeDocument/2006/customXml" ds:itemID="{05D99ABA-76CE-4A8E-B5F0-C051B96628DE}">
   <ds:schemaRefs>
